--- a/TeamProjectSaCyHs/WebContent/doc/Project MUZ_상아_찬양_환상.pptx
+++ b/TeamProjectSaCyHs/WebContent/doc/Project MUZ_상아_찬양_환상.pptx
@@ -6,43 +6,44 @@
   </p:sldMasterIdLst>
   <p:sldIdLst>
     <p:sldId id="256" r:id="rId2"/>
-    <p:sldId id="291" r:id="rId3"/>
-    <p:sldId id="292" r:id="rId4"/>
-    <p:sldId id="293" r:id="rId5"/>
-    <p:sldId id="294" r:id="rId6"/>
-    <p:sldId id="284" r:id="rId7"/>
-    <p:sldId id="257" r:id="rId8"/>
-    <p:sldId id="265" r:id="rId9"/>
-    <p:sldId id="267" r:id="rId10"/>
-    <p:sldId id="268" r:id="rId11"/>
-    <p:sldId id="269" r:id="rId12"/>
-    <p:sldId id="270" r:id="rId13"/>
-    <p:sldId id="271" r:id="rId14"/>
-    <p:sldId id="272" r:id="rId15"/>
-    <p:sldId id="273" r:id="rId16"/>
-    <p:sldId id="274" r:id="rId17"/>
-    <p:sldId id="275" r:id="rId18"/>
-    <p:sldId id="276" r:id="rId19"/>
-    <p:sldId id="279" r:id="rId20"/>
-    <p:sldId id="277" r:id="rId21"/>
-    <p:sldId id="278" r:id="rId22"/>
-    <p:sldId id="295" r:id="rId23"/>
-    <p:sldId id="296" r:id="rId24"/>
-    <p:sldId id="297" r:id="rId25"/>
-    <p:sldId id="285" r:id="rId26"/>
-    <p:sldId id="298" r:id="rId27"/>
-    <p:sldId id="299" r:id="rId28"/>
-    <p:sldId id="300" r:id="rId29"/>
-    <p:sldId id="301" r:id="rId30"/>
-    <p:sldId id="302" r:id="rId31"/>
-    <p:sldId id="303" r:id="rId32"/>
-    <p:sldId id="304" r:id="rId33"/>
-    <p:sldId id="305" r:id="rId34"/>
-    <p:sldId id="306" r:id="rId35"/>
-    <p:sldId id="307" r:id="rId36"/>
-    <p:sldId id="308" r:id="rId37"/>
-    <p:sldId id="309" r:id="rId38"/>
-    <p:sldId id="310" r:id="rId39"/>
+    <p:sldId id="311" r:id="rId3"/>
+    <p:sldId id="291" r:id="rId4"/>
+    <p:sldId id="292" r:id="rId5"/>
+    <p:sldId id="293" r:id="rId6"/>
+    <p:sldId id="294" r:id="rId7"/>
+    <p:sldId id="284" r:id="rId8"/>
+    <p:sldId id="257" r:id="rId9"/>
+    <p:sldId id="265" r:id="rId10"/>
+    <p:sldId id="267" r:id="rId11"/>
+    <p:sldId id="268" r:id="rId12"/>
+    <p:sldId id="269" r:id="rId13"/>
+    <p:sldId id="270" r:id="rId14"/>
+    <p:sldId id="271" r:id="rId15"/>
+    <p:sldId id="272" r:id="rId16"/>
+    <p:sldId id="273" r:id="rId17"/>
+    <p:sldId id="274" r:id="rId18"/>
+    <p:sldId id="275" r:id="rId19"/>
+    <p:sldId id="276" r:id="rId20"/>
+    <p:sldId id="279" r:id="rId21"/>
+    <p:sldId id="277" r:id="rId22"/>
+    <p:sldId id="278" r:id="rId23"/>
+    <p:sldId id="295" r:id="rId24"/>
+    <p:sldId id="296" r:id="rId25"/>
+    <p:sldId id="297" r:id="rId26"/>
+    <p:sldId id="285" r:id="rId27"/>
+    <p:sldId id="298" r:id="rId28"/>
+    <p:sldId id="299" r:id="rId29"/>
+    <p:sldId id="300" r:id="rId30"/>
+    <p:sldId id="301" r:id="rId31"/>
+    <p:sldId id="302" r:id="rId32"/>
+    <p:sldId id="303" r:id="rId33"/>
+    <p:sldId id="304" r:id="rId34"/>
+    <p:sldId id="305" r:id="rId35"/>
+    <p:sldId id="306" r:id="rId36"/>
+    <p:sldId id="307" r:id="rId37"/>
+    <p:sldId id="308" r:id="rId38"/>
+    <p:sldId id="309" r:id="rId39"/>
+    <p:sldId id="310" r:id="rId40"/>
   </p:sldIdLst>
   <p:sldSz cx="9144000" cy="6858000" type="screen4x3"/>
   <p:notesSz cx="6858000" cy="9144000"/>
@@ -325,7 +326,7 @@
           <a:p>
             <a:fld id="{65C981CD-2FF6-4886-AA24-F0C80D5C4DFF}" type="datetimeFigureOut">
               <a:rPr lang="ko-KR" altLang="en-US" smtClean="0"/>
-              <a:t>2020-04-29</a:t>
+              <a:t>2020-05-01</a:t>
             </a:fld>
             <a:endParaRPr lang="ko-KR" altLang="en-US"/>
           </a:p>
@@ -495,7 +496,7 @@
           <a:p>
             <a:fld id="{65C981CD-2FF6-4886-AA24-F0C80D5C4DFF}" type="datetimeFigureOut">
               <a:rPr lang="ko-KR" altLang="en-US" smtClean="0"/>
-              <a:t>2020-04-29</a:t>
+              <a:t>2020-05-01</a:t>
             </a:fld>
             <a:endParaRPr lang="ko-KR" altLang="en-US"/>
           </a:p>
@@ -675,7 +676,7 @@
           <a:p>
             <a:fld id="{65C981CD-2FF6-4886-AA24-F0C80D5C4DFF}" type="datetimeFigureOut">
               <a:rPr lang="ko-KR" altLang="en-US" smtClean="0"/>
-              <a:t>2020-04-29</a:t>
+              <a:t>2020-05-01</a:t>
             </a:fld>
             <a:endParaRPr lang="ko-KR" altLang="en-US"/>
           </a:p>
@@ -845,7 +846,7 @@
           <a:p>
             <a:fld id="{65C981CD-2FF6-4886-AA24-F0C80D5C4DFF}" type="datetimeFigureOut">
               <a:rPr lang="ko-KR" altLang="en-US" smtClean="0"/>
-              <a:t>2020-04-29</a:t>
+              <a:t>2020-05-01</a:t>
             </a:fld>
             <a:endParaRPr lang="ko-KR" altLang="en-US"/>
           </a:p>
@@ -1091,7 +1092,7 @@
           <a:p>
             <a:fld id="{65C981CD-2FF6-4886-AA24-F0C80D5C4DFF}" type="datetimeFigureOut">
               <a:rPr lang="ko-KR" altLang="en-US" smtClean="0"/>
-              <a:t>2020-04-29</a:t>
+              <a:t>2020-05-01</a:t>
             </a:fld>
             <a:endParaRPr lang="ko-KR" altLang="en-US"/>
           </a:p>
@@ -1379,7 +1380,7 @@
           <a:p>
             <a:fld id="{65C981CD-2FF6-4886-AA24-F0C80D5C4DFF}" type="datetimeFigureOut">
               <a:rPr lang="ko-KR" altLang="en-US" smtClean="0"/>
-              <a:t>2020-04-29</a:t>
+              <a:t>2020-05-01</a:t>
             </a:fld>
             <a:endParaRPr lang="ko-KR" altLang="en-US"/>
           </a:p>
@@ -1801,7 +1802,7 @@
           <a:p>
             <a:fld id="{65C981CD-2FF6-4886-AA24-F0C80D5C4DFF}" type="datetimeFigureOut">
               <a:rPr lang="ko-KR" altLang="en-US" smtClean="0"/>
-              <a:t>2020-04-29</a:t>
+              <a:t>2020-05-01</a:t>
             </a:fld>
             <a:endParaRPr lang="ko-KR" altLang="en-US"/>
           </a:p>
@@ -1919,7 +1920,7 @@
           <a:p>
             <a:fld id="{65C981CD-2FF6-4886-AA24-F0C80D5C4DFF}" type="datetimeFigureOut">
               <a:rPr lang="ko-KR" altLang="en-US" smtClean="0"/>
-              <a:t>2020-04-29</a:t>
+              <a:t>2020-05-01</a:t>
             </a:fld>
             <a:endParaRPr lang="ko-KR" altLang="en-US"/>
           </a:p>
@@ -2014,7 +2015,7 @@
           <a:p>
             <a:fld id="{65C981CD-2FF6-4886-AA24-F0C80D5C4DFF}" type="datetimeFigureOut">
               <a:rPr lang="ko-KR" altLang="en-US" smtClean="0"/>
-              <a:t>2020-04-29</a:t>
+              <a:t>2020-05-01</a:t>
             </a:fld>
             <a:endParaRPr lang="ko-KR" altLang="en-US"/>
           </a:p>
@@ -2291,7 +2292,7 @@
           <a:p>
             <a:fld id="{65C981CD-2FF6-4886-AA24-F0C80D5C4DFF}" type="datetimeFigureOut">
               <a:rPr lang="ko-KR" altLang="en-US" smtClean="0"/>
-              <a:t>2020-04-29</a:t>
+              <a:t>2020-05-01</a:t>
             </a:fld>
             <a:endParaRPr lang="ko-KR" altLang="en-US"/>
           </a:p>
@@ -2544,7 +2545,7 @@
           <a:p>
             <a:fld id="{65C981CD-2FF6-4886-AA24-F0C80D5C4DFF}" type="datetimeFigureOut">
               <a:rPr lang="ko-KR" altLang="en-US" smtClean="0"/>
-              <a:t>2020-04-29</a:t>
+              <a:t>2020-05-01</a:t>
             </a:fld>
             <a:endParaRPr lang="ko-KR" altLang="en-US"/>
           </a:p>
@@ -2760,7 +2761,7 @@
           <a:p>
             <a:fld id="{65C981CD-2FF6-4886-AA24-F0C80D5C4DFF}" type="datetimeFigureOut">
               <a:rPr lang="ko-KR" altLang="en-US" smtClean="0"/>
-              <a:t>2020-04-29</a:t>
+              <a:t>2020-05-01</a:t>
             </a:fld>
             <a:endParaRPr lang="ko-KR" altLang="en-US"/>
           </a:p>
@@ -3500,6 +3501,596 @@
       </p:sp>
       <p:pic>
         <p:nvPicPr>
+          <p:cNvPr id="4098" name="Picture 2"/>
+          <p:cNvPicPr>
+            <a:picLocks noChangeAspect="1" noChangeArrowheads="1"/>
+          </p:cNvPicPr>
+          <p:nvPr/>
+        </p:nvPicPr>
+        <p:blipFill>
+          <a:blip r:embed="rId2">
+            <a:extLst>
+              <a:ext uri="{28A0092B-C50C-407E-A947-70E740481C1C}">
+                <a14:useLocalDpi xmlns:a14="http://schemas.microsoft.com/office/drawing/2010/main" val="0"/>
+              </a:ext>
+            </a:extLst>
+          </a:blip>
+          <a:srcRect/>
+          <a:stretch>
+            <a:fillRect/>
+          </a:stretch>
+        </p:blipFill>
+        <p:spPr bwMode="auto">
+          <a:xfrm>
+            <a:off x="107504" y="1010557"/>
+            <a:ext cx="4143568" cy="5754191"/>
+          </a:xfrm>
+          <a:prstGeom prst="rect">
+            <a:avLst/>
+          </a:prstGeom>
+          <a:noFill/>
+          <a:ln>
+            <a:noFill/>
+          </a:ln>
+          <a:effectLst/>
+          <a:extLst>
+            <a:ext uri="{909E8E84-426E-40DD-AFC4-6F175D3DCCD1}">
+              <a14:hiddenFill xmlns:a14="http://schemas.microsoft.com/office/drawing/2010/main">
+                <a:solidFill>
+                  <a:schemeClr val="accent1"/>
+                </a:solidFill>
+              </a14:hiddenFill>
+            </a:ext>
+            <a:ext uri="{91240B29-F687-4F45-9708-019B960494DF}">
+              <a14:hiddenLine xmlns:a14="http://schemas.microsoft.com/office/drawing/2010/main" w="9525">
+                <a:solidFill>
+                  <a:schemeClr val="tx1"/>
+                </a:solidFill>
+                <a:miter lim="800000"/>
+                <a:headEnd/>
+                <a:tailEnd/>
+              </a14:hiddenLine>
+            </a:ext>
+            <a:ext uri="{AF507438-7753-43E0-B8FC-AC1667EBCBE1}">
+              <a14:hiddenEffects xmlns:a14="http://schemas.microsoft.com/office/drawing/2010/main">
+                <a:effectLst>
+                  <a:outerShdw dist="35921" dir="2700000" algn="ctr" rotWithShape="0">
+                    <a:schemeClr val="bg2"/>
+                  </a:outerShdw>
+                </a:effectLst>
+              </a14:hiddenEffects>
+            </a:ext>
+          </a:extLst>
+        </p:spPr>
+      </p:pic>
+      <p:pic>
+        <p:nvPicPr>
+          <p:cNvPr id="1028" name="Picture 4" descr="C:\박상아\zum header.PNG"/>
+          <p:cNvPicPr>
+            <a:picLocks noChangeAspect="1" noChangeArrowheads="1"/>
+          </p:cNvPicPr>
+          <p:nvPr/>
+        </p:nvPicPr>
+        <p:blipFill>
+          <a:blip r:embed="rId3">
+            <a:extLst>
+              <a:ext uri="{28A0092B-C50C-407E-A947-70E740481C1C}">
+                <a14:useLocalDpi xmlns:a14="http://schemas.microsoft.com/office/drawing/2010/main" val="0"/>
+              </a:ext>
+            </a:extLst>
+          </a:blip>
+          <a:srcRect/>
+          <a:stretch>
+            <a:fillRect/>
+          </a:stretch>
+        </p:blipFill>
+        <p:spPr bwMode="auto">
+          <a:xfrm>
+            <a:off x="1" y="0"/>
+            <a:ext cx="9144000" cy="904875"/>
+          </a:xfrm>
+          <a:prstGeom prst="rect">
+            <a:avLst/>
+          </a:prstGeom>
+          <a:noFill/>
+          <a:extLst>
+            <a:ext uri="{909E8E84-426E-40DD-AFC4-6F175D3DCCD1}">
+              <a14:hiddenFill xmlns:a14="http://schemas.microsoft.com/office/drawing/2010/main">
+                <a:solidFill>
+                  <a:srgbClr val="FFFFFF"/>
+                </a:solidFill>
+              </a14:hiddenFill>
+            </a:ext>
+          </a:extLst>
+        </p:spPr>
+      </p:pic>
+      <p:sp>
+        <p:nvSpPr>
+          <p:cNvPr id="5" name="TextBox 4"/>
+          <p:cNvSpPr txBox="1"/>
+          <p:nvPr/>
+        </p:nvSpPr>
+        <p:spPr>
+          <a:xfrm>
+            <a:off x="2548672" y="267771"/>
+            <a:ext cx="4147289" cy="369332"/>
+          </a:xfrm>
+          <a:prstGeom prst="rect">
+            <a:avLst/>
+          </a:prstGeom>
+          <a:noFill/>
+        </p:spPr>
+        <p:txBody>
+          <a:bodyPr wrap="none" rtlCol="0">
+            <a:spAutoFit/>
+          </a:bodyPr>
+          <a:lstStyle/>
+          <a:p>
+            <a:r>
+              <a:rPr lang="ko-KR" altLang="en-US" dirty="0" smtClean="0">
+                <a:solidFill>
+                  <a:schemeClr val="bg1"/>
+                </a:solidFill>
+                <a:latin typeface="HY태백B" pitchFamily="18" charset="-127"/>
+                <a:ea typeface="HY태백B" pitchFamily="18" charset="-127"/>
+              </a:rPr>
+              <a:t>회원가</a:t>
+            </a:r>
+            <a:r>
+              <a:rPr lang="ko-KR" altLang="en-US" dirty="0">
+                <a:solidFill>
+                  <a:schemeClr val="bg1"/>
+                </a:solidFill>
+                <a:latin typeface="HY태백B" pitchFamily="18" charset="-127"/>
+                <a:ea typeface="HY태백B" pitchFamily="18" charset="-127"/>
+              </a:rPr>
+              <a:t>입</a:t>
+            </a:r>
+            <a:r>
+              <a:rPr lang="ko-KR" altLang="en-US" dirty="0" smtClean="0">
+                <a:solidFill>
+                  <a:schemeClr val="bg1"/>
+                </a:solidFill>
+                <a:latin typeface="HY태백B" pitchFamily="18" charset="-127"/>
+                <a:ea typeface="HY태백B" pitchFamily="18" charset="-127"/>
+              </a:rPr>
+              <a:t> 페이지 </a:t>
+            </a:r>
+            <a:r>
+              <a:rPr lang="en-US" altLang="ko-KR" dirty="0" smtClean="0">
+                <a:solidFill>
+                  <a:schemeClr val="bg1"/>
+                </a:solidFill>
+                <a:latin typeface="HY태백B" pitchFamily="18" charset="-127"/>
+                <a:ea typeface="HY태백B" pitchFamily="18" charset="-127"/>
+              </a:rPr>
+              <a:t>– </a:t>
+            </a:r>
+            <a:r>
+              <a:rPr lang="ko-KR" altLang="en-US" dirty="0" smtClean="0">
+                <a:solidFill>
+                  <a:schemeClr val="bg1"/>
+                </a:solidFill>
+                <a:latin typeface="HY태백B" pitchFamily="18" charset="-127"/>
+                <a:ea typeface="HY태백B" pitchFamily="18" charset="-127"/>
+              </a:rPr>
+              <a:t>아이디 유효성 검사</a:t>
+            </a:r>
+            <a:endParaRPr lang="ko-KR" altLang="en-US" dirty="0">
+              <a:solidFill>
+                <a:schemeClr val="bg1"/>
+              </a:solidFill>
+              <a:latin typeface="HY태백B" pitchFamily="18" charset="-127"/>
+              <a:ea typeface="HY태백B" pitchFamily="18" charset="-127"/>
+            </a:endParaRPr>
+          </a:p>
+        </p:txBody>
+      </p:sp>
+      <p:cxnSp>
+        <p:nvCxnSpPr>
+          <p:cNvPr id="8" name="직선 연결선 7"/>
+          <p:cNvCxnSpPr/>
+          <p:nvPr/>
+        </p:nvCxnSpPr>
+        <p:spPr>
+          <a:xfrm flipV="1">
+            <a:off x="3635896" y="1484784"/>
+            <a:ext cx="252028" cy="366990"/>
+          </a:xfrm>
+          <a:prstGeom prst="line">
+            <a:avLst/>
+          </a:prstGeom>
+          <a:ln>
+            <a:solidFill>
+              <a:schemeClr val="accent2"/>
+            </a:solidFill>
+          </a:ln>
+        </p:spPr>
+        <p:style>
+          <a:lnRef idx="1">
+            <a:schemeClr val="accent1"/>
+          </a:lnRef>
+          <a:fillRef idx="0">
+            <a:schemeClr val="accent1"/>
+          </a:fillRef>
+          <a:effectRef idx="0">
+            <a:schemeClr val="accent1"/>
+          </a:effectRef>
+          <a:fontRef idx="minor">
+            <a:schemeClr val="tx1"/>
+          </a:fontRef>
+        </p:style>
+      </p:cxnSp>
+      <p:pic>
+        <p:nvPicPr>
+          <p:cNvPr id="4099" name="Picture 3"/>
+          <p:cNvPicPr>
+            <a:picLocks noChangeAspect="1" noChangeArrowheads="1"/>
+          </p:cNvPicPr>
+          <p:nvPr/>
+        </p:nvPicPr>
+        <p:blipFill>
+          <a:blip r:embed="rId4">
+            <a:extLst>
+              <a:ext uri="{28A0092B-C50C-407E-A947-70E740481C1C}">
+                <a14:useLocalDpi xmlns:a14="http://schemas.microsoft.com/office/drawing/2010/main" val="0"/>
+              </a:ext>
+            </a:extLst>
+          </a:blip>
+          <a:srcRect/>
+          <a:stretch>
+            <a:fillRect/>
+          </a:stretch>
+        </p:blipFill>
+        <p:spPr bwMode="auto">
+          <a:xfrm>
+            <a:off x="3878483" y="1079214"/>
+            <a:ext cx="3420379" cy="981634"/>
+          </a:xfrm>
+          <a:prstGeom prst="rect">
+            <a:avLst/>
+          </a:prstGeom>
+          <a:noFill/>
+          <a:ln w="9525">
+            <a:solidFill>
+              <a:schemeClr val="accent2"/>
+            </a:solidFill>
+            <a:miter lim="800000"/>
+            <a:headEnd/>
+            <a:tailEnd/>
+          </a:ln>
+          <a:effectLst>
+            <a:outerShdw blurRad="50800" dist="38100" dir="2700000" algn="tl" rotWithShape="0">
+              <a:prstClr val="black">
+                <a:alpha val="40000"/>
+              </a:prstClr>
+            </a:outerShdw>
+          </a:effectLst>
+          <a:extLst>
+            <a:ext uri="{909E8E84-426E-40DD-AFC4-6F175D3DCCD1}">
+              <a14:hiddenFill xmlns:a14="http://schemas.microsoft.com/office/drawing/2010/main">
+                <a:solidFill>
+                  <a:schemeClr val="accent1"/>
+                </a:solidFill>
+              </a14:hiddenFill>
+            </a:ext>
+          </a:extLst>
+        </p:spPr>
+      </p:pic>
+      <p:pic>
+        <p:nvPicPr>
+          <p:cNvPr id="2050" name="Picture 2"/>
+          <p:cNvPicPr>
+            <a:picLocks noChangeAspect="1" noChangeArrowheads="1"/>
+          </p:cNvPicPr>
+          <p:nvPr/>
+        </p:nvPicPr>
+        <p:blipFill>
+          <a:blip r:embed="rId5">
+            <a:extLst>
+              <a:ext uri="{28A0092B-C50C-407E-A947-70E740481C1C}">
+                <a14:useLocalDpi xmlns:a14="http://schemas.microsoft.com/office/drawing/2010/main" val="0"/>
+              </a:ext>
+            </a:extLst>
+          </a:blip>
+          <a:srcRect/>
+          <a:stretch>
+            <a:fillRect/>
+          </a:stretch>
+        </p:blipFill>
+        <p:spPr bwMode="auto">
+          <a:xfrm>
+            <a:off x="4572001" y="2204864"/>
+            <a:ext cx="4159186" cy="2722376"/>
+          </a:xfrm>
+          <a:prstGeom prst="rect">
+            <a:avLst/>
+          </a:prstGeom>
+          <a:noFill/>
+          <a:ln>
+            <a:noFill/>
+          </a:ln>
+          <a:effectLst/>
+          <a:extLst>
+            <a:ext uri="{909E8E84-426E-40DD-AFC4-6F175D3DCCD1}">
+              <a14:hiddenFill xmlns:a14="http://schemas.microsoft.com/office/drawing/2010/main">
+                <a:solidFill>
+                  <a:schemeClr val="accent1"/>
+                </a:solidFill>
+              </a14:hiddenFill>
+            </a:ext>
+            <a:ext uri="{91240B29-F687-4F45-9708-019B960494DF}">
+              <a14:hiddenLine xmlns:a14="http://schemas.microsoft.com/office/drawing/2010/main" w="9525">
+                <a:solidFill>
+                  <a:schemeClr val="tx1"/>
+                </a:solidFill>
+                <a:miter lim="800000"/>
+                <a:headEnd/>
+                <a:tailEnd/>
+              </a14:hiddenLine>
+            </a:ext>
+            <a:ext uri="{AF507438-7753-43E0-B8FC-AC1667EBCBE1}">
+              <a14:hiddenEffects xmlns:a14="http://schemas.microsoft.com/office/drawing/2010/main">
+                <a:effectLst>
+                  <a:outerShdw dist="35921" dir="2700000" algn="ctr" rotWithShape="0">
+                    <a:schemeClr val="bg2"/>
+                  </a:outerShdw>
+                </a:effectLst>
+              </a14:hiddenEffects>
+            </a:ext>
+          </a:extLst>
+        </p:spPr>
+      </p:pic>
+      <p:sp>
+        <p:nvSpPr>
+          <p:cNvPr id="2" name="TextBox 1"/>
+          <p:cNvSpPr txBox="1"/>
+          <p:nvPr/>
+        </p:nvSpPr>
+        <p:spPr>
+          <a:xfrm>
+            <a:off x="4427984" y="4643844"/>
+            <a:ext cx="356188" cy="369332"/>
+          </a:xfrm>
+          <a:prstGeom prst="rect">
+            <a:avLst/>
+          </a:prstGeom>
+          <a:noFill/>
+        </p:spPr>
+        <p:txBody>
+          <a:bodyPr wrap="none" rtlCol="0">
+            <a:spAutoFit/>
+          </a:bodyPr>
+          <a:lstStyle/>
+          <a:p>
+            <a:r>
+              <a:rPr lang="en-US" altLang="ko-KR" dirty="0" smtClean="0"/>
+              <a:t>…</a:t>
+            </a:r>
+            <a:endParaRPr lang="ko-KR" altLang="en-US" dirty="0"/>
+          </a:p>
+        </p:txBody>
+      </p:sp>
+      <p:pic>
+        <p:nvPicPr>
+          <p:cNvPr id="13" name="Picture 2"/>
+          <p:cNvPicPr>
+            <a:picLocks noChangeAspect="1" noChangeArrowheads="1"/>
+          </p:cNvPicPr>
+          <p:nvPr/>
+        </p:nvPicPr>
+        <p:blipFill>
+          <a:blip r:embed="rId5">
+            <a:extLst>
+              <a:ext uri="{28A0092B-C50C-407E-A947-70E740481C1C}">
+                <a14:useLocalDpi xmlns:a14="http://schemas.microsoft.com/office/drawing/2010/main" val="0"/>
+              </a:ext>
+            </a:extLst>
+          </a:blip>
+          <a:srcRect/>
+          <a:stretch>
+            <a:fillRect/>
+          </a:stretch>
+        </p:blipFill>
+        <p:spPr bwMode="auto">
+          <a:xfrm>
+            <a:off x="4496481" y="2218792"/>
+            <a:ext cx="4049174" cy="2650368"/>
+          </a:xfrm>
+          <a:prstGeom prst="rect">
+            <a:avLst/>
+          </a:prstGeom>
+          <a:noFill/>
+          <a:ln>
+            <a:noFill/>
+          </a:ln>
+          <a:effectLst/>
+          <a:extLst>
+            <a:ext uri="{909E8E84-426E-40DD-AFC4-6F175D3DCCD1}">
+              <a14:hiddenFill xmlns:a14="http://schemas.microsoft.com/office/drawing/2010/main">
+                <a:solidFill>
+                  <a:schemeClr val="accent1"/>
+                </a:solidFill>
+              </a14:hiddenFill>
+            </a:ext>
+            <a:ext uri="{91240B29-F687-4F45-9708-019B960494DF}">
+              <a14:hiddenLine xmlns:a14="http://schemas.microsoft.com/office/drawing/2010/main" w="9525">
+                <a:solidFill>
+                  <a:schemeClr val="tx1"/>
+                </a:solidFill>
+                <a:miter lim="800000"/>
+                <a:headEnd/>
+                <a:tailEnd/>
+              </a14:hiddenLine>
+            </a:ext>
+            <a:ext uri="{AF507438-7753-43E0-B8FC-AC1667EBCBE1}">
+              <a14:hiddenEffects xmlns:a14="http://schemas.microsoft.com/office/drawing/2010/main">
+                <a:effectLst>
+                  <a:outerShdw dist="35921" dir="2700000" algn="ctr" rotWithShape="0">
+                    <a:schemeClr val="bg2"/>
+                  </a:outerShdw>
+                </a:effectLst>
+              </a14:hiddenEffects>
+            </a:ext>
+          </a:extLst>
+        </p:spPr>
+      </p:pic>
+      <p:pic>
+        <p:nvPicPr>
+          <p:cNvPr id="2053" name="Picture 5"/>
+          <p:cNvPicPr>
+            <a:picLocks noChangeAspect="1" noChangeArrowheads="1"/>
+          </p:cNvPicPr>
+          <p:nvPr/>
+        </p:nvPicPr>
+        <p:blipFill>
+          <a:blip r:embed="rId6">
+            <a:extLst>
+              <a:ext uri="{28A0092B-C50C-407E-A947-70E740481C1C}">
+                <a14:useLocalDpi xmlns:a14="http://schemas.microsoft.com/office/drawing/2010/main" val="0"/>
+              </a:ext>
+            </a:extLst>
+          </a:blip>
+          <a:srcRect/>
+          <a:stretch>
+            <a:fillRect/>
+          </a:stretch>
+        </p:blipFill>
+        <p:spPr bwMode="auto">
+          <a:xfrm>
+            <a:off x="4487040" y="4988889"/>
+            <a:ext cx="4648022" cy="1660008"/>
+          </a:xfrm>
+          <a:prstGeom prst="rect">
+            <a:avLst/>
+          </a:prstGeom>
+          <a:noFill/>
+          <a:ln>
+            <a:noFill/>
+          </a:ln>
+          <a:effectLst/>
+          <a:extLst>
+            <a:ext uri="{909E8E84-426E-40DD-AFC4-6F175D3DCCD1}">
+              <a14:hiddenFill xmlns:a14="http://schemas.microsoft.com/office/drawing/2010/main">
+                <a:solidFill>
+                  <a:schemeClr val="accent1"/>
+                </a:solidFill>
+              </a14:hiddenFill>
+            </a:ext>
+            <a:ext uri="{91240B29-F687-4F45-9708-019B960494DF}">
+              <a14:hiddenLine xmlns:a14="http://schemas.microsoft.com/office/drawing/2010/main" w="9525">
+                <a:solidFill>
+                  <a:schemeClr val="tx1"/>
+                </a:solidFill>
+                <a:miter lim="800000"/>
+                <a:headEnd/>
+                <a:tailEnd/>
+              </a14:hiddenLine>
+            </a:ext>
+            <a:ext uri="{AF507438-7753-43E0-B8FC-AC1667EBCBE1}">
+              <a14:hiddenEffects xmlns:a14="http://schemas.microsoft.com/office/drawing/2010/main">
+                <a:effectLst>
+                  <a:outerShdw dist="35921" dir="2700000" algn="ctr" rotWithShape="0">
+                    <a:schemeClr val="bg2"/>
+                  </a:outerShdw>
+                </a:effectLst>
+              </a14:hiddenEffects>
+            </a:ext>
+          </a:extLst>
+        </p:spPr>
+      </p:pic>
+    </p:spTree>
+    <p:extLst>
+      <p:ext uri="{BB962C8B-B14F-4D97-AF65-F5344CB8AC3E}">
+        <p14:creationId xmlns:p14="http://schemas.microsoft.com/office/powerpoint/2010/main" val="1818897345"/>
+      </p:ext>
+    </p:extLst>
+  </p:cSld>
+  <p:clrMapOvr>
+    <a:masterClrMapping/>
+  </p:clrMapOvr>
+  <p:timing>
+    <p:tnLst>
+      <p:par>
+        <p:cTn id="1" dur="indefinite" restart="never" nodeType="tmRoot"/>
+      </p:par>
+    </p:tnLst>
+  </p:timing>
+</p:sld>
+</file>
+
+<file path=ppt/slides/slide11.xml><?xml version="1.0" encoding="utf-8"?>
+<p:sld xmlns:a="http://schemas.openxmlformats.org/drawingml/2006/main" xmlns:r="http://schemas.openxmlformats.org/officeDocument/2006/relationships" xmlns:p="http://schemas.openxmlformats.org/presentationml/2006/main">
+  <p:cSld>
+    <p:spTree>
+      <p:nvGrpSpPr>
+        <p:cNvPr id="1" name=""/>
+        <p:cNvGrpSpPr/>
+        <p:nvPr/>
+      </p:nvGrpSpPr>
+      <p:grpSpPr>
+        <a:xfrm>
+          <a:off x="0" y="0"/>
+          <a:ext cx="0" cy="0"/>
+          <a:chOff x="0" y="0"/>
+          <a:chExt cx="0" cy="0"/>
+        </a:xfrm>
+      </p:grpSpPr>
+      <p:sp>
+        <p:nvSpPr>
+          <p:cNvPr id="7" name="직사각형 6"/>
+          <p:cNvSpPr/>
+          <p:nvPr/>
+        </p:nvSpPr>
+        <p:spPr>
+          <a:xfrm>
+            <a:off x="4355976" y="904875"/>
+            <a:ext cx="4788025" cy="5953125"/>
+          </a:xfrm>
+          <a:prstGeom prst="rect">
+            <a:avLst/>
+          </a:prstGeom>
+          <a:solidFill>
+            <a:srgbClr val="FFFFFF"/>
+          </a:solidFill>
+          <a:ln>
+            <a:noFill/>
+          </a:ln>
+        </p:spPr>
+        <p:style>
+          <a:lnRef idx="2">
+            <a:schemeClr val="accent1">
+              <a:shade val="50000"/>
+            </a:schemeClr>
+          </a:lnRef>
+          <a:fillRef idx="1">
+            <a:schemeClr val="accent1"/>
+          </a:fillRef>
+          <a:effectRef idx="0">
+            <a:schemeClr val="accent1"/>
+          </a:effectRef>
+          <a:fontRef idx="minor">
+            <a:schemeClr val="lt1"/>
+          </a:fontRef>
+        </p:style>
+        <p:txBody>
+          <a:bodyPr rtlCol="0" anchor="ctr"/>
+          <a:lstStyle/>
+          <a:p>
+            <a:pPr algn="ctr"/>
+            <a:endParaRPr lang="ko-KR" altLang="en-US" dirty="0">
+              <a:solidFill>
+                <a:schemeClr val="tx1">
+                  <a:lumMod val="85000"/>
+                  <a:lumOff val="15000"/>
+                </a:schemeClr>
+              </a:solidFill>
+            </a:endParaRPr>
+          </a:p>
+        </p:txBody>
+      </p:sp>
+      <p:pic>
+        <p:nvPicPr>
           <p:cNvPr id="5122" name="Picture 2"/>
           <p:cNvPicPr>
             <a:picLocks noChangeAspect="1" noChangeArrowheads="1"/>
@@ -3927,7 +4518,7 @@
 </p:sld>
 </file>
 
-<file path=ppt/slides/slide11.xml><?xml version="1.0" encoding="utf-8"?>
+<file path=ppt/slides/slide12.xml><?xml version="1.0" encoding="utf-8"?>
 <p:sld xmlns:a="http://schemas.openxmlformats.org/drawingml/2006/main" xmlns:r="http://schemas.openxmlformats.org/officeDocument/2006/relationships" xmlns:p="http://schemas.openxmlformats.org/presentationml/2006/main">
   <p:cSld>
     <p:spTree>
@@ -4426,7 +5017,7 @@
 </p:sld>
 </file>
 
-<file path=ppt/slides/slide12.xml><?xml version="1.0" encoding="utf-8"?>
+<file path=ppt/slides/slide13.xml><?xml version="1.0" encoding="utf-8"?>
 <p:sld xmlns:a="http://schemas.openxmlformats.org/drawingml/2006/main" xmlns:r="http://schemas.openxmlformats.org/officeDocument/2006/relationships" xmlns:p="http://schemas.openxmlformats.org/presentationml/2006/main">
   <p:cSld>
     <p:spTree>
@@ -4861,7 +5452,7 @@
 </p:sld>
 </file>
 
-<file path=ppt/slides/slide13.xml><?xml version="1.0" encoding="utf-8"?>
+<file path=ppt/slides/slide14.xml><?xml version="1.0" encoding="utf-8"?>
 <p:sld xmlns:a="http://schemas.openxmlformats.org/drawingml/2006/main" xmlns:r="http://schemas.openxmlformats.org/officeDocument/2006/relationships" xmlns:p="http://schemas.openxmlformats.org/presentationml/2006/main">
   <p:cSld>
     <p:spTree>
@@ -5296,7 +5887,7 @@
 </p:sld>
 </file>
 
-<file path=ppt/slides/slide14.xml><?xml version="1.0" encoding="utf-8"?>
+<file path=ppt/slides/slide15.xml><?xml version="1.0" encoding="utf-8"?>
 <p:sld xmlns:a="http://schemas.openxmlformats.org/drawingml/2006/main" xmlns:r="http://schemas.openxmlformats.org/officeDocument/2006/relationships" xmlns:p="http://schemas.openxmlformats.org/presentationml/2006/main">
   <p:cSld>
     <p:spTree>
@@ -5795,7 +6386,7 @@
 </p:sld>
 </file>
 
-<file path=ppt/slides/slide15.xml><?xml version="1.0" encoding="utf-8"?>
+<file path=ppt/slides/slide16.xml><?xml version="1.0" encoding="utf-8"?>
 <p:sld xmlns:a="http://schemas.openxmlformats.org/drawingml/2006/main" xmlns:r="http://schemas.openxmlformats.org/officeDocument/2006/relationships" xmlns:p="http://schemas.openxmlformats.org/presentationml/2006/main">
   <p:cSld>
     <p:spTree>
@@ -6409,7 +7000,7 @@
 </p:sld>
 </file>
 
-<file path=ppt/slides/slide16.xml><?xml version="1.0" encoding="utf-8"?>
+<file path=ppt/slides/slide17.xml><?xml version="1.0" encoding="utf-8"?>
 <p:sld xmlns:a="http://schemas.openxmlformats.org/drawingml/2006/main" xmlns:r="http://schemas.openxmlformats.org/officeDocument/2006/relationships" xmlns:p="http://schemas.openxmlformats.org/presentationml/2006/main">
   <p:cSld>
     <p:spTree>
@@ -6909,7 +7500,7 @@
 </p:sld>
 </file>
 
-<file path=ppt/slides/slide17.xml><?xml version="1.0" encoding="utf-8"?>
+<file path=ppt/slides/slide18.xml><?xml version="1.0" encoding="utf-8"?>
 <p:sld xmlns:a="http://schemas.openxmlformats.org/drawingml/2006/main" xmlns:r="http://schemas.openxmlformats.org/officeDocument/2006/relationships" xmlns:p="http://schemas.openxmlformats.org/presentationml/2006/main">
   <p:cSld>
     <p:spTree>
@@ -7429,7 +8020,7 @@
 </p:sld>
 </file>
 
-<file path=ppt/slides/slide18.xml><?xml version="1.0" encoding="utf-8"?>
+<file path=ppt/slides/slide19.xml><?xml version="1.0" encoding="utf-8"?>
 <p:sld xmlns:a="http://schemas.openxmlformats.org/drawingml/2006/main" xmlns:r="http://schemas.openxmlformats.org/officeDocument/2006/relationships" xmlns:p="http://schemas.openxmlformats.org/presentationml/2006/main">
   <p:cSld>
     <p:spTree>
@@ -7885,363 +8476,6 @@
 </p:sld>
 </file>
 
-<file path=ppt/slides/slide19.xml><?xml version="1.0" encoding="utf-8"?>
-<p:sld xmlns:a="http://schemas.openxmlformats.org/drawingml/2006/main" xmlns:r="http://schemas.openxmlformats.org/officeDocument/2006/relationships" xmlns:p="http://schemas.openxmlformats.org/presentationml/2006/main">
-  <p:cSld>
-    <p:spTree>
-      <p:nvGrpSpPr>
-        <p:cNvPr id="1" name=""/>
-        <p:cNvGrpSpPr/>
-        <p:nvPr/>
-      </p:nvGrpSpPr>
-      <p:grpSpPr>
-        <a:xfrm>
-          <a:off x="0" y="0"/>
-          <a:ext cx="0" cy="0"/>
-          <a:chOff x="0" y="0"/>
-          <a:chExt cx="0" cy="0"/>
-        </a:xfrm>
-      </p:grpSpPr>
-      <p:pic>
-        <p:nvPicPr>
-          <p:cNvPr id="1028" name="Picture 4" descr="C:\박상아\zum header.PNG"/>
-          <p:cNvPicPr>
-            <a:picLocks noChangeAspect="1" noChangeArrowheads="1"/>
-          </p:cNvPicPr>
-          <p:nvPr/>
-        </p:nvPicPr>
-        <p:blipFill>
-          <a:blip r:embed="rId2">
-            <a:extLst>
-              <a:ext uri="{28A0092B-C50C-407E-A947-70E740481C1C}">
-                <a14:useLocalDpi xmlns:a14="http://schemas.microsoft.com/office/drawing/2010/main" val="0"/>
-              </a:ext>
-            </a:extLst>
-          </a:blip>
-          <a:srcRect/>
-          <a:stretch>
-            <a:fillRect/>
-          </a:stretch>
-        </p:blipFill>
-        <p:spPr bwMode="auto">
-          <a:xfrm>
-            <a:off x="1" y="0"/>
-            <a:ext cx="9144000" cy="904875"/>
-          </a:xfrm>
-          <a:prstGeom prst="rect">
-            <a:avLst/>
-          </a:prstGeom>
-          <a:noFill/>
-          <a:extLst>
-            <a:ext uri="{909E8E84-426E-40DD-AFC4-6F175D3DCCD1}">
-              <a14:hiddenFill xmlns:a14="http://schemas.microsoft.com/office/drawing/2010/main">
-                <a:solidFill>
-                  <a:srgbClr val="FFFFFF"/>
-                </a:solidFill>
-              </a14:hiddenFill>
-            </a:ext>
-          </a:extLst>
-        </p:spPr>
-      </p:pic>
-      <p:sp>
-        <p:nvSpPr>
-          <p:cNvPr id="5" name="TextBox 4"/>
-          <p:cNvSpPr txBox="1"/>
-          <p:nvPr/>
-        </p:nvSpPr>
-        <p:spPr>
-          <a:xfrm>
-            <a:off x="1998228" y="276750"/>
-            <a:ext cx="5147563" cy="369332"/>
-          </a:xfrm>
-          <a:prstGeom prst="rect">
-            <a:avLst/>
-          </a:prstGeom>
-          <a:noFill/>
-        </p:spPr>
-        <p:txBody>
-          <a:bodyPr wrap="none" rtlCol="0">
-            <a:spAutoFit/>
-          </a:bodyPr>
-          <a:lstStyle/>
-          <a:p>
-            <a:pPr algn="ctr"/>
-            <a:r>
-              <a:rPr lang="ko-KR" altLang="en-US" dirty="0" smtClean="0">
-                <a:solidFill>
-                  <a:schemeClr val="bg1"/>
-                </a:solidFill>
-                <a:latin typeface="HY태백B" pitchFamily="18" charset="-127"/>
-                <a:ea typeface="HY태백B" pitchFamily="18" charset="-127"/>
-              </a:rPr>
-              <a:t>회원가</a:t>
-            </a:r>
-            <a:r>
-              <a:rPr lang="ko-KR" altLang="en-US" dirty="0">
-                <a:solidFill>
-                  <a:schemeClr val="bg1"/>
-                </a:solidFill>
-                <a:latin typeface="HY태백B" pitchFamily="18" charset="-127"/>
-                <a:ea typeface="HY태백B" pitchFamily="18" charset="-127"/>
-              </a:rPr>
-              <a:t>입</a:t>
-            </a:r>
-            <a:r>
-              <a:rPr lang="ko-KR" altLang="en-US" dirty="0" smtClean="0">
-                <a:solidFill>
-                  <a:schemeClr val="bg1"/>
-                </a:solidFill>
-                <a:latin typeface="HY태백B" pitchFamily="18" charset="-127"/>
-                <a:ea typeface="HY태백B" pitchFamily="18" charset="-127"/>
-              </a:rPr>
-              <a:t> 페이지 </a:t>
-            </a:r>
-            <a:r>
-              <a:rPr lang="en-US" altLang="ko-KR" dirty="0" smtClean="0">
-                <a:solidFill>
-                  <a:schemeClr val="bg1"/>
-                </a:solidFill>
-                <a:latin typeface="HY태백B" pitchFamily="18" charset="-127"/>
-                <a:ea typeface="HY태백B" pitchFamily="18" charset="-127"/>
-              </a:rPr>
-              <a:t>– </a:t>
-            </a:r>
-            <a:r>
-              <a:rPr lang="ko-KR" altLang="en-US" dirty="0" smtClean="0">
-                <a:solidFill>
-                  <a:schemeClr val="bg1"/>
-                </a:solidFill>
-                <a:latin typeface="HY태백B" pitchFamily="18" charset="-127"/>
-                <a:ea typeface="HY태백B" pitchFamily="18" charset="-127"/>
-              </a:rPr>
-              <a:t>휴대전화 번호로 인증하기 탭</a:t>
-            </a:r>
-            <a:endParaRPr lang="ko-KR" altLang="en-US" dirty="0">
-              <a:solidFill>
-                <a:schemeClr val="bg1"/>
-              </a:solidFill>
-              <a:latin typeface="HY태백B" pitchFamily="18" charset="-127"/>
-              <a:ea typeface="HY태백B" pitchFamily="18" charset="-127"/>
-            </a:endParaRPr>
-          </a:p>
-        </p:txBody>
-      </p:sp>
-      <p:pic>
-        <p:nvPicPr>
-          <p:cNvPr id="16386" name="Picture 2"/>
-          <p:cNvPicPr>
-            <a:picLocks noChangeAspect="1" noChangeArrowheads="1"/>
-          </p:cNvPicPr>
-          <p:nvPr/>
-        </p:nvPicPr>
-        <p:blipFill>
-          <a:blip r:embed="rId3">
-            <a:extLst>
-              <a:ext uri="{28A0092B-C50C-407E-A947-70E740481C1C}">
-                <a14:useLocalDpi xmlns:a14="http://schemas.microsoft.com/office/drawing/2010/main" val="0"/>
-              </a:ext>
-            </a:extLst>
-          </a:blip>
-          <a:srcRect/>
-          <a:stretch>
-            <a:fillRect/>
-          </a:stretch>
-        </p:blipFill>
-        <p:spPr bwMode="auto">
-          <a:xfrm>
-            <a:off x="1187624" y="1015640"/>
-            <a:ext cx="4009403" cy="5835050"/>
-          </a:xfrm>
-          <a:prstGeom prst="rect">
-            <a:avLst/>
-          </a:prstGeom>
-          <a:noFill/>
-          <a:ln>
-            <a:noFill/>
-          </a:ln>
-          <a:effectLst/>
-          <a:extLst>
-            <a:ext uri="{909E8E84-426E-40DD-AFC4-6F175D3DCCD1}">
-              <a14:hiddenFill xmlns:a14="http://schemas.microsoft.com/office/drawing/2010/main">
-                <a:solidFill>
-                  <a:schemeClr val="accent1"/>
-                </a:solidFill>
-              </a14:hiddenFill>
-            </a:ext>
-            <a:ext uri="{91240B29-F687-4F45-9708-019B960494DF}">
-              <a14:hiddenLine xmlns:a14="http://schemas.microsoft.com/office/drawing/2010/main" w="9525">
-                <a:solidFill>
-                  <a:schemeClr val="tx1"/>
-                </a:solidFill>
-                <a:miter lim="800000"/>
-                <a:headEnd/>
-                <a:tailEnd/>
-              </a14:hiddenLine>
-            </a:ext>
-            <a:ext uri="{AF507438-7753-43E0-B8FC-AC1667EBCBE1}">
-              <a14:hiddenEffects xmlns:a14="http://schemas.microsoft.com/office/drawing/2010/main">
-                <a:effectLst>
-                  <a:outerShdw dist="35921" dir="2700000" algn="ctr" rotWithShape="0">
-                    <a:schemeClr val="bg2"/>
-                  </a:outerShdw>
-                </a:effectLst>
-              </a14:hiddenEffects>
-            </a:ext>
-          </a:extLst>
-        </p:spPr>
-      </p:pic>
-      <p:sp>
-        <p:nvSpPr>
-          <p:cNvPr id="2" name="모서리가 둥근 직사각형 1"/>
-          <p:cNvSpPr/>
-          <p:nvPr/>
-        </p:nvSpPr>
-        <p:spPr>
-          <a:xfrm>
-            <a:off x="1187624" y="4653136"/>
-            <a:ext cx="4009403" cy="648072"/>
-          </a:xfrm>
-          <a:prstGeom prst="roundRect">
-            <a:avLst/>
-          </a:prstGeom>
-          <a:noFill/>
-          <a:ln>
-            <a:solidFill>
-              <a:schemeClr val="accent1"/>
-            </a:solidFill>
-          </a:ln>
-        </p:spPr>
-        <p:style>
-          <a:lnRef idx="2">
-            <a:schemeClr val="accent1">
-              <a:shade val="50000"/>
-            </a:schemeClr>
-          </a:lnRef>
-          <a:fillRef idx="1">
-            <a:schemeClr val="accent1"/>
-          </a:fillRef>
-          <a:effectRef idx="0">
-            <a:schemeClr val="accent1"/>
-          </a:effectRef>
-          <a:fontRef idx="minor">
-            <a:schemeClr val="lt1"/>
-          </a:fontRef>
-        </p:style>
-        <p:txBody>
-          <a:bodyPr rtlCol="0" anchor="ctr"/>
-          <a:lstStyle/>
-          <a:p>
-            <a:pPr algn="ctr"/>
-            <a:endParaRPr lang="ko-KR" altLang="en-US"/>
-          </a:p>
-        </p:txBody>
-      </p:sp>
-      <p:pic>
-        <p:nvPicPr>
-          <p:cNvPr id="12290" name="Picture 2"/>
-          <p:cNvPicPr>
-            <a:picLocks noChangeAspect="1" noChangeArrowheads="1"/>
-          </p:cNvPicPr>
-          <p:nvPr/>
-        </p:nvPicPr>
-        <p:blipFill>
-          <a:blip r:embed="rId4">
-            <a:extLst>
-              <a:ext uri="{28A0092B-C50C-407E-A947-70E740481C1C}">
-                <a14:useLocalDpi xmlns:a14="http://schemas.microsoft.com/office/drawing/2010/main" val="0"/>
-              </a:ext>
-            </a:extLst>
-          </a:blip>
-          <a:srcRect/>
-          <a:stretch>
-            <a:fillRect/>
-          </a:stretch>
-        </p:blipFill>
-        <p:spPr bwMode="auto">
-          <a:xfrm>
-            <a:off x="4139952" y="2708920"/>
-            <a:ext cx="4525332" cy="1470069"/>
-          </a:xfrm>
-          <a:prstGeom prst="rect">
-            <a:avLst/>
-          </a:prstGeom>
-          <a:noFill/>
-          <a:ln w="9525">
-            <a:solidFill>
-              <a:schemeClr val="bg2"/>
-            </a:solidFill>
-            <a:miter lim="800000"/>
-            <a:headEnd/>
-            <a:tailEnd/>
-          </a:ln>
-          <a:effectLst>
-            <a:outerShdw blurRad="50800" dist="38100" dir="8100000" algn="tr" rotWithShape="0">
-              <a:prstClr val="black">
-                <a:alpha val="40000"/>
-              </a:prstClr>
-            </a:outerShdw>
-          </a:effectLst>
-          <a:extLst>
-            <a:ext uri="{909E8E84-426E-40DD-AFC4-6F175D3DCCD1}">
-              <a14:hiddenFill xmlns:a14="http://schemas.microsoft.com/office/drawing/2010/main">
-                <a:solidFill>
-                  <a:schemeClr val="accent1"/>
-                </a:solidFill>
-              </a14:hiddenFill>
-            </a:ext>
-          </a:extLst>
-        </p:spPr>
-      </p:pic>
-      <p:cxnSp>
-        <p:nvCxnSpPr>
-          <p:cNvPr id="4" name="직선 연결선 3"/>
-          <p:cNvCxnSpPr/>
-          <p:nvPr/>
-        </p:nvCxnSpPr>
-        <p:spPr>
-          <a:xfrm flipH="1">
-            <a:off x="5148064" y="4178989"/>
-            <a:ext cx="144016" cy="474147"/>
-          </a:xfrm>
-          <a:prstGeom prst="line">
-            <a:avLst/>
-          </a:prstGeom>
-        </p:spPr>
-        <p:style>
-          <a:lnRef idx="1">
-            <a:schemeClr val="accent1"/>
-          </a:lnRef>
-          <a:fillRef idx="0">
-            <a:schemeClr val="accent1"/>
-          </a:fillRef>
-          <a:effectRef idx="0">
-            <a:schemeClr val="accent1"/>
-          </a:effectRef>
-          <a:fontRef idx="minor">
-            <a:schemeClr val="tx1"/>
-          </a:fontRef>
-        </p:style>
-      </p:cxnSp>
-    </p:spTree>
-    <p:extLst>
-      <p:ext uri="{BB962C8B-B14F-4D97-AF65-F5344CB8AC3E}">
-        <p14:creationId xmlns:p14="http://schemas.microsoft.com/office/powerpoint/2010/main" val="1586230701"/>
-      </p:ext>
-    </p:extLst>
-  </p:cSld>
-  <p:clrMapOvr>
-    <a:masterClrMapping/>
-  </p:clrMapOvr>
-  <p:timing>
-    <p:tnLst>
-      <p:par>
-        <p:cTn id="1" dur="indefinite" restart="never" nodeType="tmRoot"/>
-      </p:par>
-    </p:tnLst>
-  </p:timing>
-</p:sld>
-</file>
-
 <file path=ppt/slides/slide2.xml><?xml version="1.0" encoding="utf-8"?>
 <p:sld xmlns:a="http://schemas.openxmlformats.org/drawingml/2006/main" xmlns:r="http://schemas.openxmlformats.org/officeDocument/2006/relationships" xmlns:p="http://schemas.openxmlformats.org/presentationml/2006/main">
   <p:cSld>
@@ -8261,7 +8495,7 @@
       </p:grpSpPr>
       <p:pic>
         <p:nvPicPr>
-          <p:cNvPr id="1028" name="Picture 4" descr="C:\박상아\zum header.PNG"/>
+          <p:cNvPr id="2051" name="Picture 3"/>
           <p:cNvPicPr>
             <a:picLocks noChangeAspect="1" noChangeArrowheads="1"/>
           </p:cNvPicPr>
@@ -8282,55 +8516,76 @@
         </p:blipFill>
         <p:spPr bwMode="auto">
           <a:xfrm>
-            <a:off x="10634" y="0"/>
-            <a:ext cx="9144000" cy="904875"/>
-          </a:xfrm>
-          <a:prstGeom prst="rect">
-            <a:avLst/>
-          </a:prstGeom>
-          <a:noFill/>
+            <a:off x="0" y="0"/>
+            <a:ext cx="9144000" cy="6858000"/>
+          </a:xfrm>
+          <a:prstGeom prst="rect">
+            <a:avLst/>
+          </a:prstGeom>
+          <a:noFill/>
+          <a:ln>
+            <a:noFill/>
+          </a:ln>
+          <a:effectLst/>
           <a:extLst>
             <a:ext uri="{909E8E84-426E-40DD-AFC4-6F175D3DCCD1}">
               <a14:hiddenFill xmlns:a14="http://schemas.microsoft.com/office/drawing/2010/main">
                 <a:solidFill>
-                  <a:srgbClr val="FFFFFF"/>
+                  <a:schemeClr val="accent1"/>
                 </a:solidFill>
               </a14:hiddenFill>
+            </a:ext>
+            <a:ext uri="{91240B29-F687-4F45-9708-019B960494DF}">
+              <a14:hiddenLine xmlns:a14="http://schemas.microsoft.com/office/drawing/2010/main" w="9525">
+                <a:solidFill>
+                  <a:schemeClr val="tx1"/>
+                </a:solidFill>
+                <a:miter lim="800000"/>
+                <a:headEnd/>
+                <a:tailEnd/>
+              </a14:hiddenLine>
+            </a:ext>
+            <a:ext uri="{AF507438-7753-43E0-B8FC-AC1667EBCBE1}">
+              <a14:hiddenEffects xmlns:a14="http://schemas.microsoft.com/office/drawing/2010/main">
+                <a:effectLst>
+                  <a:outerShdw dist="35921" dir="2700000" algn="ctr" rotWithShape="0">
+                    <a:schemeClr val="bg2"/>
+                  </a:outerShdw>
+                </a:effectLst>
+              </a14:hiddenEffects>
             </a:ext>
           </a:extLst>
         </p:spPr>
       </p:pic>
       <p:sp>
         <p:nvSpPr>
-          <p:cNvPr id="5" name="TextBox 4"/>
-          <p:cNvSpPr txBox="1"/>
-          <p:nvPr/>
+          <p:cNvPr id="2" name="제목 1"/>
+          <p:cNvSpPr>
+            <a:spLocks noGrp="1"/>
+          </p:cNvSpPr>
+          <p:nvPr>
+            <p:ph type="ctrTitle"/>
+          </p:nvPr>
         </p:nvSpPr>
         <p:spPr>
           <a:xfrm>
-            <a:off x="3851920" y="267771"/>
-            <a:ext cx="1646605" cy="369332"/>
-          </a:xfrm>
-          <a:prstGeom prst="rect">
-            <a:avLst/>
-          </a:prstGeom>
-          <a:noFill/>
+            <a:off x="685800" y="692696"/>
+            <a:ext cx="7772400" cy="1470025"/>
+          </a:xfrm>
         </p:spPr>
         <p:txBody>
-          <a:bodyPr wrap="none" rtlCol="0">
-            <a:spAutoFit/>
-          </a:bodyPr>
+          <a:bodyPr/>
           <a:lstStyle/>
           <a:p>
             <a:r>
-              <a:rPr lang="ko-KR" altLang="en-US" dirty="0" smtClean="0">
-                <a:solidFill>
-                  <a:schemeClr val="bg1"/>
-                </a:solidFill>
-                <a:latin typeface="HY태백B" pitchFamily="18" charset="-127"/>
-                <a:ea typeface="HY태백B" pitchFamily="18" charset="-127"/>
-              </a:rPr>
-              <a:t>로그인 페이지</a:t>
+              <a:rPr lang="ko-KR" altLang="en-US" smtClean="0">
+                <a:solidFill>
+                  <a:schemeClr val="bg1"/>
+                </a:solidFill>
+                <a:latin typeface="HY태백B" pitchFamily="18" charset="-127"/>
+                <a:ea typeface="HY태백B" pitchFamily="18" charset="-127"/>
+              </a:rPr>
+              <a:t>목록</a:t>
             </a:r>
             <a:endParaRPr lang="ko-KR" altLang="en-US" dirty="0">
               <a:solidFill>
@@ -8342,71 +8597,526 @@
           </a:p>
         </p:txBody>
       </p:sp>
-      <p:pic>
-        <p:nvPicPr>
-          <p:cNvPr id="1030" name="Picture 6"/>
-          <p:cNvPicPr>
-            <a:picLocks noChangeAspect="1" noChangeArrowheads="1"/>
-          </p:cNvPicPr>
-          <p:nvPr/>
-        </p:nvPicPr>
-        <p:blipFill>
-          <a:blip r:embed="rId3">
-            <a:extLst>
-              <a:ext uri="{28A0092B-C50C-407E-A947-70E740481C1C}">
-                <a14:useLocalDpi xmlns:a14="http://schemas.microsoft.com/office/drawing/2010/main" val="0"/>
-              </a:ext>
-            </a:extLst>
-          </a:blip>
-          <a:srcRect/>
-          <a:stretch>
-            <a:fillRect/>
-          </a:stretch>
-        </p:blipFill>
-        <p:spPr bwMode="auto">
-          <a:xfrm>
-            <a:off x="2741797" y="1239986"/>
-            <a:ext cx="3486387" cy="4680000"/>
-          </a:xfrm>
-          <a:prstGeom prst="rect">
-            <a:avLst/>
-          </a:prstGeom>
-          <a:noFill/>
-          <a:ln>
-            <a:noFill/>
-          </a:ln>
-          <a:effectLst>
-            <a:innerShdw blurRad="558800" dist="50800" dir="8100000">
-              <a:prstClr val="black">
-                <a:alpha val="4000"/>
-              </a:prstClr>
-            </a:innerShdw>
-          </a:effectLst>
-          <a:extLst>
-            <a:ext uri="{909E8E84-426E-40DD-AFC4-6F175D3DCCD1}">
-              <a14:hiddenFill xmlns:a14="http://schemas.microsoft.com/office/drawing/2010/main">
-                <a:solidFill>
-                  <a:schemeClr val="accent1"/>
-                </a:solidFill>
-              </a14:hiddenFill>
-            </a:ext>
-            <a:ext uri="{91240B29-F687-4F45-9708-019B960494DF}">
-              <a14:hiddenLine xmlns:a14="http://schemas.microsoft.com/office/drawing/2010/main" w="9525">
-                <a:solidFill>
-                  <a:schemeClr val="tx1"/>
-                </a:solidFill>
-                <a:miter lim="800000"/>
-                <a:headEnd/>
-                <a:tailEnd/>
-              </a14:hiddenLine>
-            </a:ext>
-          </a:extLst>
-        </p:spPr>
-      </p:pic>
+      <p:sp>
+        <p:nvSpPr>
+          <p:cNvPr id="3" name="부제목 2"/>
+          <p:cNvSpPr>
+            <a:spLocks noGrp="1"/>
+          </p:cNvSpPr>
+          <p:nvPr>
+            <p:ph type="subTitle" idx="1"/>
+          </p:nvPr>
+        </p:nvSpPr>
+        <p:spPr>
+          <a:xfrm>
+            <a:off x="1371600" y="2708920"/>
+            <a:ext cx="6400800" cy="3528392"/>
+          </a:xfrm>
+        </p:spPr>
+        <p:txBody>
+          <a:bodyPr>
+            <a:normAutofit fontScale="92500" lnSpcReduction="10000"/>
+          </a:bodyPr>
+          <a:lstStyle/>
+          <a:p>
+            <a:r>
+              <a:rPr lang="ko-KR" altLang="en-US" sz="2400" dirty="0" smtClean="0">
+                <a:solidFill>
+                  <a:schemeClr val="bg1"/>
+                </a:solidFill>
+                <a:latin typeface="HY태백B" pitchFamily="18" charset="-127"/>
+                <a:ea typeface="HY태백B" pitchFamily="18" charset="-127"/>
+              </a:rPr>
+              <a:t>가</a:t>
+            </a:r>
+            <a:r>
+              <a:rPr lang="en-US" altLang="ko-KR" sz="2400" dirty="0" smtClean="0">
+                <a:solidFill>
+                  <a:schemeClr val="bg1"/>
+                </a:solidFill>
+                <a:latin typeface="HY태백B" pitchFamily="18" charset="-127"/>
+                <a:ea typeface="HY태백B" pitchFamily="18" charset="-127"/>
+              </a:rPr>
+              <a:t>. </a:t>
+            </a:r>
+            <a:r>
+              <a:rPr lang="ko-KR" altLang="en-US" sz="2400" dirty="0" smtClean="0">
+                <a:solidFill>
+                  <a:schemeClr val="bg1"/>
+                </a:solidFill>
+                <a:latin typeface="HY태백B" pitchFamily="18" charset="-127"/>
+                <a:ea typeface="HY태백B" pitchFamily="18" charset="-127"/>
+              </a:rPr>
+              <a:t>로그인 </a:t>
+            </a:r>
+            <a:r>
+              <a:rPr lang="ko-KR" altLang="en-US" sz="2400" dirty="0" smtClean="0">
+                <a:solidFill>
+                  <a:schemeClr val="bg1"/>
+                </a:solidFill>
+                <a:latin typeface="HY태백B" pitchFamily="18" charset="-127"/>
+                <a:ea typeface="HY태백B" pitchFamily="18" charset="-127"/>
+              </a:rPr>
+              <a:t>페이지 </a:t>
+            </a:r>
+            <a:r>
+              <a:rPr lang="en-US" altLang="ko-KR" sz="2400" dirty="0" smtClean="0">
+                <a:solidFill>
+                  <a:schemeClr val="bg1"/>
+                </a:solidFill>
+                <a:latin typeface="HY태백B" pitchFamily="18" charset="-127"/>
+                <a:ea typeface="HY태백B" pitchFamily="18" charset="-127"/>
+              </a:rPr>
+              <a:t>- </a:t>
+            </a:r>
+            <a:r>
+              <a:rPr lang="ko-KR" altLang="en-US" sz="2400" dirty="0" err="1" smtClean="0">
+                <a:solidFill>
+                  <a:schemeClr val="bg1"/>
+                </a:solidFill>
+                <a:latin typeface="HY태백B" pitchFamily="18" charset="-127"/>
+                <a:ea typeface="HY태백B" pitchFamily="18" charset="-127"/>
+              </a:rPr>
+              <a:t>이찬양</a:t>
+            </a:r>
+            <a:endParaRPr lang="en-US" altLang="ko-KR" sz="2400" dirty="0" smtClean="0">
+              <a:solidFill>
+                <a:schemeClr val="bg1"/>
+              </a:solidFill>
+              <a:latin typeface="HY태백B" pitchFamily="18" charset="-127"/>
+              <a:ea typeface="HY태백B" pitchFamily="18" charset="-127"/>
+            </a:endParaRPr>
+          </a:p>
+          <a:p>
+            <a:endParaRPr lang="en-US" altLang="ko-KR" sz="2400" dirty="0" smtClean="0">
+              <a:solidFill>
+                <a:schemeClr val="bg1"/>
+              </a:solidFill>
+              <a:latin typeface="HY태백B" pitchFamily="18" charset="-127"/>
+              <a:ea typeface="HY태백B" pitchFamily="18" charset="-127"/>
+            </a:endParaRPr>
+          </a:p>
+          <a:p>
+            <a:r>
+              <a:rPr lang="ko-KR" altLang="en-US" sz="2400" dirty="0" smtClean="0">
+                <a:solidFill>
+                  <a:schemeClr val="bg1"/>
+                </a:solidFill>
+                <a:latin typeface="HY태백B" pitchFamily="18" charset="-127"/>
+                <a:ea typeface="HY태백B" pitchFamily="18" charset="-127"/>
+              </a:rPr>
+              <a:t>나</a:t>
+            </a:r>
+            <a:r>
+              <a:rPr lang="en-US" altLang="ko-KR" sz="2400" dirty="0" smtClean="0">
+                <a:solidFill>
+                  <a:schemeClr val="bg1"/>
+                </a:solidFill>
+                <a:latin typeface="HY태백B" pitchFamily="18" charset="-127"/>
+                <a:ea typeface="HY태백B" pitchFamily="18" charset="-127"/>
+              </a:rPr>
+              <a:t>. </a:t>
+            </a:r>
+            <a:r>
+              <a:rPr lang="ko-KR" altLang="en-US" sz="2400" dirty="0" err="1" smtClean="0">
+                <a:solidFill>
+                  <a:schemeClr val="bg1"/>
+                </a:solidFill>
+                <a:latin typeface="HY태백B" pitchFamily="18" charset="-127"/>
+                <a:ea typeface="HY태백B" pitchFamily="18" charset="-127"/>
+              </a:rPr>
+              <a:t>회원가입</a:t>
+            </a:r>
+            <a:r>
+              <a:rPr lang="ko-KR" altLang="en-US" sz="2400" dirty="0" smtClean="0">
+                <a:solidFill>
+                  <a:schemeClr val="bg1"/>
+                </a:solidFill>
+                <a:latin typeface="HY태백B" pitchFamily="18" charset="-127"/>
+                <a:ea typeface="HY태백B" pitchFamily="18" charset="-127"/>
+              </a:rPr>
+              <a:t> </a:t>
+            </a:r>
+            <a:r>
+              <a:rPr lang="ko-KR" altLang="en-US" sz="2400" dirty="0" smtClean="0">
+                <a:solidFill>
+                  <a:schemeClr val="bg1"/>
+                </a:solidFill>
+                <a:latin typeface="HY태백B" pitchFamily="18" charset="-127"/>
+                <a:ea typeface="HY태백B" pitchFamily="18" charset="-127"/>
+              </a:rPr>
+              <a:t>페이지 </a:t>
+            </a:r>
+            <a:r>
+              <a:rPr lang="en-US" altLang="ko-KR" sz="2400" dirty="0" smtClean="0">
+                <a:solidFill>
+                  <a:schemeClr val="bg1"/>
+                </a:solidFill>
+                <a:latin typeface="HY태백B" pitchFamily="18" charset="-127"/>
+                <a:ea typeface="HY태백B" pitchFamily="18" charset="-127"/>
+              </a:rPr>
+              <a:t>- </a:t>
+            </a:r>
+            <a:r>
+              <a:rPr lang="ko-KR" altLang="en-US" sz="2400" dirty="0" err="1" smtClean="0">
+                <a:solidFill>
+                  <a:schemeClr val="bg1"/>
+                </a:solidFill>
+                <a:latin typeface="HY태백B" pitchFamily="18" charset="-127"/>
+                <a:ea typeface="HY태백B" pitchFamily="18" charset="-127"/>
+              </a:rPr>
+              <a:t>박상아</a:t>
+            </a:r>
+            <a:endParaRPr lang="en-US" altLang="ko-KR" sz="2400" dirty="0" smtClean="0">
+              <a:solidFill>
+                <a:schemeClr val="bg1"/>
+              </a:solidFill>
+              <a:latin typeface="HY태백B" pitchFamily="18" charset="-127"/>
+              <a:ea typeface="HY태백B" pitchFamily="18" charset="-127"/>
+            </a:endParaRPr>
+          </a:p>
+          <a:p>
+            <a:endParaRPr lang="en-US" altLang="ko-KR" sz="2400" dirty="0" smtClean="0">
+              <a:solidFill>
+                <a:schemeClr val="bg1"/>
+              </a:solidFill>
+              <a:latin typeface="HY태백B" pitchFamily="18" charset="-127"/>
+              <a:ea typeface="HY태백B" pitchFamily="18" charset="-127"/>
+            </a:endParaRPr>
+          </a:p>
+          <a:p>
+            <a:r>
+              <a:rPr lang="ko-KR" altLang="en-US" sz="2400" dirty="0" smtClean="0">
+                <a:solidFill>
+                  <a:schemeClr val="bg1"/>
+                </a:solidFill>
+                <a:latin typeface="HY태백B" pitchFamily="18" charset="-127"/>
+                <a:ea typeface="HY태백B" pitchFamily="18" charset="-127"/>
+              </a:rPr>
+              <a:t>다</a:t>
+            </a:r>
+            <a:r>
+              <a:rPr lang="en-US" altLang="ko-KR" sz="2400" dirty="0" smtClean="0">
+                <a:solidFill>
+                  <a:schemeClr val="bg1"/>
+                </a:solidFill>
+                <a:latin typeface="HY태백B" pitchFamily="18" charset="-127"/>
+                <a:ea typeface="HY태백B" pitchFamily="18" charset="-127"/>
+              </a:rPr>
+              <a:t>. </a:t>
+            </a:r>
+            <a:r>
+              <a:rPr lang="ko-KR" altLang="en-US" sz="2400" dirty="0" smtClean="0">
+                <a:solidFill>
+                  <a:schemeClr val="bg1"/>
+                </a:solidFill>
+                <a:latin typeface="HY태백B" pitchFamily="18" charset="-127"/>
+                <a:ea typeface="HY태백B" pitchFamily="18" charset="-127"/>
+              </a:rPr>
+              <a:t>게시판 상세 </a:t>
+            </a:r>
+            <a:r>
+              <a:rPr lang="ko-KR" altLang="en-US" sz="2400" dirty="0" smtClean="0">
+                <a:solidFill>
+                  <a:schemeClr val="bg1"/>
+                </a:solidFill>
+                <a:latin typeface="HY태백B" pitchFamily="18" charset="-127"/>
+                <a:ea typeface="HY태백B" pitchFamily="18" charset="-127"/>
+              </a:rPr>
+              <a:t>페이지 </a:t>
+            </a:r>
+            <a:r>
+              <a:rPr lang="en-US" altLang="ko-KR" sz="2400" dirty="0" smtClean="0">
+                <a:solidFill>
+                  <a:schemeClr val="bg1"/>
+                </a:solidFill>
+                <a:latin typeface="HY태백B" pitchFamily="18" charset="-127"/>
+                <a:ea typeface="HY태백B" pitchFamily="18" charset="-127"/>
+              </a:rPr>
+              <a:t>- </a:t>
+            </a:r>
+            <a:r>
+              <a:rPr lang="ko-KR" altLang="en-US" sz="2400" dirty="0" err="1" smtClean="0">
+                <a:solidFill>
+                  <a:schemeClr val="bg1"/>
+                </a:solidFill>
+                <a:latin typeface="HY태백B" pitchFamily="18" charset="-127"/>
+                <a:ea typeface="HY태백B" pitchFamily="18" charset="-127"/>
+              </a:rPr>
+              <a:t>이찬양</a:t>
+            </a:r>
+            <a:endParaRPr lang="en-US" altLang="ko-KR" sz="2400" dirty="0" smtClean="0">
+              <a:solidFill>
+                <a:schemeClr val="bg1"/>
+              </a:solidFill>
+              <a:latin typeface="HY태백B" pitchFamily="18" charset="-127"/>
+              <a:ea typeface="HY태백B" pitchFamily="18" charset="-127"/>
+            </a:endParaRPr>
+          </a:p>
+          <a:p>
+            <a:endParaRPr lang="en-US" altLang="ko-KR" sz="2400" dirty="0" smtClean="0">
+              <a:solidFill>
+                <a:schemeClr val="bg1"/>
+              </a:solidFill>
+              <a:latin typeface="HY태백B" pitchFamily="18" charset="-127"/>
+              <a:ea typeface="HY태백B" pitchFamily="18" charset="-127"/>
+            </a:endParaRPr>
+          </a:p>
+          <a:p>
+            <a:r>
+              <a:rPr lang="ko-KR" altLang="en-US" sz="2400" dirty="0" smtClean="0">
+                <a:solidFill>
+                  <a:schemeClr val="bg1"/>
+                </a:solidFill>
+                <a:latin typeface="HY태백B" pitchFamily="18" charset="-127"/>
+                <a:ea typeface="HY태백B" pitchFamily="18" charset="-127"/>
+              </a:rPr>
+              <a:t>라</a:t>
+            </a:r>
+            <a:r>
+              <a:rPr lang="en-US" altLang="ko-KR" sz="2400" dirty="0" smtClean="0">
+                <a:solidFill>
+                  <a:schemeClr val="bg1"/>
+                </a:solidFill>
+                <a:latin typeface="HY태백B" pitchFamily="18" charset="-127"/>
+                <a:ea typeface="HY태백B" pitchFamily="18" charset="-127"/>
+              </a:rPr>
+              <a:t>. </a:t>
+            </a:r>
+            <a:r>
+              <a:rPr lang="ko-KR" altLang="en-US" sz="2400" dirty="0" smtClean="0">
+                <a:solidFill>
+                  <a:schemeClr val="bg1"/>
+                </a:solidFill>
+                <a:latin typeface="HY태백B" pitchFamily="18" charset="-127"/>
+                <a:ea typeface="HY태백B" pitchFamily="18" charset="-127"/>
+              </a:rPr>
+              <a:t>게시물 작성 </a:t>
+            </a:r>
+            <a:r>
+              <a:rPr lang="ko-KR" altLang="en-US" sz="2400" dirty="0" smtClean="0">
+                <a:solidFill>
+                  <a:schemeClr val="bg1"/>
+                </a:solidFill>
+                <a:latin typeface="HY태백B" pitchFamily="18" charset="-127"/>
+                <a:ea typeface="HY태백B" pitchFamily="18" charset="-127"/>
+              </a:rPr>
+              <a:t>페이지 </a:t>
+            </a:r>
+            <a:r>
+              <a:rPr lang="en-US" altLang="ko-KR" sz="2400" dirty="0" smtClean="0">
+                <a:solidFill>
+                  <a:schemeClr val="bg1"/>
+                </a:solidFill>
+                <a:latin typeface="HY태백B" pitchFamily="18" charset="-127"/>
+                <a:ea typeface="HY태백B" pitchFamily="18" charset="-127"/>
+              </a:rPr>
+              <a:t>- </a:t>
+            </a:r>
+            <a:r>
+              <a:rPr lang="ko-KR" altLang="en-US" sz="2400" dirty="0" err="1" smtClean="0">
+                <a:solidFill>
+                  <a:schemeClr val="bg1"/>
+                </a:solidFill>
+                <a:latin typeface="HY태백B" pitchFamily="18" charset="-127"/>
+                <a:ea typeface="HY태백B" pitchFamily="18" charset="-127"/>
+              </a:rPr>
+              <a:t>이환상</a:t>
+            </a:r>
+            <a:endParaRPr lang="en-US" altLang="ko-KR" sz="2400" dirty="0" smtClean="0">
+              <a:solidFill>
+                <a:schemeClr val="bg1"/>
+              </a:solidFill>
+              <a:latin typeface="HY태백B" pitchFamily="18" charset="-127"/>
+              <a:ea typeface="HY태백B" pitchFamily="18" charset="-127"/>
+            </a:endParaRPr>
+          </a:p>
+          <a:p>
+            <a:endParaRPr lang="en-US" altLang="ko-KR" sz="2400" dirty="0" smtClean="0">
+              <a:solidFill>
+                <a:schemeClr val="bg1"/>
+              </a:solidFill>
+              <a:latin typeface="HY태백B" pitchFamily="18" charset="-127"/>
+              <a:ea typeface="HY태백B" pitchFamily="18" charset="-127"/>
+            </a:endParaRPr>
+          </a:p>
+          <a:p>
+            <a:r>
+              <a:rPr lang="ko-KR" altLang="en-US" sz="2400" dirty="0" smtClean="0">
+                <a:solidFill>
+                  <a:schemeClr val="bg1"/>
+                </a:solidFill>
+                <a:latin typeface="HY태백B" pitchFamily="18" charset="-127"/>
+                <a:ea typeface="HY태백B" pitchFamily="18" charset="-127"/>
+              </a:rPr>
+              <a:t>마</a:t>
+            </a:r>
+            <a:r>
+              <a:rPr lang="en-US" altLang="ko-KR" sz="2400" dirty="0" smtClean="0">
+                <a:solidFill>
+                  <a:schemeClr val="bg1"/>
+                </a:solidFill>
+                <a:latin typeface="HY태백B" pitchFamily="18" charset="-127"/>
+                <a:ea typeface="HY태백B" pitchFamily="18" charset="-127"/>
+              </a:rPr>
+              <a:t>. </a:t>
+            </a:r>
+            <a:r>
+              <a:rPr lang="ko-KR" altLang="en-US" sz="2400" dirty="0" err="1" smtClean="0">
+                <a:solidFill>
+                  <a:schemeClr val="bg1"/>
+                </a:solidFill>
+                <a:latin typeface="HY태백B" pitchFamily="18" charset="-127"/>
+                <a:ea typeface="HY태백B" pitchFamily="18" charset="-127"/>
+              </a:rPr>
+              <a:t>로그아웃</a:t>
+            </a:r>
+            <a:r>
+              <a:rPr lang="ko-KR" altLang="en-US" sz="2400" dirty="0" smtClean="0">
+                <a:solidFill>
+                  <a:schemeClr val="bg1"/>
+                </a:solidFill>
+                <a:latin typeface="HY태백B" pitchFamily="18" charset="-127"/>
+                <a:ea typeface="HY태백B" pitchFamily="18" charset="-127"/>
+              </a:rPr>
+              <a:t> </a:t>
+            </a:r>
+            <a:r>
+              <a:rPr lang="ko-KR" altLang="en-US" sz="2400" smtClean="0">
+                <a:solidFill>
+                  <a:schemeClr val="bg1"/>
+                </a:solidFill>
+                <a:latin typeface="HY태백B" pitchFamily="18" charset="-127"/>
+                <a:ea typeface="HY태백B" pitchFamily="18" charset="-127"/>
+              </a:rPr>
+              <a:t>페이지 </a:t>
+            </a:r>
+            <a:r>
+              <a:rPr lang="en-US" altLang="ko-KR" sz="2400" smtClean="0">
+                <a:solidFill>
+                  <a:schemeClr val="bg1"/>
+                </a:solidFill>
+                <a:latin typeface="HY태백B" pitchFamily="18" charset="-127"/>
+                <a:ea typeface="HY태백B" pitchFamily="18" charset="-127"/>
+              </a:rPr>
+              <a:t>- </a:t>
+            </a:r>
+            <a:r>
+              <a:rPr lang="ko-KR" altLang="en-US" sz="2400" smtClean="0">
+                <a:solidFill>
+                  <a:schemeClr val="bg1"/>
+                </a:solidFill>
+                <a:latin typeface="HY태백B" pitchFamily="18" charset="-127"/>
+                <a:ea typeface="HY태백B" pitchFamily="18" charset="-127"/>
+              </a:rPr>
+              <a:t>이환상</a:t>
+            </a:r>
+            <a:endParaRPr lang="ko-KR" altLang="en-US" sz="2400" dirty="0">
+              <a:solidFill>
+                <a:schemeClr val="bg1"/>
+              </a:solidFill>
+              <a:latin typeface="HY태백B" pitchFamily="18" charset="-127"/>
+              <a:ea typeface="HY태백B" pitchFamily="18" charset="-127"/>
+            </a:endParaRPr>
+          </a:p>
+        </p:txBody>
+      </p:sp>
+      <p:sp>
+        <p:nvSpPr>
+          <p:cNvPr id="4" name="TextBox 3"/>
+          <p:cNvSpPr txBox="1"/>
+          <p:nvPr/>
+        </p:nvSpPr>
+        <p:spPr>
+          <a:xfrm>
+            <a:off x="4427984" y="6309320"/>
+            <a:ext cx="4570482" cy="369332"/>
+          </a:xfrm>
+          <a:prstGeom prst="rect">
+            <a:avLst/>
+          </a:prstGeom>
+          <a:noFill/>
+        </p:spPr>
+        <p:txBody>
+          <a:bodyPr wrap="none" rtlCol="0">
+            <a:spAutoFit/>
+          </a:bodyPr>
+          <a:lstStyle/>
+          <a:p>
+            <a:r>
+              <a:rPr lang="en-US" altLang="ko-KR" dirty="0" smtClean="0">
+                <a:solidFill>
+                  <a:schemeClr val="bg1"/>
+                </a:solidFill>
+                <a:latin typeface="HY태백B" pitchFamily="18" charset="-127"/>
+                <a:ea typeface="HY태백B" pitchFamily="18" charset="-127"/>
+              </a:rPr>
+              <a:t>Team Members: </a:t>
+            </a:r>
+            <a:r>
+              <a:rPr lang="ko-KR" altLang="en-US" dirty="0" err="1" smtClean="0">
+                <a:solidFill>
+                  <a:schemeClr val="bg1"/>
+                </a:solidFill>
+                <a:latin typeface="HY태백B" pitchFamily="18" charset="-127"/>
+                <a:ea typeface="HY태백B" pitchFamily="18" charset="-127"/>
+              </a:rPr>
+              <a:t>이찬양</a:t>
+            </a:r>
+            <a:r>
+              <a:rPr lang="en-US" altLang="ko-KR" dirty="0" smtClean="0">
+                <a:solidFill>
+                  <a:schemeClr val="bg1"/>
+                </a:solidFill>
+                <a:latin typeface="HY태백B" pitchFamily="18" charset="-127"/>
+                <a:ea typeface="HY태백B" pitchFamily="18" charset="-127"/>
+              </a:rPr>
+              <a:t>, </a:t>
+            </a:r>
+            <a:r>
+              <a:rPr lang="ko-KR" altLang="en-US" dirty="0" err="1" smtClean="0">
+                <a:solidFill>
+                  <a:schemeClr val="bg1"/>
+                </a:solidFill>
+                <a:latin typeface="HY태백B" pitchFamily="18" charset="-127"/>
+                <a:ea typeface="HY태백B" pitchFamily="18" charset="-127"/>
+              </a:rPr>
+              <a:t>이환상</a:t>
+            </a:r>
+            <a:r>
+              <a:rPr lang="en-US" altLang="ko-KR" dirty="0" smtClean="0">
+                <a:solidFill>
+                  <a:schemeClr val="bg1"/>
+                </a:solidFill>
+                <a:latin typeface="HY태백B" pitchFamily="18" charset="-127"/>
+                <a:ea typeface="HY태백B" pitchFamily="18" charset="-127"/>
+              </a:rPr>
+              <a:t>, </a:t>
+            </a:r>
+            <a:r>
+              <a:rPr lang="ko-KR" altLang="en-US" dirty="0" smtClean="0">
+                <a:solidFill>
+                  <a:schemeClr val="bg1"/>
+                </a:solidFill>
+                <a:latin typeface="HY태백B" pitchFamily="18" charset="-127"/>
+                <a:ea typeface="HY태백B" pitchFamily="18" charset="-127"/>
+              </a:rPr>
+              <a:t>박상아</a:t>
+            </a:r>
+            <a:endParaRPr lang="ko-KR" altLang="en-US" dirty="0">
+              <a:solidFill>
+                <a:schemeClr val="bg1"/>
+              </a:solidFill>
+              <a:latin typeface="HY태백B" pitchFamily="18" charset="-127"/>
+              <a:ea typeface="HY태백B" pitchFamily="18" charset="-127"/>
+            </a:endParaRPr>
+          </a:p>
+        </p:txBody>
+      </p:sp>
     </p:spTree>
     <p:extLst>
       <p:ext uri="{BB962C8B-B14F-4D97-AF65-F5344CB8AC3E}">
-        <p14:creationId xmlns:p14="http://schemas.microsoft.com/office/powerpoint/2010/main" val="295033003"/>
+        <p14:creationId xmlns:p14="http://schemas.microsoft.com/office/powerpoint/2010/main" val="1324595843"/>
       </p:ext>
     </p:extLst>
   </p:cSld>
@@ -8489,8 +9199,8 @@
         </p:nvSpPr>
         <p:spPr>
           <a:xfrm>
-            <a:off x="2613776" y="276750"/>
-            <a:ext cx="3916458" cy="369332"/>
+            <a:off x="1998228" y="276750"/>
+            <a:ext cx="5147563" cy="369332"/>
           </a:xfrm>
           <a:prstGeom prst="rect">
             <a:avLst/>
@@ -8552,7 +9262,7 @@
                 <a:latin typeface="HY태백B" pitchFamily="18" charset="-127"/>
                 <a:ea typeface="HY태백B" pitchFamily="18" charset="-127"/>
               </a:rPr>
-              <a:t>유효성 검사 완료</a:t>
+              <a:t>휴대전화 번호로 인증하기 탭</a:t>
             </a:r>
             <a:endParaRPr lang="ko-KR" altLang="en-US" dirty="0">
               <a:solidFill>
@@ -8566,7 +9276,7 @@
       </p:sp>
       <p:pic>
         <p:nvPicPr>
-          <p:cNvPr id="14338" name="Picture 2"/>
+          <p:cNvPr id="16386" name="Picture 2"/>
           <p:cNvPicPr>
             <a:picLocks noChangeAspect="1" noChangeArrowheads="1"/>
           </p:cNvPicPr>
@@ -8587,8 +9297,8 @@
         </p:blipFill>
         <p:spPr bwMode="auto">
           <a:xfrm>
-            <a:off x="2455061" y="1052736"/>
-            <a:ext cx="4233880" cy="5707437"/>
+            <a:off x="1187624" y="1015640"/>
+            <a:ext cx="4009403" cy="5835050"/>
           </a:xfrm>
           <a:prstGeom prst="rect">
             <a:avLst/>
@@ -8628,10 +9338,142 @@
           </a:extLst>
         </p:spPr>
       </p:pic>
+      <p:sp>
+        <p:nvSpPr>
+          <p:cNvPr id="2" name="모서리가 둥근 직사각형 1"/>
+          <p:cNvSpPr/>
+          <p:nvPr/>
+        </p:nvSpPr>
+        <p:spPr>
+          <a:xfrm>
+            <a:off x="1187624" y="4653136"/>
+            <a:ext cx="4009403" cy="648072"/>
+          </a:xfrm>
+          <a:prstGeom prst="roundRect">
+            <a:avLst/>
+          </a:prstGeom>
+          <a:noFill/>
+          <a:ln>
+            <a:solidFill>
+              <a:schemeClr val="accent1"/>
+            </a:solidFill>
+          </a:ln>
+        </p:spPr>
+        <p:style>
+          <a:lnRef idx="2">
+            <a:schemeClr val="accent1">
+              <a:shade val="50000"/>
+            </a:schemeClr>
+          </a:lnRef>
+          <a:fillRef idx="1">
+            <a:schemeClr val="accent1"/>
+          </a:fillRef>
+          <a:effectRef idx="0">
+            <a:schemeClr val="accent1"/>
+          </a:effectRef>
+          <a:fontRef idx="minor">
+            <a:schemeClr val="lt1"/>
+          </a:fontRef>
+        </p:style>
+        <p:txBody>
+          <a:bodyPr rtlCol="0" anchor="ctr"/>
+          <a:lstStyle/>
+          <a:p>
+            <a:pPr algn="ctr"/>
+            <a:endParaRPr lang="ko-KR" altLang="en-US"/>
+          </a:p>
+        </p:txBody>
+      </p:sp>
+      <p:pic>
+        <p:nvPicPr>
+          <p:cNvPr id="12290" name="Picture 2"/>
+          <p:cNvPicPr>
+            <a:picLocks noChangeAspect="1" noChangeArrowheads="1"/>
+          </p:cNvPicPr>
+          <p:nvPr/>
+        </p:nvPicPr>
+        <p:blipFill>
+          <a:blip r:embed="rId4">
+            <a:extLst>
+              <a:ext uri="{28A0092B-C50C-407E-A947-70E740481C1C}">
+                <a14:useLocalDpi xmlns:a14="http://schemas.microsoft.com/office/drawing/2010/main" val="0"/>
+              </a:ext>
+            </a:extLst>
+          </a:blip>
+          <a:srcRect/>
+          <a:stretch>
+            <a:fillRect/>
+          </a:stretch>
+        </p:blipFill>
+        <p:spPr bwMode="auto">
+          <a:xfrm>
+            <a:off x="4139952" y="2708920"/>
+            <a:ext cx="4525332" cy="1470069"/>
+          </a:xfrm>
+          <a:prstGeom prst="rect">
+            <a:avLst/>
+          </a:prstGeom>
+          <a:noFill/>
+          <a:ln w="9525">
+            <a:solidFill>
+              <a:schemeClr val="bg2"/>
+            </a:solidFill>
+            <a:miter lim="800000"/>
+            <a:headEnd/>
+            <a:tailEnd/>
+          </a:ln>
+          <a:effectLst>
+            <a:outerShdw blurRad="50800" dist="38100" dir="8100000" algn="tr" rotWithShape="0">
+              <a:prstClr val="black">
+                <a:alpha val="40000"/>
+              </a:prstClr>
+            </a:outerShdw>
+          </a:effectLst>
+          <a:extLst>
+            <a:ext uri="{909E8E84-426E-40DD-AFC4-6F175D3DCCD1}">
+              <a14:hiddenFill xmlns:a14="http://schemas.microsoft.com/office/drawing/2010/main">
+                <a:solidFill>
+                  <a:schemeClr val="accent1"/>
+                </a:solidFill>
+              </a14:hiddenFill>
+            </a:ext>
+          </a:extLst>
+        </p:spPr>
+      </p:pic>
+      <p:cxnSp>
+        <p:nvCxnSpPr>
+          <p:cNvPr id="4" name="직선 연결선 3"/>
+          <p:cNvCxnSpPr/>
+          <p:nvPr/>
+        </p:nvCxnSpPr>
+        <p:spPr>
+          <a:xfrm flipH="1">
+            <a:off x="5148064" y="4178989"/>
+            <a:ext cx="144016" cy="474147"/>
+          </a:xfrm>
+          <a:prstGeom prst="line">
+            <a:avLst/>
+          </a:prstGeom>
+        </p:spPr>
+        <p:style>
+          <a:lnRef idx="1">
+            <a:schemeClr val="accent1"/>
+          </a:lnRef>
+          <a:fillRef idx="0">
+            <a:schemeClr val="accent1"/>
+          </a:fillRef>
+          <a:effectRef idx="0">
+            <a:schemeClr val="accent1"/>
+          </a:effectRef>
+          <a:fontRef idx="minor">
+            <a:schemeClr val="tx1"/>
+          </a:fontRef>
+        </p:style>
+      </p:cxnSp>
     </p:spTree>
     <p:extLst>
       <p:ext uri="{BB962C8B-B14F-4D97-AF65-F5344CB8AC3E}">
-        <p14:creationId xmlns:p14="http://schemas.microsoft.com/office/powerpoint/2010/main" val="3281166905"/>
+        <p14:creationId xmlns:p14="http://schemas.microsoft.com/office/powerpoint/2010/main" val="1586230701"/>
       </p:ext>
     </p:extLst>
   </p:cSld>
@@ -8853,157 +9695,10 @@
           </a:extLst>
         </p:spPr>
       </p:pic>
-      <p:pic>
-        <p:nvPicPr>
-          <p:cNvPr id="15362" name="Picture 2"/>
-          <p:cNvPicPr>
-            <a:picLocks noChangeAspect="1" noChangeArrowheads="1"/>
-          </p:cNvPicPr>
-          <p:nvPr/>
-        </p:nvPicPr>
-        <p:blipFill>
-          <a:blip r:embed="rId4">
-            <a:extLst>
-              <a:ext uri="{28A0092B-C50C-407E-A947-70E740481C1C}">
-                <a14:useLocalDpi xmlns:a14="http://schemas.microsoft.com/office/drawing/2010/main" val="0"/>
-              </a:ext>
-            </a:extLst>
-          </a:blip>
-          <a:srcRect/>
-          <a:stretch>
-            <a:fillRect/>
-          </a:stretch>
-        </p:blipFill>
-        <p:spPr bwMode="auto">
-          <a:xfrm>
-            <a:off x="2286612" y="2204864"/>
-            <a:ext cx="4570775" cy="1329680"/>
-          </a:xfrm>
-          <a:prstGeom prst="rect">
-            <a:avLst/>
-          </a:prstGeom>
-          <a:noFill/>
-          <a:ln>
-            <a:noFill/>
-          </a:ln>
-          <a:effectLst>
-            <a:outerShdw blurRad="50800" dist="38100" dir="2700000" algn="tl" rotWithShape="0">
-              <a:prstClr val="black">
-                <a:alpha val="40000"/>
-              </a:prstClr>
-            </a:outerShdw>
-          </a:effectLst>
-          <a:extLst>
-            <a:ext uri="{909E8E84-426E-40DD-AFC4-6F175D3DCCD1}">
-              <a14:hiddenFill xmlns:a14="http://schemas.microsoft.com/office/drawing/2010/main">
-                <a:solidFill>
-                  <a:schemeClr val="accent1"/>
-                </a:solidFill>
-              </a14:hiddenFill>
-            </a:ext>
-            <a:ext uri="{91240B29-F687-4F45-9708-019B960494DF}">
-              <a14:hiddenLine xmlns:a14="http://schemas.microsoft.com/office/drawing/2010/main" w="9525">
-                <a:solidFill>
-                  <a:schemeClr val="tx1"/>
-                </a:solidFill>
-                <a:miter lim="800000"/>
-                <a:headEnd/>
-                <a:tailEnd/>
-              </a14:hiddenLine>
-            </a:ext>
-          </a:extLst>
-        </p:spPr>
-      </p:pic>
-      <p:pic>
-        <p:nvPicPr>
-          <p:cNvPr id="13314" name="Picture 2"/>
-          <p:cNvPicPr>
-            <a:picLocks noChangeAspect="1" noChangeArrowheads="1"/>
-          </p:cNvPicPr>
-          <p:nvPr/>
-        </p:nvPicPr>
-        <p:blipFill>
-          <a:blip r:embed="rId5">
-            <a:extLst>
-              <a:ext uri="{28A0092B-C50C-407E-A947-70E740481C1C}">
-                <a14:useLocalDpi xmlns:a14="http://schemas.microsoft.com/office/drawing/2010/main" val="0"/>
-              </a:ext>
-            </a:extLst>
-          </a:blip>
-          <a:srcRect/>
-          <a:stretch>
-            <a:fillRect/>
-          </a:stretch>
-        </p:blipFill>
-        <p:spPr bwMode="auto">
-          <a:xfrm>
-            <a:off x="5796136" y="4094462"/>
-            <a:ext cx="2971800" cy="409575"/>
-          </a:xfrm>
-          <a:prstGeom prst="rect">
-            <a:avLst/>
-          </a:prstGeom>
-          <a:noFill/>
-          <a:ln w="9525">
-            <a:solidFill>
-              <a:schemeClr val="bg2"/>
-            </a:solidFill>
-            <a:miter lim="800000"/>
-            <a:headEnd/>
-            <a:tailEnd/>
-          </a:ln>
-          <a:effectLst>
-            <a:outerShdw blurRad="50800" dist="38100" dir="8100000" algn="tr" rotWithShape="0">
-              <a:prstClr val="black">
-                <a:alpha val="40000"/>
-              </a:prstClr>
-            </a:outerShdw>
-          </a:effectLst>
-          <a:extLst>
-            <a:ext uri="{909E8E84-426E-40DD-AFC4-6F175D3DCCD1}">
-              <a14:hiddenFill xmlns:a14="http://schemas.microsoft.com/office/drawing/2010/main">
-                <a:solidFill>
-                  <a:schemeClr val="accent1"/>
-                </a:solidFill>
-              </a14:hiddenFill>
-            </a:ext>
-          </a:extLst>
-        </p:spPr>
-      </p:pic>
-      <p:cxnSp>
-        <p:nvCxnSpPr>
-          <p:cNvPr id="3" name="직선 연결선 2"/>
-          <p:cNvCxnSpPr/>
-          <p:nvPr/>
-        </p:nvCxnSpPr>
-        <p:spPr>
-          <a:xfrm>
-            <a:off x="6372200" y="3534544"/>
-            <a:ext cx="158034" cy="542527"/>
-          </a:xfrm>
-          <a:prstGeom prst="line">
-            <a:avLst/>
-          </a:prstGeom>
-        </p:spPr>
-        <p:style>
-          <a:lnRef idx="1">
-            <a:schemeClr val="accent1"/>
-          </a:lnRef>
-          <a:fillRef idx="0">
-            <a:schemeClr val="accent1"/>
-          </a:fillRef>
-          <a:effectRef idx="0">
-            <a:schemeClr val="accent1"/>
-          </a:effectRef>
-          <a:fontRef idx="minor">
-            <a:schemeClr val="tx1"/>
-          </a:fontRef>
-        </p:style>
-      </p:cxnSp>
     </p:spTree>
     <p:extLst>
       <p:ext uri="{BB962C8B-B14F-4D97-AF65-F5344CB8AC3E}">
-        <p14:creationId xmlns:p14="http://schemas.microsoft.com/office/powerpoint/2010/main" val="2086625860"/>
+        <p14:creationId xmlns:p14="http://schemas.microsoft.com/office/powerpoint/2010/main" val="3281166905"/>
       </p:ext>
     </p:extLst>
   </p:cSld>
@@ -9060,7 +9755,7 @@
         </p:blipFill>
         <p:spPr bwMode="auto">
           <a:xfrm>
-            <a:off x="10634" y="0"/>
+            <a:off x="1" y="0"/>
             <a:ext cx="9144000" cy="904875"/>
           </a:xfrm>
           <a:prstGeom prst="rect">
@@ -9086,8 +9781,8 @@
         </p:nvSpPr>
         <p:spPr>
           <a:xfrm>
-            <a:off x="2699792" y="267771"/>
-            <a:ext cx="3762568" cy="369332"/>
+            <a:off x="2613776" y="276750"/>
+            <a:ext cx="3916458" cy="369332"/>
           </a:xfrm>
           <a:prstGeom prst="rect">
             <a:avLst/>
@@ -9100,6 +9795,7 @@
           </a:bodyPr>
           <a:lstStyle/>
           <a:p>
+            <a:pPr algn="ctr"/>
             <a:r>
               <a:rPr lang="ko-KR" altLang="en-US" dirty="0" smtClean="0">
                 <a:solidFill>
@@ -9108,7 +9804,27 @@
                 <a:latin typeface="HY태백B" pitchFamily="18" charset="-127"/>
                 <a:ea typeface="HY태백B" pitchFamily="18" charset="-127"/>
               </a:rPr>
-              <a:t>로그인 페이지 </a:t>
+              <a:t>회원가</a:t>
+            </a:r>
+            <a:r>
+              <a:rPr lang="ko-KR" altLang="en-US" dirty="0">
+                <a:solidFill>
+                  <a:schemeClr val="bg1"/>
+                </a:solidFill>
+                <a:latin typeface="HY태백B" pitchFamily="18" charset="-127"/>
+                <a:ea typeface="HY태백B" pitchFamily="18" charset="-127"/>
+              </a:rPr>
+              <a:t>입</a:t>
+            </a:r>
+            <a:r>
+              <a:rPr lang="ko-KR" altLang="en-US" dirty="0" smtClean="0">
+                <a:solidFill>
+                  <a:schemeClr val="bg1"/>
+                </a:solidFill>
+                <a:latin typeface="HY태백B" pitchFamily="18" charset="-127"/>
+                <a:ea typeface="HY태백B" pitchFamily="18" charset="-127"/>
+              </a:rPr>
+              <a:t> 페이지 </a:t>
             </a:r>
             <a:r>
               <a:rPr lang="en-US" altLang="ko-KR" dirty="0" smtClean="0">
@@ -9128,7 +9844,7 @@
                 <a:latin typeface="HY태백B" pitchFamily="18" charset="-127"/>
                 <a:ea typeface="HY태백B" pitchFamily="18" charset="-127"/>
               </a:rPr>
-              <a:t>맞는 정보 입력 시</a:t>
+              <a:t>유효성 검사 완료</a:t>
             </a:r>
             <a:endParaRPr lang="ko-KR" altLang="en-US" dirty="0">
               <a:solidFill>
@@ -9142,7 +9858,7 @@
       </p:sp>
       <p:pic>
         <p:nvPicPr>
-          <p:cNvPr id="4098" name="Picture 2"/>
+          <p:cNvPr id="14338" name="Picture 2"/>
           <p:cNvPicPr>
             <a:picLocks noChangeAspect="1" noChangeArrowheads="1"/>
           </p:cNvPicPr>
@@ -9163,8 +9879,8 @@
         </p:blipFill>
         <p:spPr bwMode="auto">
           <a:xfrm>
-            <a:off x="467544" y="1367392"/>
-            <a:ext cx="3907112" cy="4805462"/>
+            <a:off x="2455061" y="1052736"/>
+            <a:ext cx="4233880" cy="5707437"/>
           </a:xfrm>
           <a:prstGeom prst="rect">
             <a:avLst/>
@@ -9206,7 +9922,7 @@
       </p:pic>
       <p:pic>
         <p:nvPicPr>
-          <p:cNvPr id="4100" name="Picture 4"/>
+          <p:cNvPr id="15362" name="Picture 2"/>
           <p:cNvPicPr>
             <a:picLocks noChangeAspect="1" noChangeArrowheads="1"/>
           </p:cNvPicPr>
@@ -9227,8 +9943,8 @@
         </p:blipFill>
         <p:spPr bwMode="auto">
           <a:xfrm>
-            <a:off x="3635896" y="2276872"/>
-            <a:ext cx="5133589" cy="3430315"/>
+            <a:off x="2286612" y="2204864"/>
+            <a:ext cx="4570775" cy="1329680"/>
           </a:xfrm>
           <a:prstGeom prst="rect">
             <a:avLst/>
@@ -9237,7 +9953,13 @@
           <a:ln>
             <a:noFill/>
           </a:ln>
-          <a:effectLst/>
+          <a:effectLst>
+            <a:outerShdw blurRad="50800" dist="38100" dir="2700000" algn="tl" rotWithShape="0">
+              <a:prstClr val="black">
+                <a:alpha val="40000"/>
+              </a:prstClr>
+            </a:outerShdw>
+          </a:effectLst>
           <a:extLst>
             <a:ext uri="{909E8E84-426E-40DD-AFC4-6F175D3DCCD1}">
               <a14:hiddenFill xmlns:a14="http://schemas.microsoft.com/office/drawing/2010/main">
@@ -9256,22 +9978,99 @@
                 <a:tailEnd/>
               </a14:hiddenLine>
             </a:ext>
-            <a:ext uri="{AF507438-7753-43E0-B8FC-AC1667EBCBE1}">
-              <a14:hiddenEffects xmlns:a14="http://schemas.microsoft.com/office/drawing/2010/main">
-                <a:effectLst>
-                  <a:outerShdw dist="35921" dir="2700000" algn="ctr" rotWithShape="0">
-                    <a:schemeClr val="bg2"/>
-                  </a:outerShdw>
-                </a:effectLst>
-              </a14:hiddenEffects>
-            </a:ext>
           </a:extLst>
         </p:spPr>
       </p:pic>
+      <p:pic>
+        <p:nvPicPr>
+          <p:cNvPr id="13314" name="Picture 2"/>
+          <p:cNvPicPr>
+            <a:picLocks noChangeAspect="1" noChangeArrowheads="1"/>
+          </p:cNvPicPr>
+          <p:nvPr/>
+        </p:nvPicPr>
+        <p:blipFill>
+          <a:blip r:embed="rId5">
+            <a:extLst>
+              <a:ext uri="{28A0092B-C50C-407E-A947-70E740481C1C}">
+                <a14:useLocalDpi xmlns:a14="http://schemas.microsoft.com/office/drawing/2010/main" val="0"/>
+              </a:ext>
+            </a:extLst>
+          </a:blip>
+          <a:srcRect/>
+          <a:stretch>
+            <a:fillRect/>
+          </a:stretch>
+        </p:blipFill>
+        <p:spPr bwMode="auto">
+          <a:xfrm>
+            <a:off x="5796136" y="4094462"/>
+            <a:ext cx="2971800" cy="409575"/>
+          </a:xfrm>
+          <a:prstGeom prst="rect">
+            <a:avLst/>
+          </a:prstGeom>
+          <a:noFill/>
+          <a:ln w="9525">
+            <a:solidFill>
+              <a:schemeClr val="bg2"/>
+            </a:solidFill>
+            <a:miter lim="800000"/>
+            <a:headEnd/>
+            <a:tailEnd/>
+          </a:ln>
+          <a:effectLst>
+            <a:outerShdw blurRad="50800" dist="38100" dir="8100000" algn="tr" rotWithShape="0">
+              <a:prstClr val="black">
+                <a:alpha val="40000"/>
+              </a:prstClr>
+            </a:outerShdw>
+          </a:effectLst>
+          <a:extLst>
+            <a:ext uri="{909E8E84-426E-40DD-AFC4-6F175D3DCCD1}">
+              <a14:hiddenFill xmlns:a14="http://schemas.microsoft.com/office/drawing/2010/main">
+                <a:solidFill>
+                  <a:schemeClr val="accent1"/>
+                </a:solidFill>
+              </a14:hiddenFill>
+            </a:ext>
+          </a:extLst>
+        </p:spPr>
+      </p:pic>
+      <p:cxnSp>
+        <p:nvCxnSpPr>
+          <p:cNvPr id="3" name="직선 연결선 2"/>
+          <p:cNvCxnSpPr/>
+          <p:nvPr/>
+        </p:nvCxnSpPr>
+        <p:spPr>
+          <a:xfrm>
+            <a:off x="6372200" y="3534544"/>
+            <a:ext cx="158034" cy="542527"/>
+          </a:xfrm>
+          <a:prstGeom prst="line">
+            <a:avLst/>
+          </a:prstGeom>
+        </p:spPr>
+        <p:style>
+          <a:lnRef idx="1">
+            <a:schemeClr val="accent1"/>
+          </a:lnRef>
+          <a:fillRef idx="0">
+            <a:schemeClr val="accent1"/>
+          </a:fillRef>
+          <a:effectRef idx="0">
+            <a:schemeClr val="accent1"/>
+          </a:effectRef>
+          <a:fontRef idx="minor">
+            <a:schemeClr val="tx1"/>
+          </a:fontRef>
+        </p:style>
+      </p:cxnSp>
     </p:spTree>
     <p:extLst>
       <p:ext uri="{BB962C8B-B14F-4D97-AF65-F5344CB8AC3E}">
-        <p14:creationId xmlns:p14="http://schemas.microsoft.com/office/powerpoint/2010/main" val="818765756"/>
+        <p14:creationId xmlns:p14="http://schemas.microsoft.com/office/powerpoint/2010/main" val="2086625860"/>
       </p:ext>
     </p:extLst>
   </p:cSld>
@@ -9354,8 +10153,8 @@
         </p:nvSpPr>
         <p:spPr>
           <a:xfrm>
-            <a:off x="2483768" y="267771"/>
-            <a:ext cx="4224233" cy="369332"/>
+            <a:off x="2699792" y="267771"/>
+            <a:ext cx="3762568" cy="369332"/>
           </a:xfrm>
           <a:prstGeom prst="rect">
             <a:avLst/>
@@ -9369,16 +10168,6 @@
           <a:lstStyle/>
           <a:p>
             <a:r>
-              <a:rPr lang="ko-KR" altLang="en-US" dirty="0">
-                <a:solidFill>
-                  <a:schemeClr val="bg1"/>
-                </a:solidFill>
-                <a:latin typeface="HY태백B" pitchFamily="18" charset="-127"/>
-                <a:ea typeface="HY태백B" pitchFamily="18" charset="-127"/>
-              </a:rPr>
-              <a:t>게시물 </a:t>
-            </a:r>
-            <a:r>
               <a:rPr lang="ko-KR" altLang="en-US" dirty="0" smtClean="0">
                 <a:solidFill>
                   <a:schemeClr val="bg1"/>
@@ -9386,7 +10175,7 @@
                 <a:latin typeface="HY태백B" pitchFamily="18" charset="-127"/>
                 <a:ea typeface="HY태백B" pitchFamily="18" charset="-127"/>
               </a:rPr>
-              <a:t>목록 페이지 </a:t>
+              <a:t>로그인 페이지 </a:t>
             </a:r>
             <a:r>
               <a:rPr lang="en-US" altLang="ko-KR" dirty="0" smtClean="0">
@@ -9406,7 +10195,7 @@
                 <a:latin typeface="HY태백B" pitchFamily="18" charset="-127"/>
                 <a:ea typeface="HY태백B" pitchFamily="18" charset="-127"/>
               </a:rPr>
-              <a:t>사용자 이름 출력</a:t>
+              <a:t>맞는 정보 입력 시</a:t>
             </a:r>
             <a:endParaRPr lang="ko-KR" altLang="en-US" dirty="0">
               <a:solidFill>
@@ -9420,7 +10209,7 @@
       </p:sp>
       <p:pic>
         <p:nvPicPr>
-          <p:cNvPr id="5124" name="Picture 4"/>
+          <p:cNvPr id="4098" name="Picture 2"/>
           <p:cNvPicPr>
             <a:picLocks noChangeAspect="1" noChangeArrowheads="1"/>
           </p:cNvPicPr>
@@ -9441,8 +10230,8 @@
         </p:blipFill>
         <p:spPr bwMode="auto">
           <a:xfrm>
-            <a:off x="1074456" y="1196752"/>
-            <a:ext cx="7025936" cy="2418197"/>
+            <a:off x="467544" y="1367392"/>
+            <a:ext cx="3907112" cy="4805462"/>
           </a:xfrm>
           <a:prstGeom prst="rect">
             <a:avLst/>
@@ -9482,55 +10271,9 @@
           </a:extLst>
         </p:spPr>
       </p:pic>
-      <p:sp>
-        <p:nvSpPr>
-          <p:cNvPr id="2" name="직사각형 1"/>
-          <p:cNvSpPr/>
-          <p:nvPr/>
-        </p:nvSpPr>
-        <p:spPr>
-          <a:xfrm>
-            <a:off x="6372200" y="1304764"/>
-            <a:ext cx="1387234" cy="252028"/>
-          </a:xfrm>
-          <a:prstGeom prst="rect">
-            <a:avLst/>
-          </a:prstGeom>
-          <a:noFill/>
-          <a:ln>
-            <a:solidFill>
-              <a:schemeClr val="accent2"/>
-            </a:solidFill>
-          </a:ln>
-        </p:spPr>
-        <p:style>
-          <a:lnRef idx="2">
-            <a:schemeClr val="accent1">
-              <a:shade val="50000"/>
-            </a:schemeClr>
-          </a:lnRef>
-          <a:fillRef idx="1">
-            <a:schemeClr val="accent1"/>
-          </a:fillRef>
-          <a:effectRef idx="0">
-            <a:schemeClr val="accent1"/>
-          </a:effectRef>
-          <a:fontRef idx="minor">
-            <a:schemeClr val="lt1"/>
-          </a:fontRef>
-        </p:style>
-        <p:txBody>
-          <a:bodyPr rtlCol="0" anchor="ctr"/>
-          <a:lstStyle/>
-          <a:p>
-            <a:pPr algn="ctr"/>
-            <a:endParaRPr lang="ko-KR" altLang="en-US"/>
-          </a:p>
-        </p:txBody>
-      </p:sp>
       <p:pic>
         <p:nvPicPr>
-          <p:cNvPr id="5123" name="Picture 3"/>
+          <p:cNvPr id="4100" name="Picture 4"/>
           <p:cNvPicPr>
             <a:picLocks noChangeAspect="1" noChangeArrowheads="1"/>
           </p:cNvPicPr>
@@ -9551,8 +10294,8 @@
         </p:blipFill>
         <p:spPr bwMode="auto">
           <a:xfrm>
-            <a:off x="1043608" y="4149080"/>
-            <a:ext cx="7093652" cy="1656184"/>
+            <a:off x="3635896" y="2276872"/>
+            <a:ext cx="5133589" cy="3430315"/>
           </a:xfrm>
           <a:prstGeom prst="rect">
             <a:avLst/>
@@ -9595,7 +10338,7 @@
     </p:spTree>
     <p:extLst>
       <p:ext uri="{BB962C8B-B14F-4D97-AF65-F5344CB8AC3E}">
-        <p14:creationId xmlns:p14="http://schemas.microsoft.com/office/powerpoint/2010/main" val="2371406812"/>
+        <p14:creationId xmlns:p14="http://schemas.microsoft.com/office/powerpoint/2010/main" val="818765756"/>
       </p:ext>
     </p:extLst>
   </p:cSld>
@@ -9652,7 +10395,7 @@
         </p:blipFill>
         <p:spPr bwMode="auto">
           <a:xfrm>
-            <a:off x="-2008" y="0"/>
+            <a:off x="10634" y="0"/>
             <a:ext cx="9144000" cy="904875"/>
           </a:xfrm>
           <a:prstGeom prst="rect">
@@ -9678,8 +10421,8 @@
         </p:nvSpPr>
         <p:spPr>
           <a:xfrm>
-            <a:off x="3563888" y="267771"/>
-            <a:ext cx="2185214" cy="369332"/>
+            <a:off x="2483768" y="267771"/>
+            <a:ext cx="4224233" cy="369332"/>
           </a:xfrm>
           <a:prstGeom prst="rect">
             <a:avLst/>
@@ -9693,6 +10436,16 @@
           <a:lstStyle/>
           <a:p>
             <a:r>
+              <a:rPr lang="ko-KR" altLang="en-US" dirty="0">
+                <a:solidFill>
+                  <a:schemeClr val="bg1"/>
+                </a:solidFill>
+                <a:latin typeface="HY태백B" pitchFamily="18" charset="-127"/>
+                <a:ea typeface="HY태백B" pitchFamily="18" charset="-127"/>
+              </a:rPr>
+              <a:t>게시물 </a:t>
+            </a:r>
+            <a:r>
               <a:rPr lang="ko-KR" altLang="en-US" dirty="0" smtClean="0">
                 <a:solidFill>
                   <a:schemeClr val="bg1"/>
@@ -9700,7 +10453,27 @@
                 <a:latin typeface="HY태백B" pitchFamily="18" charset="-127"/>
                 <a:ea typeface="HY태백B" pitchFamily="18" charset="-127"/>
               </a:rPr>
-              <a:t>게시물 목록 페이지</a:t>
+              <a:t>목록 페이지 </a:t>
+            </a:r>
+            <a:r>
+              <a:rPr lang="en-US" altLang="ko-KR" dirty="0" smtClean="0">
+                <a:solidFill>
+                  <a:schemeClr val="bg1"/>
+                </a:solidFill>
+                <a:latin typeface="HY태백B" pitchFamily="18" charset="-127"/>
+                <a:ea typeface="HY태백B" pitchFamily="18" charset="-127"/>
+              </a:rPr>
+              <a:t>– </a:t>
+            </a:r>
+            <a:r>
+              <a:rPr lang="ko-KR" altLang="en-US" dirty="0" smtClean="0">
+                <a:solidFill>
+                  <a:schemeClr val="bg1"/>
+                </a:solidFill>
+                <a:latin typeface="HY태백B" pitchFamily="18" charset="-127"/>
+                <a:ea typeface="HY태백B" pitchFamily="18" charset="-127"/>
+              </a:rPr>
+              <a:t>사용자 이름 출력</a:t>
             </a:r>
             <a:endParaRPr lang="ko-KR" altLang="en-US" dirty="0">
               <a:solidFill>
@@ -9714,7 +10487,7 @@
       </p:sp>
       <p:pic>
         <p:nvPicPr>
-          <p:cNvPr id="6146" name="Picture 2"/>
+          <p:cNvPr id="5124" name="Picture 4"/>
           <p:cNvPicPr>
             <a:picLocks noChangeAspect="1" noChangeArrowheads="1"/>
           </p:cNvPicPr>
@@ -9735,8 +10508,8 @@
         </p:blipFill>
         <p:spPr bwMode="auto">
           <a:xfrm>
-            <a:off x="557776" y="4118694"/>
-            <a:ext cx="7038560" cy="2474044"/>
+            <a:off x="1074456" y="1196752"/>
+            <a:ext cx="7025936" cy="2418197"/>
           </a:xfrm>
           <a:prstGeom prst="rect">
             <a:avLst/>
@@ -9776,82 +10549,18 @@
           </a:extLst>
         </p:spPr>
       </p:pic>
-      <p:pic>
-        <p:nvPicPr>
-          <p:cNvPr id="6147" name="Picture 3"/>
-          <p:cNvPicPr>
-            <a:picLocks noChangeAspect="1" noChangeArrowheads="1"/>
-          </p:cNvPicPr>
-          <p:nvPr/>
-        </p:nvPicPr>
-        <p:blipFill>
-          <a:blip r:embed="rId4">
-            <a:extLst>
-              <a:ext uri="{28A0092B-C50C-407E-A947-70E740481C1C}">
-                <a14:useLocalDpi xmlns:a14="http://schemas.microsoft.com/office/drawing/2010/main" val="0"/>
-              </a:ext>
-            </a:extLst>
-          </a:blip>
-          <a:srcRect/>
-          <a:stretch>
-            <a:fillRect/>
-          </a:stretch>
-        </p:blipFill>
-        <p:spPr bwMode="auto">
-          <a:xfrm>
-            <a:off x="323528" y="1304764"/>
-            <a:ext cx="7070179" cy="2183209"/>
-          </a:xfrm>
-          <a:prstGeom prst="rect">
-            <a:avLst/>
-          </a:prstGeom>
-          <a:noFill/>
-          <a:ln>
-            <a:noFill/>
-          </a:ln>
-          <a:effectLst/>
-          <a:extLst>
-            <a:ext uri="{909E8E84-426E-40DD-AFC4-6F175D3DCCD1}">
-              <a14:hiddenFill xmlns:a14="http://schemas.microsoft.com/office/drawing/2010/main">
-                <a:solidFill>
-                  <a:schemeClr val="accent1"/>
-                </a:solidFill>
-              </a14:hiddenFill>
-            </a:ext>
-            <a:ext uri="{91240B29-F687-4F45-9708-019B960494DF}">
-              <a14:hiddenLine xmlns:a14="http://schemas.microsoft.com/office/drawing/2010/main" w="9525">
-                <a:solidFill>
-                  <a:schemeClr val="tx1"/>
-                </a:solidFill>
-                <a:miter lim="800000"/>
-                <a:headEnd/>
-                <a:tailEnd/>
-              </a14:hiddenLine>
-            </a:ext>
-            <a:ext uri="{AF507438-7753-43E0-B8FC-AC1667EBCBE1}">
-              <a14:hiddenEffects xmlns:a14="http://schemas.microsoft.com/office/drawing/2010/main">
-                <a:effectLst>
-                  <a:outerShdw dist="35921" dir="2700000" algn="ctr" rotWithShape="0">
-                    <a:schemeClr val="bg2"/>
-                  </a:outerShdw>
-                </a:effectLst>
-              </a14:hiddenEffects>
-            </a:ext>
-          </a:extLst>
-        </p:spPr>
-      </p:pic>
       <p:sp>
         <p:nvSpPr>
-          <p:cNvPr id="6" name="모서리가 둥근 직사각형 5"/>
+          <p:cNvPr id="2" name="직사각형 1"/>
           <p:cNvSpPr/>
           <p:nvPr/>
         </p:nvSpPr>
         <p:spPr>
           <a:xfrm>
-            <a:off x="6660232" y="3356992"/>
-            <a:ext cx="1872208" cy="504056"/>
-          </a:xfrm>
-          <a:prstGeom prst="roundRect">
+            <a:off x="6372200" y="1304764"/>
+            <a:ext cx="1387234" cy="252028"/>
+          </a:xfrm>
+          <a:prstGeom prst="rect">
             <a:avLst/>
           </a:prstGeom>
           <a:noFill/>
@@ -9882,26 +10591,78 @@
           <a:lstStyle/>
           <a:p>
             <a:pPr algn="ctr"/>
-            <a:r>
-              <a:rPr lang="ko-KR" altLang="en-US" sz="1000" dirty="0" smtClean="0">
-                <a:solidFill>
-                  <a:srgbClr val="FF0000"/>
-                </a:solidFill>
-              </a:rPr>
-              <a:t>게시물 작성 페이지 이동</a:t>
-            </a:r>
-            <a:endParaRPr lang="ko-KR" altLang="en-US" sz="1000" dirty="0">
-              <a:solidFill>
-                <a:srgbClr val="FF0000"/>
-              </a:solidFill>
-            </a:endParaRPr>
+            <a:endParaRPr lang="ko-KR" altLang="en-US"/>
           </a:p>
         </p:txBody>
       </p:sp>
+      <p:pic>
+        <p:nvPicPr>
+          <p:cNvPr id="5123" name="Picture 3"/>
+          <p:cNvPicPr>
+            <a:picLocks noChangeAspect="1" noChangeArrowheads="1"/>
+          </p:cNvPicPr>
+          <p:nvPr/>
+        </p:nvPicPr>
+        <p:blipFill>
+          <a:blip r:embed="rId4">
+            <a:extLst>
+              <a:ext uri="{28A0092B-C50C-407E-A947-70E740481C1C}">
+                <a14:useLocalDpi xmlns:a14="http://schemas.microsoft.com/office/drawing/2010/main" val="0"/>
+              </a:ext>
+            </a:extLst>
+          </a:blip>
+          <a:srcRect/>
+          <a:stretch>
+            <a:fillRect/>
+          </a:stretch>
+        </p:blipFill>
+        <p:spPr bwMode="auto">
+          <a:xfrm>
+            <a:off x="1043608" y="4149080"/>
+            <a:ext cx="7093652" cy="1656184"/>
+          </a:xfrm>
+          <a:prstGeom prst="rect">
+            <a:avLst/>
+          </a:prstGeom>
+          <a:noFill/>
+          <a:ln>
+            <a:noFill/>
+          </a:ln>
+          <a:effectLst/>
+          <a:extLst>
+            <a:ext uri="{909E8E84-426E-40DD-AFC4-6F175D3DCCD1}">
+              <a14:hiddenFill xmlns:a14="http://schemas.microsoft.com/office/drawing/2010/main">
+                <a:solidFill>
+                  <a:schemeClr val="accent1"/>
+                </a:solidFill>
+              </a14:hiddenFill>
+            </a:ext>
+            <a:ext uri="{91240B29-F687-4F45-9708-019B960494DF}">
+              <a14:hiddenLine xmlns:a14="http://schemas.microsoft.com/office/drawing/2010/main" w="9525">
+                <a:solidFill>
+                  <a:schemeClr val="tx1"/>
+                </a:solidFill>
+                <a:miter lim="800000"/>
+                <a:headEnd/>
+                <a:tailEnd/>
+              </a14:hiddenLine>
+            </a:ext>
+            <a:ext uri="{AF507438-7753-43E0-B8FC-AC1667EBCBE1}">
+              <a14:hiddenEffects xmlns:a14="http://schemas.microsoft.com/office/drawing/2010/main">
+                <a:effectLst>
+                  <a:outerShdw dist="35921" dir="2700000" algn="ctr" rotWithShape="0">
+                    <a:schemeClr val="bg2"/>
+                  </a:outerShdw>
+                </a:effectLst>
+              </a14:hiddenEffects>
+            </a:ext>
+          </a:extLst>
+        </p:spPr>
+      </p:pic>
     </p:spTree>
     <p:extLst>
       <p:ext uri="{BB962C8B-B14F-4D97-AF65-F5344CB8AC3E}">
-        <p14:creationId xmlns:p14="http://schemas.microsoft.com/office/powerpoint/2010/main" val="1402079727"/>
+        <p14:creationId xmlns:p14="http://schemas.microsoft.com/office/powerpoint/2010/main" val="2371406812"/>
       </p:ext>
     </p:extLst>
   </p:cSld>
@@ -10006,7 +10767,7 @@
                 <a:latin typeface="HY태백B" pitchFamily="18" charset="-127"/>
                 <a:ea typeface="HY태백B" pitchFamily="18" charset="-127"/>
               </a:rPr>
-              <a:t>게시물 작성 페이지</a:t>
+              <a:t>게시물 목록 페이지</a:t>
             </a:r>
             <a:endParaRPr lang="ko-KR" altLang="en-US" dirty="0">
               <a:solidFill>
@@ -10020,7 +10781,7 @@
       </p:sp>
       <p:pic>
         <p:nvPicPr>
-          <p:cNvPr id="7" name="Picture 3"/>
+          <p:cNvPr id="6146" name="Picture 2"/>
           <p:cNvPicPr>
             <a:picLocks noChangeAspect="1" noChangeArrowheads="1"/>
           </p:cNvPicPr>
@@ -10041,8 +10802,8 @@
         </p:blipFill>
         <p:spPr bwMode="auto">
           <a:xfrm>
-            <a:off x="1644171" y="1124744"/>
-            <a:ext cx="5876925" cy="5562600"/>
+            <a:off x="557776" y="4118694"/>
+            <a:ext cx="7038560" cy="2474044"/>
           </a:xfrm>
           <a:prstGeom prst="rect">
             <a:avLst/>
@@ -10082,10 +10843,132 @@
           </a:extLst>
         </p:spPr>
       </p:pic>
+      <p:pic>
+        <p:nvPicPr>
+          <p:cNvPr id="6147" name="Picture 3"/>
+          <p:cNvPicPr>
+            <a:picLocks noChangeAspect="1" noChangeArrowheads="1"/>
+          </p:cNvPicPr>
+          <p:nvPr/>
+        </p:nvPicPr>
+        <p:blipFill>
+          <a:blip r:embed="rId4">
+            <a:extLst>
+              <a:ext uri="{28A0092B-C50C-407E-A947-70E740481C1C}">
+                <a14:useLocalDpi xmlns:a14="http://schemas.microsoft.com/office/drawing/2010/main" val="0"/>
+              </a:ext>
+            </a:extLst>
+          </a:blip>
+          <a:srcRect/>
+          <a:stretch>
+            <a:fillRect/>
+          </a:stretch>
+        </p:blipFill>
+        <p:spPr bwMode="auto">
+          <a:xfrm>
+            <a:off x="323528" y="1304764"/>
+            <a:ext cx="7070179" cy="2183209"/>
+          </a:xfrm>
+          <a:prstGeom prst="rect">
+            <a:avLst/>
+          </a:prstGeom>
+          <a:noFill/>
+          <a:ln>
+            <a:noFill/>
+          </a:ln>
+          <a:effectLst/>
+          <a:extLst>
+            <a:ext uri="{909E8E84-426E-40DD-AFC4-6F175D3DCCD1}">
+              <a14:hiddenFill xmlns:a14="http://schemas.microsoft.com/office/drawing/2010/main">
+                <a:solidFill>
+                  <a:schemeClr val="accent1"/>
+                </a:solidFill>
+              </a14:hiddenFill>
+            </a:ext>
+            <a:ext uri="{91240B29-F687-4F45-9708-019B960494DF}">
+              <a14:hiddenLine xmlns:a14="http://schemas.microsoft.com/office/drawing/2010/main" w="9525">
+                <a:solidFill>
+                  <a:schemeClr val="tx1"/>
+                </a:solidFill>
+                <a:miter lim="800000"/>
+                <a:headEnd/>
+                <a:tailEnd/>
+              </a14:hiddenLine>
+            </a:ext>
+            <a:ext uri="{AF507438-7753-43E0-B8FC-AC1667EBCBE1}">
+              <a14:hiddenEffects xmlns:a14="http://schemas.microsoft.com/office/drawing/2010/main">
+                <a:effectLst>
+                  <a:outerShdw dist="35921" dir="2700000" algn="ctr" rotWithShape="0">
+                    <a:schemeClr val="bg2"/>
+                  </a:outerShdw>
+                </a:effectLst>
+              </a14:hiddenEffects>
+            </a:ext>
+          </a:extLst>
+        </p:spPr>
+      </p:pic>
+      <p:sp>
+        <p:nvSpPr>
+          <p:cNvPr id="6" name="모서리가 둥근 직사각형 5"/>
+          <p:cNvSpPr/>
+          <p:nvPr/>
+        </p:nvSpPr>
+        <p:spPr>
+          <a:xfrm>
+            <a:off x="6660232" y="3356992"/>
+            <a:ext cx="1872208" cy="504056"/>
+          </a:xfrm>
+          <a:prstGeom prst="roundRect">
+            <a:avLst/>
+          </a:prstGeom>
+          <a:noFill/>
+          <a:ln>
+            <a:solidFill>
+              <a:schemeClr val="accent2"/>
+            </a:solidFill>
+          </a:ln>
+        </p:spPr>
+        <p:style>
+          <a:lnRef idx="2">
+            <a:schemeClr val="accent1">
+              <a:shade val="50000"/>
+            </a:schemeClr>
+          </a:lnRef>
+          <a:fillRef idx="1">
+            <a:schemeClr val="accent1"/>
+          </a:fillRef>
+          <a:effectRef idx="0">
+            <a:schemeClr val="accent1"/>
+          </a:effectRef>
+          <a:fontRef idx="minor">
+            <a:schemeClr val="lt1"/>
+          </a:fontRef>
+        </p:style>
+        <p:txBody>
+          <a:bodyPr rtlCol="0" anchor="ctr"/>
+          <a:lstStyle/>
+          <a:p>
+            <a:pPr algn="ctr"/>
+            <a:r>
+              <a:rPr lang="ko-KR" altLang="en-US" sz="1000" dirty="0" smtClean="0">
+                <a:solidFill>
+                  <a:srgbClr val="FF0000"/>
+                </a:solidFill>
+              </a:rPr>
+              <a:t>게시물 작성 페이지 이동</a:t>
+            </a:r>
+            <a:endParaRPr lang="ko-KR" altLang="en-US" sz="1000" dirty="0">
+              <a:solidFill>
+                <a:srgbClr val="FF0000"/>
+              </a:solidFill>
+            </a:endParaRPr>
+          </a:p>
+        </p:txBody>
+      </p:sp>
     </p:spTree>
     <p:extLst>
       <p:ext uri="{BB962C8B-B14F-4D97-AF65-F5344CB8AC3E}">
-        <p14:creationId xmlns:p14="http://schemas.microsoft.com/office/powerpoint/2010/main" val="3062354647"/>
+        <p14:creationId xmlns:p14="http://schemas.microsoft.com/office/powerpoint/2010/main" val="1402079727"/>
       </p:ext>
     </p:extLst>
   </p:cSld>
@@ -10168,8 +11051,8 @@
         </p:nvSpPr>
         <p:spPr>
           <a:xfrm>
-            <a:off x="2470516" y="267771"/>
-            <a:ext cx="4224233" cy="369332"/>
+            <a:off x="3563888" y="267771"/>
+            <a:ext cx="2185214" cy="369332"/>
           </a:xfrm>
           <a:prstGeom prst="rect">
             <a:avLst/>
@@ -10190,67 +11073,7 @@
                 <a:latin typeface="HY태백B" pitchFamily="18" charset="-127"/>
                 <a:ea typeface="HY태백B" pitchFamily="18" charset="-127"/>
               </a:rPr>
-              <a:t>게시물 </a:t>
-            </a:r>
-            <a:r>
-              <a:rPr lang="ko-KR" altLang="en-US" dirty="0" smtClean="0">
-                <a:solidFill>
-                  <a:schemeClr val="bg1"/>
-                </a:solidFill>
-                <a:latin typeface="HY태백B" pitchFamily="18" charset="-127"/>
-                <a:ea typeface="HY태백B" pitchFamily="18" charset="-127"/>
-              </a:rPr>
-              <a:t>작</a:t>
-            </a:r>
-            <a:r>
-              <a:rPr lang="ko-KR" altLang="en-US" dirty="0">
-                <a:solidFill>
-                  <a:schemeClr val="bg1"/>
-                </a:solidFill>
-                <a:latin typeface="HY태백B" pitchFamily="18" charset="-127"/>
-                <a:ea typeface="HY태백B" pitchFamily="18" charset="-127"/>
-              </a:rPr>
-              <a:t>성</a:t>
-            </a:r>
-            <a:r>
-              <a:rPr lang="ko-KR" altLang="en-US" dirty="0" smtClean="0">
-                <a:solidFill>
-                  <a:schemeClr val="bg1"/>
-                </a:solidFill>
-                <a:latin typeface="HY태백B" pitchFamily="18" charset="-127"/>
-                <a:ea typeface="HY태백B" pitchFamily="18" charset="-127"/>
-              </a:rPr>
-              <a:t> </a:t>
-            </a:r>
-            <a:r>
-              <a:rPr lang="ko-KR" altLang="en-US" dirty="0" smtClean="0">
-                <a:solidFill>
-                  <a:schemeClr val="bg1"/>
-                </a:solidFill>
-                <a:latin typeface="HY태백B" pitchFamily="18" charset="-127"/>
-                <a:ea typeface="HY태백B" pitchFamily="18" charset="-127"/>
-              </a:rPr>
-              <a:t>페이지 </a:t>
-            </a:r>
-            <a:r>
-              <a:rPr lang="en-US" altLang="ko-KR" dirty="0" smtClean="0">
-                <a:solidFill>
-                  <a:schemeClr val="bg1"/>
-                </a:solidFill>
-                <a:latin typeface="HY태백B" pitchFamily="18" charset="-127"/>
-                <a:ea typeface="HY태백B" pitchFamily="18" charset="-127"/>
-              </a:rPr>
-              <a:t>– </a:t>
-            </a:r>
-            <a:r>
-              <a:rPr lang="ko-KR" altLang="en-US" dirty="0" smtClean="0">
-                <a:solidFill>
-                  <a:schemeClr val="bg1"/>
-                </a:solidFill>
-                <a:latin typeface="HY태백B" pitchFamily="18" charset="-127"/>
-                <a:ea typeface="HY태백B" pitchFamily="18" charset="-127"/>
-              </a:rPr>
-              <a:t>제목 유효성 검사</a:t>
+              <a:t>게시물 작성 페이지</a:t>
             </a:r>
             <a:endParaRPr lang="ko-KR" altLang="en-US" dirty="0">
               <a:solidFill>
@@ -10285,8 +11108,8 @@
         </p:blipFill>
         <p:spPr bwMode="auto">
           <a:xfrm>
-            <a:off x="176216" y="1124970"/>
-            <a:ext cx="5259880" cy="5562600"/>
+            <a:off x="1644171" y="1124744"/>
+            <a:ext cx="5876925" cy="5562600"/>
           </a:xfrm>
           <a:prstGeom prst="rect">
             <a:avLst/>
@@ -10326,150 +11149,10 @@
           </a:extLst>
         </p:spPr>
       </p:pic>
-      <p:pic>
-        <p:nvPicPr>
-          <p:cNvPr id="9" name="Picture 4"/>
-          <p:cNvPicPr>
-            <a:picLocks noChangeAspect="1" noChangeArrowheads="1"/>
-          </p:cNvPicPr>
-          <p:nvPr/>
-        </p:nvPicPr>
-        <p:blipFill>
-          <a:blip r:embed="rId4">
-            <a:extLst>
-              <a:ext uri="{28A0092B-C50C-407E-A947-70E740481C1C}">
-                <a14:useLocalDpi xmlns:a14="http://schemas.microsoft.com/office/drawing/2010/main" val="0"/>
-              </a:ext>
-            </a:extLst>
-          </a:blip>
-          <a:srcRect/>
-          <a:stretch>
-            <a:fillRect/>
-          </a:stretch>
-        </p:blipFill>
-        <p:spPr bwMode="auto">
-          <a:xfrm>
-            <a:off x="5940152" y="1385668"/>
-            <a:ext cx="3030928" cy="864096"/>
-          </a:xfrm>
-          <a:prstGeom prst="rect">
-            <a:avLst/>
-          </a:prstGeom>
-          <a:solidFill>
-            <a:schemeClr val="accent2"/>
-          </a:solidFill>
-          <a:ln w="9525">
-            <a:solidFill>
-              <a:schemeClr val="accent2"/>
-            </a:solidFill>
-            <a:miter lim="800000"/>
-            <a:headEnd/>
-            <a:tailEnd/>
-          </a:ln>
-          <a:effectLst/>
-          <a:extLst/>
-        </p:spPr>
-      </p:pic>
-      <p:cxnSp>
-        <p:nvCxnSpPr>
-          <p:cNvPr id="10" name="직선 연결선 9"/>
-          <p:cNvCxnSpPr>
-            <a:endCxn id="9" idx="1"/>
-          </p:cNvCxnSpPr>
-          <p:nvPr/>
-        </p:nvCxnSpPr>
-        <p:spPr>
-          <a:xfrm flipV="1">
-            <a:off x="4183056" y="1817716"/>
-            <a:ext cx="1757096" cy="216024"/>
-          </a:xfrm>
-          <a:prstGeom prst="line">
-            <a:avLst/>
-          </a:prstGeom>
-          <a:ln>
-            <a:solidFill>
-              <a:schemeClr val="accent2"/>
-            </a:solidFill>
-          </a:ln>
-        </p:spPr>
-        <p:style>
-          <a:lnRef idx="1">
-            <a:schemeClr val="accent1"/>
-          </a:lnRef>
-          <a:fillRef idx="0">
-            <a:schemeClr val="accent1"/>
-          </a:fillRef>
-          <a:effectRef idx="0">
-            <a:schemeClr val="accent1"/>
-          </a:effectRef>
-          <a:fontRef idx="minor">
-            <a:schemeClr val="tx1"/>
-          </a:fontRef>
-        </p:style>
-      </p:cxnSp>
-      <p:pic>
-        <p:nvPicPr>
-          <p:cNvPr id="8194" name="Picture 2"/>
-          <p:cNvPicPr>
-            <a:picLocks noChangeAspect="1" noChangeArrowheads="1"/>
-          </p:cNvPicPr>
-          <p:nvPr/>
-        </p:nvPicPr>
-        <p:blipFill>
-          <a:blip r:embed="rId5">
-            <a:extLst>
-              <a:ext uri="{28A0092B-C50C-407E-A947-70E740481C1C}">
-                <a14:useLocalDpi xmlns:a14="http://schemas.microsoft.com/office/drawing/2010/main" val="0"/>
-              </a:ext>
-            </a:extLst>
-          </a:blip>
-          <a:srcRect/>
-          <a:stretch>
-            <a:fillRect/>
-          </a:stretch>
-        </p:blipFill>
-        <p:spPr bwMode="auto">
-          <a:xfrm>
-            <a:off x="5481713" y="2348880"/>
-            <a:ext cx="3562350" cy="1304925"/>
-          </a:xfrm>
-          <a:prstGeom prst="rect">
-            <a:avLst/>
-          </a:prstGeom>
-          <a:noFill/>
-          <a:ln w="9525">
-            <a:solidFill>
-              <a:schemeClr val="accent2"/>
-            </a:solidFill>
-            <a:miter lim="800000"/>
-            <a:headEnd/>
-            <a:tailEnd/>
-          </a:ln>
-          <a:effectLst/>
-          <a:extLst>
-            <a:ext uri="{909E8E84-426E-40DD-AFC4-6F175D3DCCD1}">
-              <a14:hiddenFill xmlns:a14="http://schemas.microsoft.com/office/drawing/2010/main">
-                <a:solidFill>
-                  <a:schemeClr val="accent1"/>
-                </a:solidFill>
-              </a14:hiddenFill>
-            </a:ext>
-            <a:ext uri="{AF507438-7753-43E0-B8FC-AC1667EBCBE1}">
-              <a14:hiddenEffects xmlns:a14="http://schemas.microsoft.com/office/drawing/2010/main">
-                <a:effectLst>
-                  <a:outerShdw dist="35921" dir="2700000" algn="ctr" rotWithShape="0">
-                    <a:schemeClr val="bg2"/>
-                  </a:outerShdw>
-                </a:effectLst>
-              </a14:hiddenEffects>
-            </a:ext>
-          </a:extLst>
-        </p:spPr>
-      </p:pic>
     </p:spTree>
     <p:extLst>
       <p:ext uri="{BB962C8B-B14F-4D97-AF65-F5344CB8AC3E}">
-        <p14:creationId xmlns:p14="http://schemas.microsoft.com/office/powerpoint/2010/main" val="2330609263"/>
+        <p14:creationId xmlns:p14="http://schemas.microsoft.com/office/powerpoint/2010/main" val="3062354647"/>
       </p:ext>
     </p:extLst>
   </p:cSld>
@@ -10505,7 +11188,7 @@
       </p:grpSpPr>
       <p:pic>
         <p:nvPicPr>
-          <p:cNvPr id="1027" name="Picture 3"/>
+          <p:cNvPr id="1028" name="Picture 4" descr="C:\박상아\zum header.PNG"/>
           <p:cNvPicPr>
             <a:picLocks noChangeAspect="1" noChangeArrowheads="1"/>
           </p:cNvPicPr>
@@ -10526,50 +11209,109 @@
         </p:blipFill>
         <p:spPr bwMode="auto">
           <a:xfrm>
-            <a:off x="107505" y="1138401"/>
-            <a:ext cx="5256584" cy="5476875"/>
-          </a:xfrm>
-          <a:prstGeom prst="rect">
-            <a:avLst/>
-          </a:prstGeom>
-          <a:noFill/>
-          <a:ln>
-            <a:noFill/>
-          </a:ln>
-          <a:effectLst/>
+            <a:off x="-2008" y="0"/>
+            <a:ext cx="9144000" cy="904875"/>
+          </a:xfrm>
+          <a:prstGeom prst="rect">
+            <a:avLst/>
+          </a:prstGeom>
+          <a:noFill/>
           <a:extLst>
             <a:ext uri="{909E8E84-426E-40DD-AFC4-6F175D3DCCD1}">
               <a14:hiddenFill xmlns:a14="http://schemas.microsoft.com/office/drawing/2010/main">
                 <a:solidFill>
-                  <a:schemeClr val="accent1"/>
+                  <a:srgbClr val="FFFFFF"/>
                 </a:solidFill>
               </a14:hiddenFill>
             </a:ext>
-            <a:ext uri="{91240B29-F687-4F45-9708-019B960494DF}">
-              <a14:hiddenLine xmlns:a14="http://schemas.microsoft.com/office/drawing/2010/main" w="9525">
-                <a:solidFill>
-                  <a:schemeClr val="tx1"/>
-                </a:solidFill>
-                <a:miter lim="800000"/>
-                <a:headEnd/>
-                <a:tailEnd/>
-              </a14:hiddenLine>
-            </a:ext>
-            <a:ext uri="{AF507438-7753-43E0-B8FC-AC1667EBCBE1}">
-              <a14:hiddenEffects xmlns:a14="http://schemas.microsoft.com/office/drawing/2010/main">
-                <a:effectLst>
-                  <a:outerShdw dist="35921" dir="2700000" algn="ctr" rotWithShape="0">
-                    <a:schemeClr val="bg2"/>
-                  </a:outerShdw>
-                </a:effectLst>
-              </a14:hiddenEffects>
-            </a:ext>
           </a:extLst>
         </p:spPr>
       </p:pic>
+      <p:sp>
+        <p:nvSpPr>
+          <p:cNvPr id="5" name="TextBox 4"/>
+          <p:cNvSpPr txBox="1"/>
+          <p:nvPr/>
+        </p:nvSpPr>
+        <p:spPr>
+          <a:xfrm>
+            <a:off x="2470516" y="267771"/>
+            <a:ext cx="4224233" cy="369332"/>
+          </a:xfrm>
+          <a:prstGeom prst="rect">
+            <a:avLst/>
+          </a:prstGeom>
+          <a:noFill/>
+        </p:spPr>
+        <p:txBody>
+          <a:bodyPr wrap="none" rtlCol="0">
+            <a:spAutoFit/>
+          </a:bodyPr>
+          <a:lstStyle/>
+          <a:p>
+            <a:r>
+              <a:rPr lang="ko-KR" altLang="en-US" dirty="0" smtClean="0">
+                <a:solidFill>
+                  <a:schemeClr val="bg1"/>
+                </a:solidFill>
+                <a:latin typeface="HY태백B" pitchFamily="18" charset="-127"/>
+                <a:ea typeface="HY태백B" pitchFamily="18" charset="-127"/>
+              </a:rPr>
+              <a:t>게시물 작</a:t>
+            </a:r>
+            <a:r>
+              <a:rPr lang="ko-KR" altLang="en-US" dirty="0">
+                <a:solidFill>
+                  <a:schemeClr val="bg1"/>
+                </a:solidFill>
+                <a:latin typeface="HY태백B" pitchFamily="18" charset="-127"/>
+                <a:ea typeface="HY태백B" pitchFamily="18" charset="-127"/>
+              </a:rPr>
+              <a:t>성</a:t>
+            </a:r>
+            <a:r>
+              <a:rPr lang="ko-KR" altLang="en-US" dirty="0" smtClean="0">
+                <a:solidFill>
+                  <a:schemeClr val="bg1"/>
+                </a:solidFill>
+                <a:latin typeface="HY태백B" pitchFamily="18" charset="-127"/>
+                <a:ea typeface="HY태백B" pitchFamily="18" charset="-127"/>
+              </a:rPr>
+              <a:t> 페이지 </a:t>
+            </a:r>
+            <a:r>
+              <a:rPr lang="en-US" altLang="ko-KR" dirty="0" smtClean="0">
+                <a:solidFill>
+                  <a:schemeClr val="bg1"/>
+                </a:solidFill>
+                <a:latin typeface="HY태백B" pitchFamily="18" charset="-127"/>
+                <a:ea typeface="HY태백B" pitchFamily="18" charset="-127"/>
+              </a:rPr>
+              <a:t>– </a:t>
+            </a:r>
+            <a:r>
+              <a:rPr lang="ko-KR" altLang="en-US" dirty="0" smtClean="0">
+                <a:solidFill>
+                  <a:schemeClr val="bg1"/>
+                </a:solidFill>
+                <a:latin typeface="HY태백B" pitchFamily="18" charset="-127"/>
+                <a:ea typeface="HY태백B" pitchFamily="18" charset="-127"/>
+              </a:rPr>
+              <a:t>제목 유효성 검사</a:t>
+            </a:r>
+            <a:endParaRPr lang="ko-KR" altLang="en-US" dirty="0">
+              <a:solidFill>
+                <a:schemeClr val="bg1"/>
+              </a:solidFill>
+              <a:latin typeface="HY태백B" pitchFamily="18" charset="-127"/>
+              <a:ea typeface="HY태백B" pitchFamily="18" charset="-127"/>
+            </a:endParaRPr>
+          </a:p>
+        </p:txBody>
+      </p:sp>
       <p:pic>
         <p:nvPicPr>
-          <p:cNvPr id="1028" name="Picture 4" descr="C:\박상아\zum header.PNG"/>
+          <p:cNvPr id="7" name="Picture 3"/>
           <p:cNvPicPr>
             <a:picLocks noChangeAspect="1" noChangeArrowheads="1"/>
           </p:cNvPicPr>
@@ -10590,116 +11332,103 @@
         </p:blipFill>
         <p:spPr bwMode="auto">
           <a:xfrm>
-            <a:off x="-2008" y="0"/>
-            <a:ext cx="9144000" cy="904875"/>
-          </a:xfrm>
-          <a:prstGeom prst="rect">
-            <a:avLst/>
-          </a:prstGeom>
-          <a:noFill/>
+            <a:off x="176216" y="1124970"/>
+            <a:ext cx="5259880" cy="5562600"/>
+          </a:xfrm>
+          <a:prstGeom prst="rect">
+            <a:avLst/>
+          </a:prstGeom>
+          <a:noFill/>
+          <a:ln>
+            <a:noFill/>
+          </a:ln>
+          <a:effectLst/>
           <a:extLst>
             <a:ext uri="{909E8E84-426E-40DD-AFC4-6F175D3DCCD1}">
               <a14:hiddenFill xmlns:a14="http://schemas.microsoft.com/office/drawing/2010/main">
                 <a:solidFill>
-                  <a:srgbClr val="FFFFFF"/>
+                  <a:schemeClr val="accent1"/>
                 </a:solidFill>
               </a14:hiddenFill>
             </a:ext>
+            <a:ext uri="{91240B29-F687-4F45-9708-019B960494DF}">
+              <a14:hiddenLine xmlns:a14="http://schemas.microsoft.com/office/drawing/2010/main" w="9525">
+                <a:solidFill>
+                  <a:schemeClr val="tx1"/>
+                </a:solidFill>
+                <a:miter lim="800000"/>
+                <a:headEnd/>
+                <a:tailEnd/>
+              </a14:hiddenLine>
+            </a:ext>
+            <a:ext uri="{AF507438-7753-43E0-B8FC-AC1667EBCBE1}">
+              <a14:hiddenEffects xmlns:a14="http://schemas.microsoft.com/office/drawing/2010/main">
+                <a:effectLst>
+                  <a:outerShdw dist="35921" dir="2700000" algn="ctr" rotWithShape="0">
+                    <a:schemeClr val="bg2"/>
+                  </a:outerShdw>
+                </a:effectLst>
+              </a14:hiddenEffects>
+            </a:ext>
           </a:extLst>
         </p:spPr>
       </p:pic>
-      <p:sp>
-        <p:nvSpPr>
-          <p:cNvPr id="5" name="TextBox 4"/>
-          <p:cNvSpPr txBox="1"/>
-          <p:nvPr/>
-        </p:nvSpPr>
-        <p:spPr>
-          <a:xfrm>
-            <a:off x="2470516" y="267771"/>
-            <a:ext cx="4224233" cy="369332"/>
-          </a:xfrm>
-          <a:prstGeom prst="rect">
-            <a:avLst/>
-          </a:prstGeom>
-          <a:noFill/>
-        </p:spPr>
-        <p:txBody>
-          <a:bodyPr wrap="none" rtlCol="0">
-            <a:spAutoFit/>
-          </a:bodyPr>
-          <a:lstStyle/>
-          <a:p>
-            <a:r>
-              <a:rPr lang="ko-KR" altLang="en-US" dirty="0" smtClean="0">
-                <a:solidFill>
-                  <a:schemeClr val="bg1"/>
-                </a:solidFill>
-                <a:latin typeface="HY태백B" pitchFamily="18" charset="-127"/>
-                <a:ea typeface="HY태백B" pitchFamily="18" charset="-127"/>
-              </a:rPr>
-              <a:t>게시물 </a:t>
-            </a:r>
-            <a:r>
-              <a:rPr lang="ko-KR" altLang="en-US" dirty="0" smtClean="0">
-                <a:solidFill>
-                  <a:schemeClr val="bg1"/>
-                </a:solidFill>
-                <a:latin typeface="HY태백B" pitchFamily="18" charset="-127"/>
-                <a:ea typeface="HY태백B" pitchFamily="18" charset="-127"/>
-              </a:rPr>
-              <a:t>작성 </a:t>
-            </a:r>
-            <a:r>
-              <a:rPr lang="ko-KR" altLang="en-US" dirty="0" smtClean="0">
-                <a:solidFill>
-                  <a:schemeClr val="bg1"/>
-                </a:solidFill>
-                <a:latin typeface="HY태백B" pitchFamily="18" charset="-127"/>
-                <a:ea typeface="HY태백B" pitchFamily="18" charset="-127"/>
-              </a:rPr>
-              <a:t>페이지 </a:t>
-            </a:r>
-            <a:r>
-              <a:rPr lang="en-US" altLang="ko-KR" dirty="0" smtClean="0">
-                <a:solidFill>
-                  <a:schemeClr val="bg1"/>
-                </a:solidFill>
-                <a:latin typeface="HY태백B" pitchFamily="18" charset="-127"/>
-                <a:ea typeface="HY태백B" pitchFamily="18" charset="-127"/>
-              </a:rPr>
-              <a:t>– </a:t>
-            </a:r>
-            <a:r>
-              <a:rPr lang="ko-KR" altLang="en-US" dirty="0" smtClean="0">
-                <a:solidFill>
-                  <a:schemeClr val="bg1"/>
-                </a:solidFill>
-                <a:latin typeface="HY태백B" pitchFamily="18" charset="-127"/>
-                <a:ea typeface="HY태백B" pitchFamily="18" charset="-127"/>
-              </a:rPr>
-              <a:t>제목 유효성 검사</a:t>
-            </a:r>
-            <a:endParaRPr lang="ko-KR" altLang="en-US" dirty="0">
-              <a:solidFill>
-                <a:schemeClr val="bg1"/>
-              </a:solidFill>
-              <a:latin typeface="HY태백B" pitchFamily="18" charset="-127"/>
-              <a:ea typeface="HY태백B" pitchFamily="18" charset="-127"/>
-            </a:endParaRPr>
-          </a:p>
-        </p:txBody>
-      </p:sp>
+      <p:pic>
+        <p:nvPicPr>
+          <p:cNvPr id="9" name="Picture 4"/>
+          <p:cNvPicPr>
+            <a:picLocks noChangeAspect="1" noChangeArrowheads="1"/>
+          </p:cNvPicPr>
+          <p:nvPr/>
+        </p:nvPicPr>
+        <p:blipFill>
+          <a:blip r:embed="rId4">
+            <a:extLst>
+              <a:ext uri="{28A0092B-C50C-407E-A947-70E740481C1C}">
+                <a14:useLocalDpi xmlns:a14="http://schemas.microsoft.com/office/drawing/2010/main" val="0"/>
+              </a:ext>
+            </a:extLst>
+          </a:blip>
+          <a:srcRect/>
+          <a:stretch>
+            <a:fillRect/>
+          </a:stretch>
+        </p:blipFill>
+        <p:spPr bwMode="auto">
+          <a:xfrm>
+            <a:off x="5940152" y="1385668"/>
+            <a:ext cx="3030928" cy="864096"/>
+          </a:xfrm>
+          <a:prstGeom prst="rect">
+            <a:avLst/>
+          </a:prstGeom>
+          <a:solidFill>
+            <a:schemeClr val="accent2"/>
+          </a:solidFill>
+          <a:ln w="9525">
+            <a:solidFill>
+              <a:schemeClr val="accent2"/>
+            </a:solidFill>
+            <a:miter lim="800000"/>
+            <a:headEnd/>
+            <a:tailEnd/>
+          </a:ln>
+          <a:effectLst/>
+          <a:extLst/>
+        </p:spPr>
+      </p:pic>
       <p:cxnSp>
         <p:nvCxnSpPr>
           <p:cNvPr id="10" name="직선 연결선 9"/>
-          <p:cNvCxnSpPr/>
+          <p:cNvCxnSpPr>
+            <a:endCxn id="9" idx="1"/>
+          </p:cNvCxnSpPr>
           <p:nvPr/>
         </p:nvCxnSpPr>
         <p:spPr>
           <a:xfrm flipV="1">
-            <a:off x="4283968" y="1772816"/>
-            <a:ext cx="1662361" cy="576064"/>
+            <a:off x="4183056" y="1817716"/>
+            <a:ext cx="1757096" cy="216024"/>
           </a:xfrm>
           <a:prstGeom prst="line">
             <a:avLst/>
@@ -10727,66 +11456,7 @@
       </p:cxnSp>
       <p:pic>
         <p:nvPicPr>
-          <p:cNvPr id="11" name="Picture 5"/>
-          <p:cNvPicPr>
-            <a:picLocks noChangeAspect="1" noChangeArrowheads="1"/>
-          </p:cNvPicPr>
-          <p:nvPr/>
-        </p:nvPicPr>
-        <p:blipFill>
-          <a:blip r:embed="rId4">
-            <a:extLst>
-              <a:ext uri="{28A0092B-C50C-407E-A947-70E740481C1C}">
-                <a14:useLocalDpi xmlns:a14="http://schemas.microsoft.com/office/drawing/2010/main" val="0"/>
-              </a:ext>
-            </a:extLst>
-          </a:blip>
-          <a:srcRect/>
-          <a:stretch>
-            <a:fillRect/>
-          </a:stretch>
-        </p:blipFill>
-        <p:spPr bwMode="auto">
-          <a:xfrm>
-            <a:off x="5981474" y="1340768"/>
-            <a:ext cx="3034680" cy="864096"/>
-          </a:xfrm>
-          <a:prstGeom prst="rect">
-            <a:avLst/>
-          </a:prstGeom>
-          <a:noFill/>
-          <a:ln w="9525">
-            <a:solidFill>
-              <a:schemeClr val="accent2"/>
-            </a:solidFill>
-            <a:miter lim="800000"/>
-            <a:headEnd/>
-            <a:tailEnd/>
-          </a:ln>
-          <a:effectLst/>
-          <a:extLst>
-            <a:ext uri="{909E8E84-426E-40DD-AFC4-6F175D3DCCD1}">
-              <a14:hiddenFill xmlns:a14="http://schemas.microsoft.com/office/drawing/2010/main">
-                <a:solidFill>
-                  <a:schemeClr val="accent1"/>
-                </a:solidFill>
-              </a14:hiddenFill>
-            </a:ext>
-            <a:ext uri="{AF507438-7753-43E0-B8FC-AC1667EBCBE1}">
-              <a14:hiddenEffects xmlns:a14="http://schemas.microsoft.com/office/drawing/2010/main">
-                <a:effectLst>
-                  <a:outerShdw dist="35921" dir="2700000" algn="ctr" rotWithShape="0">
-                    <a:schemeClr val="bg2"/>
-                  </a:outerShdw>
-                </a:effectLst>
-              </a14:hiddenEffects>
-            </a:ext>
-          </a:extLst>
-        </p:spPr>
-      </p:pic>
-      <p:pic>
-        <p:nvPicPr>
-          <p:cNvPr id="9218" name="Picture 2"/>
+          <p:cNvPr id="8194" name="Picture 2"/>
           <p:cNvPicPr>
             <a:picLocks noChangeAspect="1" noChangeArrowheads="1"/>
           </p:cNvPicPr>
@@ -10807,8 +11477,8 @@
         </p:blipFill>
         <p:spPr bwMode="auto">
           <a:xfrm>
-            <a:off x="5539529" y="2576310"/>
-            <a:ext cx="3476625" cy="1295400"/>
+            <a:off x="5481713" y="2348880"/>
+            <a:ext cx="3562350" cy="1304925"/>
           </a:xfrm>
           <a:prstGeom prst="rect">
             <a:avLst/>
@@ -10846,7 +11516,7 @@
     </p:spTree>
     <p:extLst>
       <p:ext uri="{BB962C8B-B14F-4D97-AF65-F5344CB8AC3E}">
-        <p14:creationId xmlns:p14="http://schemas.microsoft.com/office/powerpoint/2010/main" val="1517101843"/>
+        <p14:creationId xmlns:p14="http://schemas.microsoft.com/office/powerpoint/2010/main" val="2330609263"/>
       </p:ext>
     </p:extLst>
   </p:cSld>
@@ -10882,7 +11552,7 @@
       </p:grpSpPr>
       <p:pic>
         <p:nvPicPr>
-          <p:cNvPr id="2050" name="Picture 2"/>
+          <p:cNvPr id="1027" name="Picture 3"/>
           <p:cNvPicPr>
             <a:picLocks noChangeAspect="1" noChangeArrowheads="1"/>
           </p:cNvPicPr>
@@ -10903,8 +11573,8 @@
         </p:blipFill>
         <p:spPr bwMode="auto">
           <a:xfrm>
-            <a:off x="1566863" y="1142491"/>
-            <a:ext cx="6010275" cy="5476875"/>
+            <a:off x="107505" y="1138401"/>
+            <a:ext cx="5256584" cy="5476875"/>
           </a:xfrm>
           <a:prstGeom prst="rect">
             <a:avLst/>
@@ -11015,27 +11685,7 @@
                 <a:latin typeface="HY태백B" pitchFamily="18" charset="-127"/>
                 <a:ea typeface="HY태백B" pitchFamily="18" charset="-127"/>
               </a:rPr>
-              <a:t>게시물 </a:t>
-            </a:r>
-            <a:r>
-              <a:rPr lang="ko-KR" altLang="en-US" dirty="0" smtClean="0">
-                <a:solidFill>
-                  <a:schemeClr val="bg1"/>
-                </a:solidFill>
-                <a:latin typeface="HY태백B" pitchFamily="18" charset="-127"/>
-                <a:ea typeface="HY태백B" pitchFamily="18" charset="-127"/>
-              </a:rPr>
-              <a:t>작성 </a:t>
-            </a:r>
-            <a:r>
-              <a:rPr lang="ko-KR" altLang="en-US" dirty="0" smtClean="0">
-                <a:solidFill>
-                  <a:schemeClr val="bg1"/>
-                </a:solidFill>
-                <a:latin typeface="HY태백B" pitchFamily="18" charset="-127"/>
-                <a:ea typeface="HY태백B" pitchFamily="18" charset="-127"/>
-              </a:rPr>
-              <a:t>페이지 </a:t>
+              <a:t>게시물 작성 페이지 </a:t>
             </a:r>
             <a:r>
               <a:rPr lang="en-US" altLang="ko-KR" dirty="0" smtClean="0">
@@ -11074,9 +11724,9 @@
           <p:nvPr/>
         </p:nvCxnSpPr>
         <p:spPr>
-          <a:xfrm>
-            <a:off x="4499992" y="4040216"/>
-            <a:ext cx="1082128" cy="659550"/>
+          <a:xfrm flipV="1">
+            <a:off x="4283968" y="1772816"/>
+            <a:ext cx="1662361" cy="576064"/>
           </a:xfrm>
           <a:prstGeom prst="line">
             <a:avLst/>
@@ -11104,7 +11754,7 @@
       </p:cxnSp>
       <p:pic>
         <p:nvPicPr>
-          <p:cNvPr id="8" name="Picture 6"/>
+          <p:cNvPr id="11" name="Picture 5"/>
           <p:cNvPicPr>
             <a:picLocks noChangeAspect="1" noChangeArrowheads="1"/>
           </p:cNvPicPr>
@@ -11125,8 +11775,8 @@
         </p:blipFill>
         <p:spPr bwMode="auto">
           <a:xfrm>
-            <a:off x="5582120" y="4369991"/>
-            <a:ext cx="3030928" cy="864096"/>
+            <a:off x="5981474" y="1340768"/>
+            <a:ext cx="3034680" cy="864096"/>
           </a:xfrm>
           <a:prstGeom prst="rect">
             <a:avLst/>
@@ -11163,7 +11813,7 @@
       </p:pic>
       <p:pic>
         <p:nvPicPr>
-          <p:cNvPr id="10242" name="Picture 2"/>
+          <p:cNvPr id="9218" name="Picture 2"/>
           <p:cNvPicPr>
             <a:picLocks noChangeAspect="1" noChangeArrowheads="1"/>
           </p:cNvPicPr>
@@ -11184,8 +11834,8 @@
         </p:blipFill>
         <p:spPr bwMode="auto">
           <a:xfrm>
-            <a:off x="5508104" y="2781300"/>
-            <a:ext cx="3314700" cy="1295400"/>
+            <a:off x="5539529" y="2576310"/>
+            <a:ext cx="3476625" cy="1295400"/>
           </a:xfrm>
           <a:prstGeom prst="rect">
             <a:avLst/>
@@ -11223,7 +11873,7 @@
     </p:spTree>
     <p:extLst>
       <p:ext uri="{BB962C8B-B14F-4D97-AF65-F5344CB8AC3E}">
-        <p14:creationId xmlns:p14="http://schemas.microsoft.com/office/powerpoint/2010/main" val="3884194950"/>
+        <p14:creationId xmlns:p14="http://schemas.microsoft.com/office/powerpoint/2010/main" val="1517101843"/>
       </p:ext>
     </p:extLst>
   </p:cSld>
@@ -11259,7 +11909,7 @@
       </p:grpSpPr>
       <p:pic>
         <p:nvPicPr>
-          <p:cNvPr id="3074" name="Picture 2"/>
+          <p:cNvPr id="2050" name="Picture 2"/>
           <p:cNvPicPr>
             <a:picLocks noChangeAspect="1" noChangeArrowheads="1"/>
           </p:cNvPicPr>
@@ -11280,8 +11930,8 @@
         </p:blipFill>
         <p:spPr bwMode="auto">
           <a:xfrm>
-            <a:off x="107504" y="1060410"/>
-            <a:ext cx="5038003" cy="5543550"/>
+            <a:off x="1566863" y="1142491"/>
+            <a:ext cx="6010275" cy="5476875"/>
           </a:xfrm>
           <a:prstGeom prst="rect">
             <a:avLst/>
@@ -11392,27 +12042,7 @@
                 <a:latin typeface="HY태백B" pitchFamily="18" charset="-127"/>
                 <a:ea typeface="HY태백B" pitchFamily="18" charset="-127"/>
               </a:rPr>
-              <a:t>게시물 </a:t>
-            </a:r>
-            <a:r>
-              <a:rPr lang="ko-KR" altLang="en-US" dirty="0" smtClean="0">
-                <a:solidFill>
-                  <a:schemeClr val="bg1"/>
-                </a:solidFill>
-                <a:latin typeface="HY태백B" pitchFamily="18" charset="-127"/>
-                <a:ea typeface="HY태백B" pitchFamily="18" charset="-127"/>
-              </a:rPr>
-              <a:t>작성 </a:t>
-            </a:r>
-            <a:r>
-              <a:rPr lang="ko-KR" altLang="en-US" dirty="0" smtClean="0">
-                <a:solidFill>
-                  <a:schemeClr val="bg1"/>
-                </a:solidFill>
-                <a:latin typeface="HY태백B" pitchFamily="18" charset="-127"/>
-                <a:ea typeface="HY태백B" pitchFamily="18" charset="-127"/>
-              </a:rPr>
-              <a:t>페이지 </a:t>
+              <a:t>게시물 작성 페이지 </a:t>
             </a:r>
             <a:r>
               <a:rPr lang="en-US" altLang="ko-KR" dirty="0" smtClean="0">
@@ -11451,9 +12081,9 @@
           <p:nvPr/>
         </p:nvCxnSpPr>
         <p:spPr>
-          <a:xfrm flipV="1">
-            <a:off x="1835696" y="4797152"/>
-            <a:ext cx="3456384" cy="1224136"/>
+          <a:xfrm>
+            <a:off x="4499992" y="4040216"/>
+            <a:ext cx="1082128" cy="659550"/>
           </a:xfrm>
           <a:prstGeom prst="line">
             <a:avLst/>
@@ -11481,7 +12111,7 @@
       </p:cxnSp>
       <p:pic>
         <p:nvPicPr>
-          <p:cNvPr id="11" name="Picture 7"/>
+          <p:cNvPr id="8" name="Picture 6"/>
           <p:cNvPicPr>
             <a:picLocks noChangeAspect="1" noChangeArrowheads="1"/>
           </p:cNvPicPr>
@@ -11502,8 +12132,8 @@
         </p:blipFill>
         <p:spPr bwMode="auto">
           <a:xfrm>
-            <a:off x="5292080" y="4221088"/>
-            <a:ext cx="3030928" cy="869403"/>
+            <a:off x="5582120" y="4369991"/>
+            <a:ext cx="3030928" cy="864096"/>
           </a:xfrm>
           <a:prstGeom prst="rect">
             <a:avLst/>
@@ -11540,7 +12170,7 @@
       </p:pic>
       <p:pic>
         <p:nvPicPr>
-          <p:cNvPr id="11266" name="Picture 2"/>
+          <p:cNvPr id="10242" name="Picture 2"/>
           <p:cNvPicPr>
             <a:picLocks noChangeAspect="1" noChangeArrowheads="1"/>
           </p:cNvPicPr>
@@ -11561,8 +12191,8 @@
         </p:blipFill>
         <p:spPr bwMode="auto">
           <a:xfrm>
-            <a:off x="5292080" y="2524209"/>
-            <a:ext cx="3667125" cy="1295400"/>
+            <a:off x="5508104" y="2781300"/>
+            <a:ext cx="3314700" cy="1295400"/>
           </a:xfrm>
           <a:prstGeom prst="rect">
             <a:avLst/>
@@ -11600,7 +12230,7 @@
     </p:spTree>
     <p:extLst>
       <p:ext uri="{BB962C8B-B14F-4D97-AF65-F5344CB8AC3E}">
-        <p14:creationId xmlns:p14="http://schemas.microsoft.com/office/powerpoint/2010/main" val="1202287490"/>
+        <p14:creationId xmlns:p14="http://schemas.microsoft.com/office/powerpoint/2010/main" val="3884194950"/>
       </p:ext>
     </p:extLst>
   </p:cSld>
@@ -11675,9 +12305,51 @@
           </a:extLst>
         </p:spPr>
       </p:pic>
+      <p:sp>
+        <p:nvSpPr>
+          <p:cNvPr id="5" name="TextBox 4"/>
+          <p:cNvSpPr txBox="1"/>
+          <p:nvPr/>
+        </p:nvSpPr>
+        <p:spPr>
+          <a:xfrm>
+            <a:off x="3851920" y="267771"/>
+            <a:ext cx="1646605" cy="369332"/>
+          </a:xfrm>
+          <a:prstGeom prst="rect">
+            <a:avLst/>
+          </a:prstGeom>
+          <a:noFill/>
+        </p:spPr>
+        <p:txBody>
+          <a:bodyPr wrap="none" rtlCol="0">
+            <a:spAutoFit/>
+          </a:bodyPr>
+          <a:lstStyle/>
+          <a:p>
+            <a:r>
+              <a:rPr lang="ko-KR" altLang="en-US" dirty="0" smtClean="0">
+                <a:solidFill>
+                  <a:schemeClr val="bg1"/>
+                </a:solidFill>
+                <a:latin typeface="HY태백B" pitchFamily="18" charset="-127"/>
+                <a:ea typeface="HY태백B" pitchFamily="18" charset="-127"/>
+              </a:rPr>
+              <a:t>로그인 페이지</a:t>
+            </a:r>
+            <a:endParaRPr lang="ko-KR" altLang="en-US" dirty="0">
+              <a:solidFill>
+                <a:schemeClr val="bg1"/>
+              </a:solidFill>
+              <a:latin typeface="HY태백B" pitchFamily="18" charset="-127"/>
+              <a:ea typeface="HY태백B" pitchFamily="18" charset="-127"/>
+            </a:endParaRPr>
+          </a:p>
+        </p:txBody>
+      </p:sp>
       <p:pic>
         <p:nvPicPr>
-          <p:cNvPr id="1027" name="Picture 3"/>
+          <p:cNvPr id="1030" name="Picture 6"/>
           <p:cNvPicPr>
             <a:picLocks noChangeAspect="1" noChangeArrowheads="1"/>
           </p:cNvPicPr>
@@ -11698,66 +12370,7 @@
         </p:blipFill>
         <p:spPr bwMode="auto">
           <a:xfrm>
-            <a:off x="5172025" y="1008909"/>
-            <a:ext cx="2448272" cy="718241"/>
-          </a:xfrm>
-          <a:prstGeom prst="rect">
-            <a:avLst/>
-          </a:prstGeom>
-          <a:noFill/>
-          <a:ln w="9525">
-            <a:solidFill>
-              <a:schemeClr val="accent2"/>
-            </a:solidFill>
-            <a:miter lim="800000"/>
-            <a:headEnd/>
-            <a:tailEnd/>
-          </a:ln>
-          <a:effectLst/>
-          <a:extLst>
-            <a:ext uri="{909E8E84-426E-40DD-AFC4-6F175D3DCCD1}">
-              <a14:hiddenFill xmlns:a14="http://schemas.microsoft.com/office/drawing/2010/main">
-                <a:solidFill>
-                  <a:schemeClr val="accent1"/>
-                </a:solidFill>
-              </a14:hiddenFill>
-            </a:ext>
-            <a:ext uri="{AF507438-7753-43E0-B8FC-AC1667EBCBE1}">
-              <a14:hiddenEffects xmlns:a14="http://schemas.microsoft.com/office/drawing/2010/main">
-                <a:effectLst>
-                  <a:outerShdw dist="35921" dir="2700000" algn="ctr" rotWithShape="0">
-                    <a:schemeClr val="bg2"/>
-                  </a:outerShdw>
-                </a:effectLst>
-              </a14:hiddenEffects>
-            </a:ext>
-          </a:extLst>
-        </p:spPr>
-      </p:pic>
-      <p:pic>
-        <p:nvPicPr>
-          <p:cNvPr id="1030" name="Picture 6"/>
-          <p:cNvPicPr>
-            <a:picLocks noChangeAspect="1" noChangeArrowheads="1"/>
-          </p:cNvPicPr>
-          <p:nvPr/>
-        </p:nvPicPr>
-        <p:blipFill>
-          <a:blip r:embed="rId4">
-            <a:extLst>
-              <a:ext uri="{28A0092B-C50C-407E-A947-70E740481C1C}">
-                <a14:useLocalDpi xmlns:a14="http://schemas.microsoft.com/office/drawing/2010/main" val="0"/>
-              </a:ext>
-            </a:extLst>
-          </a:blip>
-          <a:srcRect/>
-          <a:stretch>
-            <a:fillRect/>
-          </a:stretch>
-        </p:blipFill>
-        <p:spPr bwMode="auto">
-          <a:xfrm>
-            <a:off x="1095776" y="1263155"/>
+            <a:off x="2741797" y="1239986"/>
             <a:ext cx="3486387" cy="4680000"/>
           </a:xfrm>
           <a:prstGeom prst="rect">
@@ -11795,171 +12408,10 @@
           </a:extLst>
         </p:spPr>
       </p:pic>
-      <p:cxnSp>
-        <p:nvCxnSpPr>
-          <p:cNvPr id="3" name="직선 연결선 2"/>
-          <p:cNvCxnSpPr/>
-          <p:nvPr/>
-        </p:nvCxnSpPr>
-        <p:spPr>
-          <a:xfrm flipV="1">
-            <a:off x="3976096" y="1727150"/>
-            <a:ext cx="1656184" cy="621732"/>
-          </a:xfrm>
-          <a:prstGeom prst="line">
-            <a:avLst/>
-          </a:prstGeom>
-          <a:ln>
-            <a:solidFill>
-              <a:schemeClr val="accent2"/>
-            </a:solidFill>
-          </a:ln>
-        </p:spPr>
-        <p:style>
-          <a:lnRef idx="1">
-            <a:schemeClr val="accent1"/>
-          </a:lnRef>
-          <a:fillRef idx="0">
-            <a:schemeClr val="accent1"/>
-          </a:fillRef>
-          <a:effectRef idx="0">
-            <a:schemeClr val="accent1"/>
-          </a:effectRef>
-          <a:fontRef idx="minor">
-            <a:schemeClr val="tx1"/>
-          </a:fontRef>
-        </p:style>
-      </p:cxnSp>
-      <p:sp>
-        <p:nvSpPr>
-          <p:cNvPr id="8" name="TextBox 7"/>
-          <p:cNvSpPr txBox="1"/>
-          <p:nvPr/>
-        </p:nvSpPr>
-        <p:spPr>
-          <a:xfrm>
-            <a:off x="2526761" y="267771"/>
-            <a:ext cx="3916457" cy="369332"/>
-          </a:xfrm>
-          <a:prstGeom prst="rect">
-            <a:avLst/>
-          </a:prstGeom>
-          <a:noFill/>
-        </p:spPr>
-        <p:txBody>
-          <a:bodyPr wrap="none" rtlCol="0">
-            <a:spAutoFit/>
-          </a:bodyPr>
-          <a:lstStyle/>
-          <a:p>
-            <a:r>
-              <a:rPr lang="ko-KR" altLang="en-US" dirty="0" smtClean="0">
-                <a:solidFill>
-                  <a:schemeClr val="bg1"/>
-                </a:solidFill>
-                <a:latin typeface="HY태백B" pitchFamily="18" charset="-127"/>
-                <a:ea typeface="HY태백B" pitchFamily="18" charset="-127"/>
-              </a:rPr>
-              <a:t>로그인 페이지 </a:t>
-            </a:r>
-            <a:r>
-              <a:rPr lang="en-US" altLang="ko-KR" dirty="0" smtClean="0">
-                <a:solidFill>
-                  <a:schemeClr val="bg1"/>
-                </a:solidFill>
-                <a:latin typeface="HY태백B" pitchFamily="18" charset="-127"/>
-                <a:ea typeface="HY태백B" pitchFamily="18" charset="-127"/>
-              </a:rPr>
-              <a:t>– </a:t>
-            </a:r>
-            <a:r>
-              <a:rPr lang="ko-KR" altLang="en-US" dirty="0" smtClean="0">
-                <a:solidFill>
-                  <a:schemeClr val="bg1"/>
-                </a:solidFill>
-                <a:latin typeface="HY태백B" pitchFamily="18" charset="-127"/>
-                <a:ea typeface="HY태백B" pitchFamily="18" charset="-127"/>
-              </a:rPr>
-              <a:t>아이디 유효성 검사</a:t>
-            </a:r>
-            <a:endParaRPr lang="ko-KR" altLang="en-US" dirty="0">
-              <a:solidFill>
-                <a:schemeClr val="bg1"/>
-              </a:solidFill>
-              <a:latin typeface="HY태백B" pitchFamily="18" charset="-127"/>
-              <a:ea typeface="HY태백B" pitchFamily="18" charset="-127"/>
-            </a:endParaRPr>
-          </a:p>
-        </p:txBody>
-      </p:sp>
-      <p:pic>
-        <p:nvPicPr>
-          <p:cNvPr id="6" name="Picture 3"/>
-          <p:cNvPicPr>
-            <a:picLocks noChangeAspect="1" noChangeArrowheads="1"/>
-          </p:cNvPicPr>
-          <p:nvPr/>
-        </p:nvPicPr>
-        <p:blipFill>
-          <a:blip r:embed="rId5">
-            <a:extLst>
-              <a:ext uri="{28A0092B-C50C-407E-A947-70E740481C1C}">
-                <a14:useLocalDpi xmlns:a14="http://schemas.microsoft.com/office/drawing/2010/main" val="0"/>
-              </a:ext>
-            </a:extLst>
-          </a:blip>
-          <a:srcRect/>
-          <a:stretch>
-            <a:fillRect/>
-          </a:stretch>
-        </p:blipFill>
-        <p:spPr bwMode="auto">
-          <a:xfrm>
-            <a:off x="5172025" y="3212976"/>
-            <a:ext cx="3000375" cy="1171575"/>
-          </a:xfrm>
-          <a:prstGeom prst="rect">
-            <a:avLst/>
-          </a:prstGeom>
-          <a:noFill/>
-          <a:ln>
-            <a:noFill/>
-          </a:ln>
-          <a:effectLst/>
-          <a:extLst>
-            <a:ext uri="{909E8E84-426E-40DD-AFC4-6F175D3DCCD1}">
-              <a14:hiddenFill xmlns:a14="http://schemas.microsoft.com/office/drawing/2010/main">
-                <a:solidFill>
-                  <a:schemeClr val="accent1"/>
-                </a:solidFill>
-              </a14:hiddenFill>
-            </a:ext>
-            <a:ext uri="{91240B29-F687-4F45-9708-019B960494DF}">
-              <a14:hiddenLine xmlns:a14="http://schemas.microsoft.com/office/drawing/2010/main" w="9525">
-                <a:solidFill>
-                  <a:schemeClr val="tx1"/>
-                </a:solidFill>
-                <a:miter lim="800000"/>
-                <a:headEnd/>
-                <a:tailEnd/>
-              </a14:hiddenLine>
-            </a:ext>
-            <a:ext uri="{AF507438-7753-43E0-B8FC-AC1667EBCBE1}">
-              <a14:hiddenEffects xmlns:a14="http://schemas.microsoft.com/office/drawing/2010/main">
-                <a:effectLst>
-                  <a:outerShdw dist="35921" dir="2700000" algn="ctr" rotWithShape="0">
-                    <a:schemeClr val="bg2"/>
-                  </a:outerShdw>
-                </a:effectLst>
-              </a14:hiddenEffects>
-            </a:ext>
-          </a:extLst>
-        </p:spPr>
-      </p:pic>
     </p:spTree>
     <p:extLst>
       <p:ext uri="{BB962C8B-B14F-4D97-AF65-F5344CB8AC3E}">
-        <p14:creationId xmlns:p14="http://schemas.microsoft.com/office/powerpoint/2010/main" val="3913022410"/>
+        <p14:creationId xmlns:p14="http://schemas.microsoft.com/office/powerpoint/2010/main" val="295033003"/>
       </p:ext>
     </p:extLst>
   </p:cSld>
@@ -11995,7 +12447,7 @@
       </p:grpSpPr>
       <p:pic>
         <p:nvPicPr>
-          <p:cNvPr id="1026" name="Picture 2"/>
+          <p:cNvPr id="3074" name="Picture 2"/>
           <p:cNvPicPr>
             <a:picLocks noChangeAspect="1" noChangeArrowheads="1"/>
           </p:cNvPicPr>
@@ -12016,8 +12468,8 @@
         </p:blipFill>
         <p:spPr bwMode="auto">
           <a:xfrm>
-            <a:off x="179513" y="1124743"/>
-            <a:ext cx="4896543" cy="5419725"/>
+            <a:off x="107504" y="1060410"/>
+            <a:ext cx="5038003" cy="5543550"/>
           </a:xfrm>
           <a:prstGeom prst="rect">
             <a:avLst/>
@@ -12128,27 +12580,7 @@
                 <a:latin typeface="HY태백B" pitchFamily="18" charset="-127"/>
                 <a:ea typeface="HY태백B" pitchFamily="18" charset="-127"/>
               </a:rPr>
-              <a:t>게시물 </a:t>
-            </a:r>
-            <a:r>
-              <a:rPr lang="ko-KR" altLang="en-US" dirty="0" smtClean="0">
-                <a:solidFill>
-                  <a:schemeClr val="bg1"/>
-                </a:solidFill>
-                <a:latin typeface="HY태백B" pitchFamily="18" charset="-127"/>
-                <a:ea typeface="HY태백B" pitchFamily="18" charset="-127"/>
-              </a:rPr>
-              <a:t>작성 </a:t>
-            </a:r>
-            <a:r>
-              <a:rPr lang="ko-KR" altLang="en-US" dirty="0" smtClean="0">
-                <a:solidFill>
-                  <a:schemeClr val="bg1"/>
-                </a:solidFill>
-                <a:latin typeface="HY태백B" pitchFamily="18" charset="-127"/>
-                <a:ea typeface="HY태백B" pitchFamily="18" charset="-127"/>
-              </a:rPr>
-              <a:t>페이지 </a:t>
+              <a:t>게시물 작성 페이지 </a:t>
             </a:r>
             <a:r>
               <a:rPr lang="en-US" altLang="ko-KR" dirty="0" smtClean="0">
@@ -12188,8 +12620,8 @@
         </p:nvCxnSpPr>
         <p:spPr>
           <a:xfrm flipV="1">
-            <a:off x="1907704" y="4787590"/>
-            <a:ext cx="3271581" cy="1233698"/>
+            <a:off x="1835696" y="4797152"/>
+            <a:ext cx="3456384" cy="1224136"/>
           </a:xfrm>
           <a:prstGeom prst="line">
             <a:avLst/>
@@ -12217,7 +12649,7 @@
       </p:cxnSp>
       <p:pic>
         <p:nvPicPr>
-          <p:cNvPr id="8" name="Picture 2"/>
+          <p:cNvPr id="11" name="Picture 7"/>
           <p:cNvPicPr>
             <a:picLocks noChangeAspect="1" noChangeArrowheads="1"/>
           </p:cNvPicPr>
@@ -12238,8 +12670,8 @@
         </p:blipFill>
         <p:spPr bwMode="auto">
           <a:xfrm>
-            <a:off x="5179285" y="3933056"/>
-            <a:ext cx="3030928" cy="854534"/>
+            <a:off x="5292080" y="4221088"/>
+            <a:ext cx="3030928" cy="869403"/>
           </a:xfrm>
           <a:prstGeom prst="rect">
             <a:avLst/>
@@ -12276,7 +12708,7 @@
       </p:pic>
       <p:pic>
         <p:nvPicPr>
-          <p:cNvPr id="9" name="Picture 2"/>
+          <p:cNvPr id="11266" name="Picture 2"/>
           <p:cNvPicPr>
             <a:picLocks noChangeAspect="1" noChangeArrowheads="1"/>
           </p:cNvPicPr>
@@ -12297,8 +12729,8 @@
         </p:blipFill>
         <p:spPr bwMode="auto">
           <a:xfrm>
-            <a:off x="5145508" y="1844824"/>
-            <a:ext cx="3951796" cy="1826518"/>
+            <a:off x="5292080" y="2524209"/>
+            <a:ext cx="3667125" cy="1295400"/>
           </a:xfrm>
           <a:prstGeom prst="rect">
             <a:avLst/>
@@ -12336,7 +12768,7 @@
     </p:spTree>
     <p:extLst>
       <p:ext uri="{BB962C8B-B14F-4D97-AF65-F5344CB8AC3E}">
-        <p14:creationId xmlns:p14="http://schemas.microsoft.com/office/powerpoint/2010/main" val="248556914"/>
+        <p14:creationId xmlns:p14="http://schemas.microsoft.com/office/powerpoint/2010/main" val="1202287490"/>
       </p:ext>
     </p:extLst>
   </p:cSld>
@@ -12372,7 +12804,7 @@
       </p:grpSpPr>
       <p:pic>
         <p:nvPicPr>
-          <p:cNvPr id="2050" name="Picture 2"/>
+          <p:cNvPr id="1026" name="Picture 2"/>
           <p:cNvPicPr>
             <a:picLocks noChangeAspect="1" noChangeArrowheads="1"/>
           </p:cNvPicPr>
@@ -12393,8 +12825,8 @@
         </p:blipFill>
         <p:spPr bwMode="auto">
           <a:xfrm>
-            <a:off x="107504" y="1132188"/>
-            <a:ext cx="4680519" cy="5391150"/>
+            <a:off x="179513" y="1124743"/>
+            <a:ext cx="4896543" cy="5419725"/>
           </a:xfrm>
           <a:prstGeom prst="rect">
             <a:avLst/>
@@ -12505,27 +12937,7 @@
                 <a:latin typeface="HY태백B" pitchFamily="18" charset="-127"/>
                 <a:ea typeface="HY태백B" pitchFamily="18" charset="-127"/>
               </a:rPr>
-              <a:t>게시물 </a:t>
-            </a:r>
-            <a:r>
-              <a:rPr lang="ko-KR" altLang="en-US" dirty="0" smtClean="0">
-                <a:solidFill>
-                  <a:schemeClr val="bg1"/>
-                </a:solidFill>
-                <a:latin typeface="HY태백B" pitchFamily="18" charset="-127"/>
-                <a:ea typeface="HY태백B" pitchFamily="18" charset="-127"/>
-              </a:rPr>
-              <a:t>작성 </a:t>
-            </a:r>
-            <a:r>
-              <a:rPr lang="ko-KR" altLang="en-US" dirty="0" smtClean="0">
-                <a:solidFill>
-                  <a:schemeClr val="bg1"/>
-                </a:solidFill>
-                <a:latin typeface="HY태백B" pitchFamily="18" charset="-127"/>
-                <a:ea typeface="HY태백B" pitchFamily="18" charset="-127"/>
-              </a:rPr>
-              <a:t>페이지 </a:t>
+              <a:t>게시물 작성 페이지 </a:t>
             </a:r>
             <a:r>
               <a:rPr lang="en-US" altLang="ko-KR" dirty="0" smtClean="0">
@@ -12565,8 +12977,8 @@
         </p:nvCxnSpPr>
         <p:spPr>
           <a:xfrm flipV="1">
-            <a:off x="1763688" y="4732208"/>
-            <a:ext cx="3168351" cy="1289080"/>
+            <a:off x="1907704" y="4787590"/>
+            <a:ext cx="3271581" cy="1233698"/>
           </a:xfrm>
           <a:prstGeom prst="line">
             <a:avLst/>
@@ -12594,7 +13006,7 @@
       </p:cxnSp>
       <p:pic>
         <p:nvPicPr>
-          <p:cNvPr id="9" name="Picture 3"/>
+          <p:cNvPr id="8" name="Picture 2"/>
           <p:cNvPicPr>
             <a:picLocks noChangeAspect="1" noChangeArrowheads="1"/>
           </p:cNvPicPr>
@@ -12615,8 +13027,8 @@
         </p:blipFill>
         <p:spPr bwMode="auto">
           <a:xfrm>
-            <a:off x="4932039" y="3827763"/>
-            <a:ext cx="3030928" cy="904445"/>
+            <a:off x="5179285" y="3933056"/>
+            <a:ext cx="3030928" cy="854534"/>
           </a:xfrm>
           <a:prstGeom prst="rect">
             <a:avLst/>
@@ -12653,7 +13065,7 @@
       </p:pic>
       <p:pic>
         <p:nvPicPr>
-          <p:cNvPr id="11" name="Picture 2"/>
+          <p:cNvPr id="9" name="Picture 2"/>
           <p:cNvPicPr>
             <a:picLocks noChangeAspect="1" noChangeArrowheads="1"/>
           </p:cNvPicPr>
@@ -12674,8 +13086,8 @@
         </p:blipFill>
         <p:spPr bwMode="auto">
           <a:xfrm>
-            <a:off x="4932039" y="1579637"/>
-            <a:ext cx="4108629" cy="1826518"/>
+            <a:off x="5145508" y="1844824"/>
+            <a:ext cx="3951796" cy="1826518"/>
           </a:xfrm>
           <a:prstGeom prst="rect">
             <a:avLst/>
@@ -12713,7 +13125,7 @@
     </p:spTree>
     <p:extLst>
       <p:ext uri="{BB962C8B-B14F-4D97-AF65-F5344CB8AC3E}">
-        <p14:creationId xmlns:p14="http://schemas.microsoft.com/office/powerpoint/2010/main" val="9000767"/>
+        <p14:creationId xmlns:p14="http://schemas.microsoft.com/office/powerpoint/2010/main" val="248556914"/>
       </p:ext>
     </p:extLst>
   </p:cSld>
@@ -12749,7 +13161,7 @@
       </p:grpSpPr>
       <p:pic>
         <p:nvPicPr>
-          <p:cNvPr id="1028" name="Picture 4" descr="C:\박상아\zum header.PNG"/>
+          <p:cNvPr id="2050" name="Picture 2"/>
           <p:cNvPicPr>
             <a:picLocks noChangeAspect="1" noChangeArrowheads="1"/>
           </p:cNvPicPr>
@@ -12770,109 +13182,50 @@
         </p:blipFill>
         <p:spPr bwMode="auto">
           <a:xfrm>
-            <a:off x="-2008" y="0"/>
-            <a:ext cx="9144000" cy="904875"/>
-          </a:xfrm>
-          <a:prstGeom prst="rect">
-            <a:avLst/>
-          </a:prstGeom>
-          <a:noFill/>
+            <a:off x="107504" y="1132188"/>
+            <a:ext cx="4680519" cy="5391150"/>
+          </a:xfrm>
+          <a:prstGeom prst="rect">
+            <a:avLst/>
+          </a:prstGeom>
+          <a:noFill/>
+          <a:ln>
+            <a:noFill/>
+          </a:ln>
+          <a:effectLst/>
           <a:extLst>
             <a:ext uri="{909E8E84-426E-40DD-AFC4-6F175D3DCCD1}">
               <a14:hiddenFill xmlns:a14="http://schemas.microsoft.com/office/drawing/2010/main">
                 <a:solidFill>
-                  <a:srgbClr val="FFFFFF"/>
+                  <a:schemeClr val="accent1"/>
                 </a:solidFill>
               </a14:hiddenFill>
             </a:ext>
+            <a:ext uri="{91240B29-F687-4F45-9708-019B960494DF}">
+              <a14:hiddenLine xmlns:a14="http://schemas.microsoft.com/office/drawing/2010/main" w="9525">
+                <a:solidFill>
+                  <a:schemeClr val="tx1"/>
+                </a:solidFill>
+                <a:miter lim="800000"/>
+                <a:headEnd/>
+                <a:tailEnd/>
+              </a14:hiddenLine>
+            </a:ext>
+            <a:ext uri="{AF507438-7753-43E0-B8FC-AC1667EBCBE1}">
+              <a14:hiddenEffects xmlns:a14="http://schemas.microsoft.com/office/drawing/2010/main">
+                <a:effectLst>
+                  <a:outerShdw dist="35921" dir="2700000" algn="ctr" rotWithShape="0">
+                    <a:schemeClr val="bg2"/>
+                  </a:outerShdw>
+                </a:effectLst>
+              </a14:hiddenEffects>
+            </a:ext>
           </a:extLst>
         </p:spPr>
       </p:pic>
-      <p:sp>
-        <p:nvSpPr>
-          <p:cNvPr id="5" name="TextBox 4"/>
-          <p:cNvSpPr txBox="1"/>
-          <p:nvPr/>
-        </p:nvSpPr>
-        <p:spPr>
-          <a:xfrm>
-            <a:off x="2627784" y="267771"/>
-            <a:ext cx="3685624" cy="369332"/>
-          </a:xfrm>
-          <a:prstGeom prst="rect">
-            <a:avLst/>
-          </a:prstGeom>
-          <a:noFill/>
-        </p:spPr>
-        <p:txBody>
-          <a:bodyPr wrap="none" rtlCol="0">
-            <a:spAutoFit/>
-          </a:bodyPr>
-          <a:lstStyle/>
-          <a:p>
-            <a:r>
-              <a:rPr lang="ko-KR" altLang="en-US" dirty="0" smtClean="0">
-                <a:solidFill>
-                  <a:schemeClr val="bg1"/>
-                </a:solidFill>
-                <a:latin typeface="HY태백B" pitchFamily="18" charset="-127"/>
-                <a:ea typeface="HY태백B" pitchFamily="18" charset="-127"/>
-              </a:rPr>
-              <a:t>게시물 </a:t>
-            </a:r>
-            <a:r>
-              <a:rPr lang="ko-KR" altLang="en-US" dirty="0" smtClean="0">
-                <a:solidFill>
-                  <a:schemeClr val="bg1"/>
-                </a:solidFill>
-                <a:latin typeface="HY태백B" pitchFamily="18" charset="-127"/>
-                <a:ea typeface="HY태백B" pitchFamily="18" charset="-127"/>
-              </a:rPr>
-              <a:t>작성 </a:t>
-            </a:r>
-            <a:r>
-              <a:rPr lang="ko-KR" altLang="en-US" dirty="0" smtClean="0">
-                <a:solidFill>
-                  <a:schemeClr val="bg1"/>
-                </a:solidFill>
-                <a:latin typeface="HY태백B" pitchFamily="18" charset="-127"/>
-                <a:ea typeface="HY태백B" pitchFamily="18" charset="-127"/>
-              </a:rPr>
-              <a:t>페이지 </a:t>
-            </a:r>
-            <a:r>
-              <a:rPr lang="en-US" altLang="ko-KR" dirty="0" smtClean="0">
-                <a:solidFill>
-                  <a:schemeClr val="bg1"/>
-                </a:solidFill>
-                <a:latin typeface="HY태백B" pitchFamily="18" charset="-127"/>
-                <a:ea typeface="HY태백B" pitchFamily="18" charset="-127"/>
-              </a:rPr>
-              <a:t>– </a:t>
-            </a:r>
-            <a:r>
-              <a:rPr lang="ko-KR" altLang="en-US" dirty="0" smtClean="0">
-                <a:solidFill>
-                  <a:schemeClr val="bg1"/>
-                </a:solidFill>
-                <a:latin typeface="HY태백B" pitchFamily="18" charset="-127"/>
-                <a:ea typeface="HY태백B" pitchFamily="18" charset="-127"/>
-              </a:rPr>
-              <a:t>게시판 추가</a:t>
-            </a:r>
-            <a:endParaRPr lang="ko-KR" altLang="en-US" dirty="0">
-              <a:solidFill>
-                <a:schemeClr val="bg1"/>
-              </a:solidFill>
-              <a:latin typeface="HY태백B" pitchFamily="18" charset="-127"/>
-              <a:ea typeface="HY태백B" pitchFamily="18" charset="-127"/>
-            </a:endParaRPr>
-          </a:p>
-        </p:txBody>
-      </p:sp>
       <p:pic>
         <p:nvPicPr>
-          <p:cNvPr id="3074" name="Picture 2"/>
+          <p:cNvPr id="1028" name="Picture 4" descr="C:\박상아\zum header.PNG"/>
           <p:cNvPicPr>
             <a:picLocks noChangeAspect="1" noChangeArrowheads="1"/>
           </p:cNvPicPr>
@@ -12893,15 +13246,158 @@
         </p:blipFill>
         <p:spPr bwMode="auto">
           <a:xfrm>
-            <a:off x="1636292" y="1124744"/>
-            <a:ext cx="5867400" cy="5381625"/>
-          </a:xfrm>
-          <a:prstGeom prst="rect">
-            <a:avLst/>
-          </a:prstGeom>
-          <a:noFill/>
+            <a:off x="-2008" y="0"/>
+            <a:ext cx="9144000" cy="904875"/>
+          </a:xfrm>
+          <a:prstGeom prst="rect">
+            <a:avLst/>
+          </a:prstGeom>
+          <a:noFill/>
+          <a:extLst>
+            <a:ext uri="{909E8E84-426E-40DD-AFC4-6F175D3DCCD1}">
+              <a14:hiddenFill xmlns:a14="http://schemas.microsoft.com/office/drawing/2010/main">
+                <a:solidFill>
+                  <a:srgbClr val="FFFFFF"/>
+                </a:solidFill>
+              </a14:hiddenFill>
+            </a:ext>
+          </a:extLst>
+        </p:spPr>
+      </p:pic>
+      <p:sp>
+        <p:nvSpPr>
+          <p:cNvPr id="5" name="TextBox 4"/>
+          <p:cNvSpPr txBox="1"/>
+          <p:nvPr/>
+        </p:nvSpPr>
+        <p:spPr>
+          <a:xfrm>
+            <a:off x="2470516" y="267771"/>
+            <a:ext cx="4224233" cy="369332"/>
+          </a:xfrm>
+          <a:prstGeom prst="rect">
+            <a:avLst/>
+          </a:prstGeom>
+          <a:noFill/>
+        </p:spPr>
+        <p:txBody>
+          <a:bodyPr wrap="none" rtlCol="0">
+            <a:spAutoFit/>
+          </a:bodyPr>
+          <a:lstStyle/>
+          <a:p>
+            <a:r>
+              <a:rPr lang="ko-KR" altLang="en-US" dirty="0" smtClean="0">
+                <a:solidFill>
+                  <a:schemeClr val="bg1"/>
+                </a:solidFill>
+                <a:latin typeface="HY태백B" pitchFamily="18" charset="-127"/>
+                <a:ea typeface="HY태백B" pitchFamily="18" charset="-127"/>
+              </a:rPr>
+              <a:t>게시물 작성 페이지 </a:t>
+            </a:r>
+            <a:r>
+              <a:rPr lang="en-US" altLang="ko-KR" dirty="0" smtClean="0">
+                <a:solidFill>
+                  <a:schemeClr val="bg1"/>
+                </a:solidFill>
+                <a:latin typeface="HY태백B" pitchFamily="18" charset="-127"/>
+                <a:ea typeface="HY태백B" pitchFamily="18" charset="-127"/>
+              </a:rPr>
+              <a:t>– </a:t>
+            </a:r>
+            <a:r>
+              <a:rPr lang="ko-KR" altLang="en-US" dirty="0" smtClean="0">
+                <a:solidFill>
+                  <a:schemeClr val="bg1"/>
+                </a:solidFill>
+                <a:latin typeface="HY태백B" pitchFamily="18" charset="-127"/>
+                <a:ea typeface="HY태백B" pitchFamily="18" charset="-127"/>
+              </a:rPr>
+              <a:t>제목 유효성 검사</a:t>
+            </a:r>
+            <a:endParaRPr lang="ko-KR" altLang="en-US" dirty="0">
+              <a:solidFill>
+                <a:schemeClr val="bg1"/>
+              </a:solidFill>
+              <a:latin typeface="HY태백B" pitchFamily="18" charset="-127"/>
+              <a:ea typeface="HY태백B" pitchFamily="18" charset="-127"/>
+            </a:endParaRPr>
+          </a:p>
+        </p:txBody>
+      </p:sp>
+      <p:cxnSp>
+        <p:nvCxnSpPr>
+          <p:cNvPr id="10" name="직선 연결선 9"/>
+          <p:cNvCxnSpPr/>
+          <p:nvPr/>
+        </p:nvCxnSpPr>
+        <p:spPr>
+          <a:xfrm flipV="1">
+            <a:off x="1763688" y="4732208"/>
+            <a:ext cx="3168351" cy="1289080"/>
+          </a:xfrm>
+          <a:prstGeom prst="line">
+            <a:avLst/>
+          </a:prstGeom>
           <a:ln>
-            <a:noFill/>
+            <a:solidFill>
+              <a:schemeClr val="accent2"/>
+            </a:solidFill>
+          </a:ln>
+        </p:spPr>
+        <p:style>
+          <a:lnRef idx="1">
+            <a:schemeClr val="accent1"/>
+          </a:lnRef>
+          <a:fillRef idx="0">
+            <a:schemeClr val="accent1"/>
+          </a:fillRef>
+          <a:effectRef idx="0">
+            <a:schemeClr val="accent1"/>
+          </a:effectRef>
+          <a:fontRef idx="minor">
+            <a:schemeClr val="tx1"/>
+          </a:fontRef>
+        </p:style>
+      </p:cxnSp>
+      <p:pic>
+        <p:nvPicPr>
+          <p:cNvPr id="9" name="Picture 3"/>
+          <p:cNvPicPr>
+            <a:picLocks noChangeAspect="1" noChangeArrowheads="1"/>
+          </p:cNvPicPr>
+          <p:nvPr/>
+        </p:nvPicPr>
+        <p:blipFill>
+          <a:blip r:embed="rId4">
+            <a:extLst>
+              <a:ext uri="{28A0092B-C50C-407E-A947-70E740481C1C}">
+                <a14:useLocalDpi xmlns:a14="http://schemas.microsoft.com/office/drawing/2010/main" val="0"/>
+              </a:ext>
+            </a:extLst>
+          </a:blip>
+          <a:srcRect/>
+          <a:stretch>
+            <a:fillRect/>
+          </a:stretch>
+        </p:blipFill>
+        <p:spPr bwMode="auto">
+          <a:xfrm>
+            <a:off x="4932039" y="3827763"/>
+            <a:ext cx="3030928" cy="904445"/>
+          </a:xfrm>
+          <a:prstGeom prst="rect">
+            <a:avLst/>
+          </a:prstGeom>
+          <a:noFill/>
+          <a:ln w="9525">
+            <a:solidFill>
+              <a:schemeClr val="accent2"/>
+            </a:solidFill>
+            <a:miter lim="800000"/>
+            <a:headEnd/>
+            <a:tailEnd/>
           </a:ln>
           <a:effectLst/>
           <a:extLst>
@@ -12911,16 +13407,6 @@
                   <a:schemeClr val="accent1"/>
                 </a:solidFill>
               </a14:hiddenFill>
-            </a:ext>
-            <a:ext uri="{91240B29-F687-4F45-9708-019B960494DF}">
-              <a14:hiddenLine xmlns:a14="http://schemas.microsoft.com/office/drawing/2010/main" w="9525">
-                <a:solidFill>
-                  <a:schemeClr val="tx1"/>
-                </a:solidFill>
-                <a:miter lim="800000"/>
-                <a:headEnd/>
-                <a:tailEnd/>
-              </a14:hiddenLine>
             </a:ext>
             <a:ext uri="{AF507438-7753-43E0-B8FC-AC1667EBCBE1}">
               <a14:hiddenEffects xmlns:a14="http://schemas.microsoft.com/office/drawing/2010/main">
@@ -12934,68 +13420,69 @@
           </a:extLst>
         </p:spPr>
       </p:pic>
-      <p:sp>
-        <p:nvSpPr>
-          <p:cNvPr id="8" name="모서리가 둥근 직사각형 7"/>
-          <p:cNvSpPr/>
-          <p:nvPr/>
-        </p:nvSpPr>
-        <p:spPr>
-          <a:xfrm>
-            <a:off x="1763688" y="6093296"/>
-            <a:ext cx="2376264" cy="413073"/>
-          </a:xfrm>
-          <a:prstGeom prst="roundRect">
-            <a:avLst/>
-          </a:prstGeom>
-          <a:noFill/>
-          <a:ln>
+      <p:pic>
+        <p:nvPicPr>
+          <p:cNvPr id="11" name="Picture 2"/>
+          <p:cNvPicPr>
+            <a:picLocks noChangeAspect="1" noChangeArrowheads="1"/>
+          </p:cNvPicPr>
+          <p:nvPr/>
+        </p:nvPicPr>
+        <p:blipFill>
+          <a:blip r:embed="rId5">
+            <a:extLst>
+              <a:ext uri="{28A0092B-C50C-407E-A947-70E740481C1C}">
+                <a14:useLocalDpi xmlns:a14="http://schemas.microsoft.com/office/drawing/2010/main" val="0"/>
+              </a:ext>
+            </a:extLst>
+          </a:blip>
+          <a:srcRect/>
+          <a:stretch>
+            <a:fillRect/>
+          </a:stretch>
+        </p:blipFill>
+        <p:spPr bwMode="auto">
+          <a:xfrm>
+            <a:off x="4932039" y="1579637"/>
+            <a:ext cx="4108629" cy="1826518"/>
+          </a:xfrm>
+          <a:prstGeom prst="rect">
+            <a:avLst/>
+          </a:prstGeom>
+          <a:noFill/>
+          <a:ln w="9525">
             <a:solidFill>
               <a:schemeClr val="accent2"/>
             </a:solidFill>
+            <a:miter lim="800000"/>
+            <a:headEnd/>
+            <a:tailEnd/>
           </a:ln>
-        </p:spPr>
-        <p:style>
-          <a:lnRef idx="2">
-            <a:schemeClr val="accent1">
-              <a:shade val="50000"/>
-            </a:schemeClr>
-          </a:lnRef>
-          <a:fillRef idx="1">
-            <a:schemeClr val="accent1"/>
-          </a:fillRef>
-          <a:effectRef idx="0">
-            <a:schemeClr val="accent1"/>
-          </a:effectRef>
-          <a:fontRef idx="minor">
-            <a:schemeClr val="lt1"/>
-          </a:fontRef>
-        </p:style>
-        <p:txBody>
-          <a:bodyPr rtlCol="0" anchor="ctr"/>
-          <a:lstStyle/>
-          <a:p>
-            <a:pPr algn="ctr"/>
-            <a:r>
-              <a:rPr lang="ko-KR" altLang="en-US" sz="1000" dirty="0" smtClean="0">
-                <a:solidFill>
-                  <a:srgbClr val="FF0000"/>
-                </a:solidFill>
-              </a:rPr>
-              <a:t>게시판 추가</a:t>
-            </a:r>
-            <a:endParaRPr lang="ko-KR" altLang="en-US" sz="1000" dirty="0">
-              <a:solidFill>
-                <a:srgbClr val="FF0000"/>
-              </a:solidFill>
-            </a:endParaRPr>
-          </a:p>
-        </p:txBody>
-      </p:sp>
+          <a:effectLst/>
+          <a:extLst>
+            <a:ext uri="{909E8E84-426E-40DD-AFC4-6F175D3DCCD1}">
+              <a14:hiddenFill xmlns:a14="http://schemas.microsoft.com/office/drawing/2010/main">
+                <a:solidFill>
+                  <a:schemeClr val="accent1"/>
+                </a:solidFill>
+              </a14:hiddenFill>
+            </a:ext>
+            <a:ext uri="{AF507438-7753-43E0-B8FC-AC1667EBCBE1}">
+              <a14:hiddenEffects xmlns:a14="http://schemas.microsoft.com/office/drawing/2010/main">
+                <a:effectLst>
+                  <a:outerShdw dist="35921" dir="2700000" algn="ctr" rotWithShape="0">
+                    <a:schemeClr val="bg2"/>
+                  </a:outerShdw>
+                </a:effectLst>
+              </a14:hiddenEffects>
+            </a:ext>
+          </a:extLst>
+        </p:spPr>
+      </p:pic>
     </p:spTree>
     <p:extLst>
       <p:ext uri="{BB962C8B-B14F-4D97-AF65-F5344CB8AC3E}">
-        <p14:creationId xmlns:p14="http://schemas.microsoft.com/office/powerpoint/2010/main" val="1587446422"/>
+        <p14:creationId xmlns:p14="http://schemas.microsoft.com/office/powerpoint/2010/main" val="9000767"/>
       </p:ext>
     </p:extLst>
   </p:cSld>
@@ -13031,7 +13518,7 @@
       </p:grpSpPr>
       <p:pic>
         <p:nvPicPr>
-          <p:cNvPr id="2" name="Picture 2"/>
+          <p:cNvPr id="1028" name="Picture 4" descr="C:\박상아\zum header.PNG"/>
           <p:cNvPicPr>
             <a:picLocks noChangeAspect="1" noChangeArrowheads="1"/>
           </p:cNvPicPr>
@@ -13052,50 +13539,89 @@
         </p:blipFill>
         <p:spPr bwMode="auto">
           <a:xfrm>
-            <a:off x="1403648" y="1772816"/>
-            <a:ext cx="6056941" cy="3636000"/>
-          </a:xfrm>
-          <a:prstGeom prst="rect">
-            <a:avLst/>
-          </a:prstGeom>
-          <a:noFill/>
-          <a:ln>
-            <a:noFill/>
-          </a:ln>
-          <a:effectLst/>
+            <a:off x="-2008" y="0"/>
+            <a:ext cx="9144000" cy="904875"/>
+          </a:xfrm>
+          <a:prstGeom prst="rect">
+            <a:avLst/>
+          </a:prstGeom>
+          <a:noFill/>
           <a:extLst>
             <a:ext uri="{909E8E84-426E-40DD-AFC4-6F175D3DCCD1}">
               <a14:hiddenFill xmlns:a14="http://schemas.microsoft.com/office/drawing/2010/main">
                 <a:solidFill>
-                  <a:schemeClr val="accent1"/>
+                  <a:srgbClr val="FFFFFF"/>
                 </a:solidFill>
               </a14:hiddenFill>
             </a:ext>
-            <a:ext uri="{91240B29-F687-4F45-9708-019B960494DF}">
-              <a14:hiddenLine xmlns:a14="http://schemas.microsoft.com/office/drawing/2010/main" w="9525">
-                <a:solidFill>
-                  <a:schemeClr val="tx1"/>
-                </a:solidFill>
-                <a:miter lim="800000"/>
-                <a:headEnd/>
-                <a:tailEnd/>
-              </a14:hiddenLine>
-            </a:ext>
-            <a:ext uri="{AF507438-7753-43E0-B8FC-AC1667EBCBE1}">
-              <a14:hiddenEffects xmlns:a14="http://schemas.microsoft.com/office/drawing/2010/main">
-                <a:effectLst>
-                  <a:outerShdw dist="35921" dir="2700000" algn="ctr" rotWithShape="0">
-                    <a:schemeClr val="bg2"/>
-                  </a:outerShdw>
-                </a:effectLst>
-              </a14:hiddenEffects>
-            </a:ext>
           </a:extLst>
         </p:spPr>
       </p:pic>
+      <p:sp>
+        <p:nvSpPr>
+          <p:cNvPr id="5" name="TextBox 4"/>
+          <p:cNvSpPr txBox="1"/>
+          <p:nvPr/>
+        </p:nvSpPr>
+        <p:spPr>
+          <a:xfrm>
+            <a:off x="2627784" y="267771"/>
+            <a:ext cx="3685624" cy="369332"/>
+          </a:xfrm>
+          <a:prstGeom prst="rect">
+            <a:avLst/>
+          </a:prstGeom>
+          <a:noFill/>
+        </p:spPr>
+        <p:txBody>
+          <a:bodyPr wrap="none" rtlCol="0">
+            <a:spAutoFit/>
+          </a:bodyPr>
+          <a:lstStyle/>
+          <a:p>
+            <a:r>
+              <a:rPr lang="ko-KR" altLang="en-US" dirty="0" smtClean="0">
+                <a:solidFill>
+                  <a:schemeClr val="bg1"/>
+                </a:solidFill>
+                <a:latin typeface="HY태백B" pitchFamily="18" charset="-127"/>
+                <a:ea typeface="HY태백B" pitchFamily="18" charset="-127"/>
+              </a:rPr>
+              <a:t>게시물 작성 페이지 </a:t>
+            </a:r>
+            <a:r>
+              <a:rPr lang="en-US" altLang="ko-KR" dirty="0" smtClean="0">
+                <a:solidFill>
+                  <a:schemeClr val="bg1"/>
+                </a:solidFill>
+                <a:latin typeface="HY태백B" pitchFamily="18" charset="-127"/>
+                <a:ea typeface="HY태백B" pitchFamily="18" charset="-127"/>
+              </a:rPr>
+              <a:t>– </a:t>
+            </a:r>
+            <a:r>
+              <a:rPr lang="ko-KR" altLang="en-US" dirty="0" smtClean="0">
+                <a:solidFill>
+                  <a:schemeClr val="bg1"/>
+                </a:solidFill>
+                <a:latin typeface="HY태백B" pitchFamily="18" charset="-127"/>
+                <a:ea typeface="HY태백B" pitchFamily="18" charset="-127"/>
+              </a:rPr>
+              <a:t>게시판 추가</a:t>
+            </a:r>
+            <a:endParaRPr lang="ko-KR" altLang="en-US" dirty="0">
+              <a:solidFill>
+                <a:schemeClr val="bg1"/>
+              </a:solidFill>
+              <a:latin typeface="HY태백B" pitchFamily="18" charset="-127"/>
+              <a:ea typeface="HY태백B" pitchFamily="18" charset="-127"/>
+            </a:endParaRPr>
+          </a:p>
+        </p:txBody>
+      </p:sp>
       <p:pic>
         <p:nvPicPr>
-          <p:cNvPr id="1028" name="Picture 4" descr="C:\박상아\zum header.PNG"/>
+          <p:cNvPr id="3074" name="Picture 2"/>
           <p:cNvPicPr>
             <a:picLocks noChangeAspect="1" noChangeArrowheads="1"/>
           </p:cNvPicPr>
@@ -13116,102 +13642,101 @@
         </p:blipFill>
         <p:spPr bwMode="auto">
           <a:xfrm>
-            <a:off x="-2008" y="0"/>
-            <a:ext cx="9144000" cy="904875"/>
-          </a:xfrm>
-          <a:prstGeom prst="rect">
-            <a:avLst/>
-          </a:prstGeom>
-          <a:noFill/>
+            <a:off x="1636292" y="1124744"/>
+            <a:ext cx="5867400" cy="5381625"/>
+          </a:xfrm>
+          <a:prstGeom prst="rect">
+            <a:avLst/>
+          </a:prstGeom>
+          <a:noFill/>
+          <a:ln>
+            <a:noFill/>
+          </a:ln>
+          <a:effectLst/>
           <a:extLst>
             <a:ext uri="{909E8E84-426E-40DD-AFC4-6F175D3DCCD1}">
               <a14:hiddenFill xmlns:a14="http://schemas.microsoft.com/office/drawing/2010/main">
                 <a:solidFill>
-                  <a:srgbClr val="FFFFFF"/>
+                  <a:schemeClr val="accent1"/>
                 </a:solidFill>
               </a14:hiddenFill>
+            </a:ext>
+            <a:ext uri="{91240B29-F687-4F45-9708-019B960494DF}">
+              <a14:hiddenLine xmlns:a14="http://schemas.microsoft.com/office/drawing/2010/main" w="9525">
+                <a:solidFill>
+                  <a:schemeClr val="tx1"/>
+                </a:solidFill>
+                <a:miter lim="800000"/>
+                <a:headEnd/>
+                <a:tailEnd/>
+              </a14:hiddenLine>
+            </a:ext>
+            <a:ext uri="{AF507438-7753-43E0-B8FC-AC1667EBCBE1}">
+              <a14:hiddenEffects xmlns:a14="http://schemas.microsoft.com/office/drawing/2010/main">
+                <a:effectLst>
+                  <a:outerShdw dist="35921" dir="2700000" algn="ctr" rotWithShape="0">
+                    <a:schemeClr val="bg2"/>
+                  </a:outerShdw>
+                </a:effectLst>
+              </a14:hiddenEffects>
             </a:ext>
           </a:extLst>
         </p:spPr>
       </p:pic>
       <p:sp>
         <p:nvSpPr>
-          <p:cNvPr id="5" name="TextBox 4"/>
-          <p:cNvSpPr txBox="1"/>
+          <p:cNvPr id="8" name="모서리가 둥근 직사각형 7"/>
+          <p:cNvSpPr/>
           <p:nvPr/>
         </p:nvSpPr>
         <p:spPr>
           <a:xfrm>
-            <a:off x="2855431" y="272987"/>
-            <a:ext cx="3685624" cy="369332"/>
-          </a:xfrm>
-          <a:prstGeom prst="rect">
-            <a:avLst/>
-          </a:prstGeom>
-          <a:noFill/>
-        </p:spPr>
+            <a:off x="1763688" y="6093296"/>
+            <a:ext cx="2376264" cy="413073"/>
+          </a:xfrm>
+          <a:prstGeom prst="roundRect">
+            <a:avLst/>
+          </a:prstGeom>
+          <a:noFill/>
+          <a:ln>
+            <a:solidFill>
+              <a:schemeClr val="accent2"/>
+            </a:solidFill>
+          </a:ln>
+        </p:spPr>
+        <p:style>
+          <a:lnRef idx="2">
+            <a:schemeClr val="accent1">
+              <a:shade val="50000"/>
+            </a:schemeClr>
+          </a:lnRef>
+          <a:fillRef idx="1">
+            <a:schemeClr val="accent1"/>
+          </a:fillRef>
+          <a:effectRef idx="0">
+            <a:schemeClr val="accent1"/>
+          </a:effectRef>
+          <a:fontRef idx="minor">
+            <a:schemeClr val="lt1"/>
+          </a:fontRef>
+        </p:style>
         <p:txBody>
-          <a:bodyPr wrap="none" rtlCol="0">
-            <a:spAutoFit/>
-          </a:bodyPr>
+          <a:bodyPr rtlCol="0" anchor="ctr"/>
           <a:lstStyle/>
           <a:p>
-            <a:r>
-              <a:rPr lang="ko-KR" altLang="en-US" dirty="0" smtClean="0">
-                <a:solidFill>
-                  <a:schemeClr val="bg1"/>
-                </a:solidFill>
-                <a:latin typeface="HY태백B" pitchFamily="18" charset="-127"/>
-                <a:ea typeface="HY태백B" pitchFamily="18" charset="-127"/>
-              </a:rPr>
-              <a:t>게시물 </a:t>
-            </a:r>
-            <a:r>
-              <a:rPr lang="ko-KR" altLang="en-US" dirty="0" smtClean="0">
-                <a:solidFill>
-                  <a:schemeClr val="bg1"/>
-                </a:solidFill>
-                <a:latin typeface="HY태백B" pitchFamily="18" charset="-127"/>
-                <a:ea typeface="HY태백B" pitchFamily="18" charset="-127"/>
-              </a:rPr>
-              <a:t>목록 </a:t>
-            </a:r>
-            <a:r>
-              <a:rPr lang="ko-KR" altLang="en-US" dirty="0" smtClean="0">
-                <a:solidFill>
-                  <a:schemeClr val="bg1"/>
-                </a:solidFill>
-                <a:latin typeface="HY태백B" pitchFamily="18" charset="-127"/>
-                <a:ea typeface="HY태백B" pitchFamily="18" charset="-127"/>
-              </a:rPr>
-              <a:t>페이지 </a:t>
-            </a:r>
-            <a:r>
-              <a:rPr lang="en-US" altLang="ko-KR" dirty="0" smtClean="0">
-                <a:solidFill>
-                  <a:schemeClr val="bg1"/>
-                </a:solidFill>
-                <a:latin typeface="HY태백B" pitchFamily="18" charset="-127"/>
-                <a:ea typeface="HY태백B" pitchFamily="18" charset="-127"/>
-              </a:rPr>
-              <a:t>– </a:t>
-            </a:r>
-            <a:r>
-              <a:rPr lang="ko-KR" altLang="en-US" dirty="0" smtClean="0">
-                <a:solidFill>
-                  <a:schemeClr val="bg1"/>
-                </a:solidFill>
-                <a:latin typeface="HY태백B" pitchFamily="18" charset="-127"/>
-                <a:ea typeface="HY태백B" pitchFamily="18" charset="-127"/>
-              </a:rPr>
-              <a:t>게시물 추가</a:t>
-            </a:r>
-            <a:endParaRPr lang="ko-KR" altLang="en-US" dirty="0">
+            <a:pPr algn="ctr"/>
+            <a:r>
+              <a:rPr lang="ko-KR" altLang="en-US" sz="1000" dirty="0" smtClean="0">
+                <a:solidFill>
+                  <a:srgbClr val="FF0000"/>
+                </a:solidFill>
+              </a:rPr>
+              <a:t>게시판 추가</a:t>
+            </a:r>
+            <a:endParaRPr lang="ko-KR" altLang="en-US" sz="1000" dirty="0">
               <a:solidFill>
-                <a:schemeClr val="bg1"/>
+                <a:srgbClr val="FF0000"/>
               </a:solidFill>
-              <a:latin typeface="HY태백B" pitchFamily="18" charset="-127"/>
-              <a:ea typeface="HY태백B" pitchFamily="18" charset="-127"/>
             </a:endParaRPr>
           </a:p>
         </p:txBody>
@@ -13219,7 +13744,7 @@
     </p:spTree>
     <p:extLst>
       <p:ext uri="{BB962C8B-B14F-4D97-AF65-F5344CB8AC3E}">
-        <p14:creationId xmlns:p14="http://schemas.microsoft.com/office/powerpoint/2010/main" val="1806078587"/>
+        <p14:creationId xmlns:p14="http://schemas.microsoft.com/office/powerpoint/2010/main" val="1587446422"/>
       </p:ext>
     </p:extLst>
   </p:cSld>
@@ -13276,7 +13801,7 @@
         </p:blipFill>
         <p:spPr bwMode="auto">
           <a:xfrm>
-            <a:off x="1403647" y="1772816"/>
+            <a:off x="1403648" y="1772816"/>
             <a:ext cx="6056941" cy="3636000"/>
           </a:xfrm>
           <a:prstGeom prst="rect">
@@ -13366,8 +13891,8 @@
         </p:nvSpPr>
         <p:spPr>
           <a:xfrm>
-            <a:off x="2339753" y="272987"/>
-            <a:ext cx="4320479" cy="369332"/>
+            <a:off x="2855431" y="272987"/>
+            <a:ext cx="3685624" cy="369332"/>
           </a:xfrm>
           <a:prstGeom prst="rect">
             <a:avLst/>
@@ -13375,7 +13900,7 @@
           <a:noFill/>
         </p:spPr>
         <p:txBody>
-          <a:bodyPr wrap="square" rtlCol="0">
+          <a:bodyPr wrap="none" rtlCol="0">
             <a:spAutoFit/>
           </a:bodyPr>
           <a:lstStyle/>
@@ -13388,7 +13913,17 @@
                 <a:latin typeface="HY태백B" pitchFamily="18" charset="-127"/>
                 <a:ea typeface="HY태백B" pitchFamily="18" charset="-127"/>
               </a:rPr>
-              <a:t>게시물 </a:t>
+              <a:t>게시물 목록 페이지 </a:t>
+            </a:r>
+            <a:r>
+              <a:rPr lang="en-US" altLang="ko-KR" dirty="0" smtClean="0">
+                <a:solidFill>
+                  <a:schemeClr val="bg1"/>
+                </a:solidFill>
+                <a:latin typeface="HY태백B" pitchFamily="18" charset="-127"/>
+                <a:ea typeface="HY태백B" pitchFamily="18" charset="-127"/>
+              </a:rPr>
+              <a:t>– </a:t>
             </a:r>
             <a:r>
               <a:rPr lang="ko-KR" altLang="en-US" dirty="0" smtClean="0">
@@ -13398,37 +13933,7 @@
                 <a:latin typeface="HY태백B" pitchFamily="18" charset="-127"/>
                 <a:ea typeface="HY태백B" pitchFamily="18" charset="-127"/>
               </a:rPr>
-              <a:t>목록 </a:t>
-            </a:r>
-            <a:r>
-              <a:rPr lang="ko-KR" altLang="en-US" dirty="0" smtClean="0">
-                <a:solidFill>
-                  <a:schemeClr val="bg1"/>
-                </a:solidFill>
-                <a:latin typeface="HY태백B" pitchFamily="18" charset="-127"/>
-                <a:ea typeface="HY태백B" pitchFamily="18" charset="-127"/>
-              </a:rPr>
-              <a:t>페이지 </a:t>
-            </a:r>
-            <a:r>
-              <a:rPr lang="en-US" altLang="ko-KR" dirty="0" smtClean="0">
-                <a:solidFill>
-                  <a:schemeClr val="bg1"/>
-                </a:solidFill>
-                <a:latin typeface="HY태백B" pitchFamily="18" charset="-127"/>
-                <a:ea typeface="HY태백B" pitchFamily="18" charset="-127"/>
-              </a:rPr>
-              <a:t>– </a:t>
-            </a:r>
-            <a:r>
-              <a:rPr lang="ko-KR" altLang="en-US" dirty="0" smtClean="0">
-                <a:solidFill>
-                  <a:schemeClr val="bg1"/>
-                </a:solidFill>
-                <a:latin typeface="HY태백B" pitchFamily="18" charset="-127"/>
-                <a:ea typeface="HY태백B" pitchFamily="18" charset="-127"/>
-              </a:rPr>
-              <a:t>게시물 내용 확인</a:t>
+              <a:t>게시물 추가</a:t>
             </a:r>
             <a:endParaRPr lang="ko-KR" altLang="en-US" dirty="0">
               <a:solidFill>
@@ -13440,68 +13945,10 @@
           </a:p>
         </p:txBody>
       </p:sp>
-      <p:sp>
-        <p:nvSpPr>
-          <p:cNvPr id="6" name="모서리가 둥근 직사각형 5"/>
-          <p:cNvSpPr/>
-          <p:nvPr/>
-        </p:nvSpPr>
-        <p:spPr>
-          <a:xfrm>
-            <a:off x="1403648" y="2420888"/>
-            <a:ext cx="2376264" cy="413073"/>
-          </a:xfrm>
-          <a:prstGeom prst="roundRect">
-            <a:avLst/>
-          </a:prstGeom>
-          <a:noFill/>
-          <a:ln>
-            <a:solidFill>
-              <a:schemeClr val="accent2"/>
-            </a:solidFill>
-          </a:ln>
-        </p:spPr>
-        <p:style>
-          <a:lnRef idx="2">
-            <a:schemeClr val="accent1">
-              <a:shade val="50000"/>
-            </a:schemeClr>
-          </a:lnRef>
-          <a:fillRef idx="1">
-            <a:schemeClr val="accent1"/>
-          </a:fillRef>
-          <a:effectRef idx="0">
-            <a:schemeClr val="accent1"/>
-          </a:effectRef>
-          <a:fontRef idx="minor">
-            <a:schemeClr val="lt1"/>
-          </a:fontRef>
-        </p:style>
-        <p:txBody>
-          <a:bodyPr rtlCol="0" anchor="ctr"/>
-          <a:lstStyle/>
-          <a:p>
-            <a:pPr algn="ctr"/>
-            <a:r>
-              <a:rPr lang="ko-KR" altLang="en-US" sz="1000" dirty="0" smtClean="0">
-                <a:solidFill>
-                  <a:srgbClr val="FF0000"/>
-                </a:solidFill>
-              </a:rPr>
-              <a:t>내용 확인</a:t>
-            </a:r>
-            <a:endParaRPr lang="ko-KR" altLang="en-US" sz="1000" dirty="0">
-              <a:solidFill>
-                <a:srgbClr val="FF0000"/>
-              </a:solidFill>
-            </a:endParaRPr>
-          </a:p>
-        </p:txBody>
-      </p:sp>
     </p:spTree>
     <p:extLst>
       <p:ext uri="{BB962C8B-B14F-4D97-AF65-F5344CB8AC3E}">
-        <p14:creationId xmlns:p14="http://schemas.microsoft.com/office/powerpoint/2010/main" val="1863457111"/>
+        <p14:creationId xmlns:p14="http://schemas.microsoft.com/office/powerpoint/2010/main" val="1806078587"/>
       </p:ext>
     </p:extLst>
   </p:cSld>
@@ -13537,7 +13984,7 @@
       </p:grpSpPr>
       <p:pic>
         <p:nvPicPr>
-          <p:cNvPr id="1028" name="Picture 4" descr="C:\박상아\zum header.PNG"/>
+          <p:cNvPr id="2" name="Picture 2"/>
           <p:cNvPicPr>
             <a:picLocks noChangeAspect="1" noChangeArrowheads="1"/>
           </p:cNvPicPr>
@@ -13558,109 +14005,50 @@
         </p:blipFill>
         <p:spPr bwMode="auto">
           <a:xfrm>
-            <a:off x="-2008" y="0"/>
-            <a:ext cx="9144000" cy="904875"/>
-          </a:xfrm>
-          <a:prstGeom prst="rect">
-            <a:avLst/>
-          </a:prstGeom>
-          <a:noFill/>
+            <a:off x="1403647" y="1772816"/>
+            <a:ext cx="6056941" cy="3636000"/>
+          </a:xfrm>
+          <a:prstGeom prst="rect">
+            <a:avLst/>
+          </a:prstGeom>
+          <a:noFill/>
+          <a:ln>
+            <a:noFill/>
+          </a:ln>
+          <a:effectLst/>
           <a:extLst>
             <a:ext uri="{909E8E84-426E-40DD-AFC4-6F175D3DCCD1}">
               <a14:hiddenFill xmlns:a14="http://schemas.microsoft.com/office/drawing/2010/main">
                 <a:solidFill>
-                  <a:srgbClr val="FFFFFF"/>
+                  <a:schemeClr val="accent1"/>
                 </a:solidFill>
               </a14:hiddenFill>
             </a:ext>
+            <a:ext uri="{91240B29-F687-4F45-9708-019B960494DF}">
+              <a14:hiddenLine xmlns:a14="http://schemas.microsoft.com/office/drawing/2010/main" w="9525">
+                <a:solidFill>
+                  <a:schemeClr val="tx1"/>
+                </a:solidFill>
+                <a:miter lim="800000"/>
+                <a:headEnd/>
+                <a:tailEnd/>
+              </a14:hiddenLine>
+            </a:ext>
+            <a:ext uri="{AF507438-7753-43E0-B8FC-AC1667EBCBE1}">
+              <a14:hiddenEffects xmlns:a14="http://schemas.microsoft.com/office/drawing/2010/main">
+                <a:effectLst>
+                  <a:outerShdw dist="35921" dir="2700000" algn="ctr" rotWithShape="0">
+                    <a:schemeClr val="bg2"/>
+                  </a:outerShdw>
+                </a:effectLst>
+              </a14:hiddenEffects>
+            </a:ext>
           </a:extLst>
         </p:spPr>
       </p:pic>
-      <p:sp>
-        <p:nvSpPr>
-          <p:cNvPr id="5" name="TextBox 4"/>
-          <p:cNvSpPr txBox="1"/>
-          <p:nvPr/>
-        </p:nvSpPr>
-        <p:spPr>
-          <a:xfrm>
-            <a:off x="2555776" y="272987"/>
-            <a:ext cx="4248472" cy="369332"/>
-          </a:xfrm>
-          <a:prstGeom prst="rect">
-            <a:avLst/>
-          </a:prstGeom>
-          <a:noFill/>
-        </p:spPr>
-        <p:txBody>
-          <a:bodyPr wrap="square" rtlCol="0">
-            <a:spAutoFit/>
-          </a:bodyPr>
-          <a:lstStyle/>
-          <a:p>
-            <a:r>
-              <a:rPr lang="ko-KR" altLang="en-US" dirty="0" smtClean="0">
-                <a:solidFill>
-                  <a:schemeClr val="bg1"/>
-                </a:solidFill>
-                <a:latin typeface="HY태백B" pitchFamily="18" charset="-127"/>
-                <a:ea typeface="HY태백B" pitchFamily="18" charset="-127"/>
-              </a:rPr>
-              <a:t>게시물 </a:t>
-            </a:r>
-            <a:r>
-              <a:rPr lang="ko-KR" altLang="en-US" dirty="0" smtClean="0">
-                <a:solidFill>
-                  <a:schemeClr val="bg1"/>
-                </a:solidFill>
-                <a:latin typeface="HY태백B" pitchFamily="18" charset="-127"/>
-                <a:ea typeface="HY태백B" pitchFamily="18" charset="-127"/>
-              </a:rPr>
-              <a:t>목록 </a:t>
-            </a:r>
-            <a:r>
-              <a:rPr lang="ko-KR" altLang="en-US" dirty="0" smtClean="0">
-                <a:solidFill>
-                  <a:schemeClr val="bg1"/>
-                </a:solidFill>
-                <a:latin typeface="HY태백B" pitchFamily="18" charset="-127"/>
-                <a:ea typeface="HY태백B" pitchFamily="18" charset="-127"/>
-              </a:rPr>
-              <a:t>페이지 </a:t>
-            </a:r>
-            <a:r>
-              <a:rPr lang="en-US" altLang="ko-KR" dirty="0" smtClean="0">
-                <a:solidFill>
-                  <a:schemeClr val="bg1"/>
-                </a:solidFill>
-                <a:latin typeface="HY태백B" pitchFamily="18" charset="-127"/>
-                <a:ea typeface="HY태백B" pitchFamily="18" charset="-127"/>
-              </a:rPr>
-              <a:t>– </a:t>
-            </a:r>
-            <a:r>
-              <a:rPr lang="ko-KR" altLang="en-US" dirty="0" smtClean="0">
-                <a:solidFill>
-                  <a:schemeClr val="bg1"/>
-                </a:solidFill>
-                <a:latin typeface="HY태백B" pitchFamily="18" charset="-127"/>
-                <a:ea typeface="HY태백B" pitchFamily="18" charset="-127"/>
-              </a:rPr>
-              <a:t>게시물 내용</a:t>
-            </a:r>
-            <a:endParaRPr lang="ko-KR" altLang="en-US" dirty="0">
-              <a:solidFill>
-                <a:schemeClr val="bg1"/>
-              </a:solidFill>
-              <a:latin typeface="HY태백B" pitchFamily="18" charset="-127"/>
-              <a:ea typeface="HY태백B" pitchFamily="18" charset="-127"/>
-            </a:endParaRPr>
-          </a:p>
-        </p:txBody>
-      </p:sp>
       <p:pic>
         <p:nvPicPr>
-          <p:cNvPr id="5122" name="Picture 2"/>
+          <p:cNvPr id="1028" name="Picture 4" descr="C:\박상아\zum header.PNG"/>
           <p:cNvPicPr>
             <a:picLocks noChangeAspect="1" noChangeArrowheads="1"/>
           </p:cNvPicPr>
@@ -13681,51 +14069,148 @@
         </p:blipFill>
         <p:spPr bwMode="auto">
           <a:xfrm>
-            <a:off x="1607717" y="1340768"/>
-            <a:ext cx="5924550" cy="5105400"/>
-          </a:xfrm>
-          <a:prstGeom prst="rect">
-            <a:avLst/>
-          </a:prstGeom>
-          <a:noFill/>
-          <a:ln>
-            <a:noFill/>
-          </a:ln>
-          <a:effectLst/>
+            <a:off x="-2008" y="0"/>
+            <a:ext cx="9144000" cy="904875"/>
+          </a:xfrm>
+          <a:prstGeom prst="rect">
+            <a:avLst/>
+          </a:prstGeom>
+          <a:noFill/>
           <a:extLst>
             <a:ext uri="{909E8E84-426E-40DD-AFC4-6F175D3DCCD1}">
               <a14:hiddenFill xmlns:a14="http://schemas.microsoft.com/office/drawing/2010/main">
                 <a:solidFill>
-                  <a:schemeClr val="accent1"/>
+                  <a:srgbClr val="FFFFFF"/>
                 </a:solidFill>
               </a14:hiddenFill>
             </a:ext>
-            <a:ext uri="{91240B29-F687-4F45-9708-019B960494DF}">
-              <a14:hiddenLine xmlns:a14="http://schemas.microsoft.com/office/drawing/2010/main" w="9525">
-                <a:solidFill>
-                  <a:schemeClr val="tx1"/>
-                </a:solidFill>
-                <a:miter lim="800000"/>
-                <a:headEnd/>
-                <a:tailEnd/>
-              </a14:hiddenLine>
-            </a:ext>
-            <a:ext uri="{AF507438-7753-43E0-B8FC-AC1667EBCBE1}">
-              <a14:hiddenEffects xmlns:a14="http://schemas.microsoft.com/office/drawing/2010/main">
-                <a:effectLst>
-                  <a:outerShdw dist="35921" dir="2700000" algn="ctr" rotWithShape="0">
-                    <a:schemeClr val="bg2"/>
-                  </a:outerShdw>
-                </a:effectLst>
-              </a14:hiddenEffects>
-            </a:ext>
           </a:extLst>
         </p:spPr>
       </p:pic>
+      <p:sp>
+        <p:nvSpPr>
+          <p:cNvPr id="5" name="TextBox 4"/>
+          <p:cNvSpPr txBox="1"/>
+          <p:nvPr/>
+        </p:nvSpPr>
+        <p:spPr>
+          <a:xfrm>
+            <a:off x="2339753" y="272987"/>
+            <a:ext cx="4320479" cy="369332"/>
+          </a:xfrm>
+          <a:prstGeom prst="rect">
+            <a:avLst/>
+          </a:prstGeom>
+          <a:noFill/>
+        </p:spPr>
+        <p:txBody>
+          <a:bodyPr wrap="square" rtlCol="0">
+            <a:spAutoFit/>
+          </a:bodyPr>
+          <a:lstStyle/>
+          <a:p>
+            <a:r>
+              <a:rPr lang="ko-KR" altLang="en-US" dirty="0" smtClean="0">
+                <a:solidFill>
+                  <a:schemeClr val="bg1"/>
+                </a:solidFill>
+                <a:latin typeface="HY태백B" pitchFamily="18" charset="-127"/>
+                <a:ea typeface="HY태백B" pitchFamily="18" charset="-127"/>
+              </a:rPr>
+              <a:t>게시물 목록 페이지 </a:t>
+            </a:r>
+            <a:r>
+              <a:rPr lang="en-US" altLang="ko-KR" dirty="0" smtClean="0">
+                <a:solidFill>
+                  <a:schemeClr val="bg1"/>
+                </a:solidFill>
+                <a:latin typeface="HY태백B" pitchFamily="18" charset="-127"/>
+                <a:ea typeface="HY태백B" pitchFamily="18" charset="-127"/>
+              </a:rPr>
+              <a:t>– </a:t>
+            </a:r>
+            <a:r>
+              <a:rPr lang="ko-KR" altLang="en-US" dirty="0" smtClean="0">
+                <a:solidFill>
+                  <a:schemeClr val="bg1"/>
+                </a:solidFill>
+                <a:latin typeface="HY태백B" pitchFamily="18" charset="-127"/>
+                <a:ea typeface="HY태백B" pitchFamily="18" charset="-127"/>
+              </a:rPr>
+              <a:t>게시물 내용 확인</a:t>
+            </a:r>
+            <a:endParaRPr lang="ko-KR" altLang="en-US" dirty="0">
+              <a:solidFill>
+                <a:schemeClr val="bg1"/>
+              </a:solidFill>
+              <a:latin typeface="HY태백B" pitchFamily="18" charset="-127"/>
+              <a:ea typeface="HY태백B" pitchFamily="18" charset="-127"/>
+            </a:endParaRPr>
+          </a:p>
+        </p:txBody>
+      </p:sp>
+      <p:sp>
+        <p:nvSpPr>
+          <p:cNvPr id="6" name="모서리가 둥근 직사각형 5"/>
+          <p:cNvSpPr/>
+          <p:nvPr/>
+        </p:nvSpPr>
+        <p:spPr>
+          <a:xfrm>
+            <a:off x="1403648" y="2420888"/>
+            <a:ext cx="2376264" cy="413073"/>
+          </a:xfrm>
+          <a:prstGeom prst="roundRect">
+            <a:avLst/>
+          </a:prstGeom>
+          <a:noFill/>
+          <a:ln>
+            <a:solidFill>
+              <a:schemeClr val="accent2"/>
+            </a:solidFill>
+          </a:ln>
+        </p:spPr>
+        <p:style>
+          <a:lnRef idx="2">
+            <a:schemeClr val="accent1">
+              <a:shade val="50000"/>
+            </a:schemeClr>
+          </a:lnRef>
+          <a:fillRef idx="1">
+            <a:schemeClr val="accent1"/>
+          </a:fillRef>
+          <a:effectRef idx="0">
+            <a:schemeClr val="accent1"/>
+          </a:effectRef>
+          <a:fontRef idx="minor">
+            <a:schemeClr val="lt1"/>
+          </a:fontRef>
+        </p:style>
+        <p:txBody>
+          <a:bodyPr rtlCol="0" anchor="ctr"/>
+          <a:lstStyle/>
+          <a:p>
+            <a:pPr algn="ctr"/>
+            <a:r>
+              <a:rPr lang="ko-KR" altLang="en-US" sz="1000" dirty="0" smtClean="0">
+                <a:solidFill>
+                  <a:srgbClr val="FF0000"/>
+                </a:solidFill>
+              </a:rPr>
+              <a:t>내용 확인</a:t>
+            </a:r>
+            <a:endParaRPr lang="ko-KR" altLang="en-US" sz="1000" dirty="0">
+              <a:solidFill>
+                <a:srgbClr val="FF0000"/>
+              </a:solidFill>
+            </a:endParaRPr>
+          </a:p>
+        </p:txBody>
+      </p:sp>
     </p:spTree>
     <p:extLst>
       <p:ext uri="{BB962C8B-B14F-4D97-AF65-F5344CB8AC3E}">
-        <p14:creationId xmlns:p14="http://schemas.microsoft.com/office/powerpoint/2010/main" val="969472827"/>
+        <p14:creationId xmlns:p14="http://schemas.microsoft.com/office/powerpoint/2010/main" val="1863457111"/>
       </p:ext>
     </p:extLst>
   </p:cSld>
@@ -13808,8 +14293,8 @@
         </p:nvSpPr>
         <p:spPr>
           <a:xfrm>
-            <a:off x="2855431" y="272987"/>
-            <a:ext cx="3377848" cy="369332"/>
+            <a:off x="2555776" y="272987"/>
+            <a:ext cx="4248472" cy="369332"/>
           </a:xfrm>
           <a:prstGeom prst="rect">
             <a:avLst/>
@@ -13817,7 +14302,7 @@
           <a:noFill/>
         </p:spPr>
         <p:txBody>
-          <a:bodyPr wrap="none" rtlCol="0">
+          <a:bodyPr wrap="square" rtlCol="0">
             <a:spAutoFit/>
           </a:bodyPr>
           <a:lstStyle/>
@@ -13830,7 +14315,17 @@
                 <a:latin typeface="HY태백B" pitchFamily="18" charset="-127"/>
                 <a:ea typeface="HY태백B" pitchFamily="18" charset="-127"/>
               </a:rPr>
-              <a:t>게시물 </a:t>
+              <a:t>게시물 목록 페이지 </a:t>
+            </a:r>
+            <a:r>
+              <a:rPr lang="en-US" altLang="ko-KR" dirty="0" smtClean="0">
+                <a:solidFill>
+                  <a:schemeClr val="bg1"/>
+                </a:solidFill>
+                <a:latin typeface="HY태백B" pitchFamily="18" charset="-127"/>
+                <a:ea typeface="HY태백B" pitchFamily="18" charset="-127"/>
+              </a:rPr>
+              <a:t>– </a:t>
             </a:r>
             <a:r>
               <a:rPr lang="ko-KR" altLang="en-US" dirty="0" smtClean="0">
@@ -13840,37 +14335,7 @@
                 <a:latin typeface="HY태백B" pitchFamily="18" charset="-127"/>
                 <a:ea typeface="HY태백B" pitchFamily="18" charset="-127"/>
               </a:rPr>
-              <a:t>목록 </a:t>
-            </a:r>
-            <a:r>
-              <a:rPr lang="ko-KR" altLang="en-US" dirty="0" smtClean="0">
-                <a:solidFill>
-                  <a:schemeClr val="bg1"/>
-                </a:solidFill>
-                <a:latin typeface="HY태백B" pitchFamily="18" charset="-127"/>
-                <a:ea typeface="HY태백B" pitchFamily="18" charset="-127"/>
-              </a:rPr>
-              <a:t>페이지 </a:t>
-            </a:r>
-            <a:r>
-              <a:rPr lang="en-US" altLang="ko-KR" dirty="0" smtClean="0">
-                <a:solidFill>
-                  <a:schemeClr val="bg1"/>
-                </a:solidFill>
-                <a:latin typeface="HY태백B" pitchFamily="18" charset="-127"/>
-                <a:ea typeface="HY태백B" pitchFamily="18" charset="-127"/>
-              </a:rPr>
-              <a:t>– </a:t>
-            </a:r>
-            <a:r>
-              <a:rPr lang="ko-KR" altLang="en-US" dirty="0" err="1" smtClean="0">
-                <a:solidFill>
-                  <a:schemeClr val="bg1"/>
-                </a:solidFill>
-                <a:latin typeface="HY태백B" pitchFamily="18" charset="-127"/>
-                <a:ea typeface="HY태백B" pitchFamily="18" charset="-127"/>
-              </a:rPr>
-              <a:t>로그아웃</a:t>
+              <a:t>게시물 내용</a:t>
             </a:r>
             <a:endParaRPr lang="ko-KR" altLang="en-US" dirty="0">
               <a:solidFill>
@@ -13884,7 +14349,7 @@
       </p:sp>
       <p:pic>
         <p:nvPicPr>
-          <p:cNvPr id="6146" name="Picture 2"/>
+          <p:cNvPr id="5122" name="Picture 2"/>
           <p:cNvPicPr>
             <a:picLocks noChangeAspect="1" noChangeArrowheads="1"/>
           </p:cNvPicPr>
@@ -13905,8 +14370,8 @@
         </p:blipFill>
         <p:spPr bwMode="auto">
           <a:xfrm>
-            <a:off x="1475656" y="1340767"/>
-            <a:ext cx="6552728" cy="4968553"/>
+            <a:off x="1607717" y="1340768"/>
+            <a:ext cx="5924550" cy="5105400"/>
           </a:xfrm>
           <a:prstGeom prst="rect">
             <a:avLst/>
@@ -13946,76 +14411,10 @@
           </a:extLst>
         </p:spPr>
       </p:pic>
-      <p:sp>
-        <p:nvSpPr>
-          <p:cNvPr id="6" name="모서리가 둥근 직사각형 5"/>
-          <p:cNvSpPr/>
-          <p:nvPr/>
-        </p:nvSpPr>
-        <p:spPr>
-          <a:xfrm>
-            <a:off x="6444208" y="1412776"/>
-            <a:ext cx="2376264" cy="485081"/>
-          </a:xfrm>
-          <a:prstGeom prst="roundRect">
-            <a:avLst/>
-          </a:prstGeom>
-          <a:noFill/>
-          <a:ln>
-            <a:solidFill>
-              <a:schemeClr val="accent2"/>
-            </a:solidFill>
-          </a:ln>
-        </p:spPr>
-        <p:style>
-          <a:lnRef idx="2">
-            <a:schemeClr val="accent1">
-              <a:shade val="50000"/>
-            </a:schemeClr>
-          </a:lnRef>
-          <a:fillRef idx="1">
-            <a:schemeClr val="accent1"/>
-          </a:fillRef>
-          <a:effectRef idx="0">
-            <a:schemeClr val="accent1"/>
-          </a:effectRef>
-          <a:fontRef idx="minor">
-            <a:schemeClr val="lt1"/>
-          </a:fontRef>
-        </p:style>
-        <p:txBody>
-          <a:bodyPr rtlCol="0" anchor="ctr"/>
-          <a:lstStyle/>
-          <a:p>
-            <a:pPr algn="ctr"/>
-            <a:r>
-              <a:rPr lang="ko-KR" altLang="en-US" sz="1000" dirty="0" err="1" smtClean="0">
-                <a:solidFill>
-                  <a:srgbClr val="FF0000"/>
-                </a:solidFill>
-              </a:rPr>
-              <a:t>로그아웃</a:t>
-            </a:r>
-            <a:r>
-              <a:rPr lang="ko-KR" altLang="en-US" sz="1000" dirty="0" smtClean="0">
-                <a:solidFill>
-                  <a:srgbClr val="FF0000"/>
-                </a:solidFill>
-              </a:rPr>
-              <a:t> 페이지 이동</a:t>
-            </a:r>
-            <a:endParaRPr lang="ko-KR" altLang="en-US" sz="1000" dirty="0">
-              <a:solidFill>
-                <a:srgbClr val="FF0000"/>
-              </a:solidFill>
-            </a:endParaRPr>
-          </a:p>
-        </p:txBody>
-      </p:sp>
     </p:spTree>
     <p:extLst>
       <p:ext uri="{BB962C8B-B14F-4D97-AF65-F5344CB8AC3E}">
-        <p14:creationId xmlns:p14="http://schemas.microsoft.com/office/powerpoint/2010/main" val="290045555"/>
+        <p14:creationId xmlns:p14="http://schemas.microsoft.com/office/powerpoint/2010/main" val="969472827"/>
       </p:ext>
     </p:extLst>
   </p:cSld>
@@ -14098,6 +14497,276 @@
         </p:nvSpPr>
         <p:spPr>
           <a:xfrm>
+            <a:off x="2855431" y="272987"/>
+            <a:ext cx="3377848" cy="369332"/>
+          </a:xfrm>
+          <a:prstGeom prst="rect">
+            <a:avLst/>
+          </a:prstGeom>
+          <a:noFill/>
+        </p:spPr>
+        <p:txBody>
+          <a:bodyPr wrap="none" rtlCol="0">
+            <a:spAutoFit/>
+          </a:bodyPr>
+          <a:lstStyle/>
+          <a:p>
+            <a:r>
+              <a:rPr lang="ko-KR" altLang="en-US" dirty="0" smtClean="0">
+                <a:solidFill>
+                  <a:schemeClr val="bg1"/>
+                </a:solidFill>
+                <a:latin typeface="HY태백B" pitchFamily="18" charset="-127"/>
+                <a:ea typeface="HY태백B" pitchFamily="18" charset="-127"/>
+              </a:rPr>
+              <a:t>게시물 목록 페이지 </a:t>
+            </a:r>
+            <a:r>
+              <a:rPr lang="en-US" altLang="ko-KR" dirty="0" smtClean="0">
+                <a:solidFill>
+                  <a:schemeClr val="bg1"/>
+                </a:solidFill>
+                <a:latin typeface="HY태백B" pitchFamily="18" charset="-127"/>
+                <a:ea typeface="HY태백B" pitchFamily="18" charset="-127"/>
+              </a:rPr>
+              <a:t>– </a:t>
+            </a:r>
+            <a:r>
+              <a:rPr lang="ko-KR" altLang="en-US" dirty="0" err="1" smtClean="0">
+                <a:solidFill>
+                  <a:schemeClr val="bg1"/>
+                </a:solidFill>
+                <a:latin typeface="HY태백B" pitchFamily="18" charset="-127"/>
+                <a:ea typeface="HY태백B" pitchFamily="18" charset="-127"/>
+              </a:rPr>
+              <a:t>로그아웃</a:t>
+            </a:r>
+            <a:endParaRPr lang="ko-KR" altLang="en-US" dirty="0">
+              <a:solidFill>
+                <a:schemeClr val="bg1"/>
+              </a:solidFill>
+              <a:latin typeface="HY태백B" pitchFamily="18" charset="-127"/>
+              <a:ea typeface="HY태백B" pitchFamily="18" charset="-127"/>
+            </a:endParaRPr>
+          </a:p>
+        </p:txBody>
+      </p:sp>
+      <p:pic>
+        <p:nvPicPr>
+          <p:cNvPr id="6146" name="Picture 2"/>
+          <p:cNvPicPr>
+            <a:picLocks noChangeAspect="1" noChangeArrowheads="1"/>
+          </p:cNvPicPr>
+          <p:nvPr/>
+        </p:nvPicPr>
+        <p:blipFill>
+          <a:blip r:embed="rId3">
+            <a:extLst>
+              <a:ext uri="{28A0092B-C50C-407E-A947-70E740481C1C}">
+                <a14:useLocalDpi xmlns:a14="http://schemas.microsoft.com/office/drawing/2010/main" val="0"/>
+              </a:ext>
+            </a:extLst>
+          </a:blip>
+          <a:srcRect/>
+          <a:stretch>
+            <a:fillRect/>
+          </a:stretch>
+        </p:blipFill>
+        <p:spPr bwMode="auto">
+          <a:xfrm>
+            <a:off x="1475656" y="1340767"/>
+            <a:ext cx="6552728" cy="4968553"/>
+          </a:xfrm>
+          <a:prstGeom prst="rect">
+            <a:avLst/>
+          </a:prstGeom>
+          <a:noFill/>
+          <a:ln>
+            <a:noFill/>
+          </a:ln>
+          <a:effectLst/>
+          <a:extLst>
+            <a:ext uri="{909E8E84-426E-40DD-AFC4-6F175D3DCCD1}">
+              <a14:hiddenFill xmlns:a14="http://schemas.microsoft.com/office/drawing/2010/main">
+                <a:solidFill>
+                  <a:schemeClr val="accent1"/>
+                </a:solidFill>
+              </a14:hiddenFill>
+            </a:ext>
+            <a:ext uri="{91240B29-F687-4F45-9708-019B960494DF}">
+              <a14:hiddenLine xmlns:a14="http://schemas.microsoft.com/office/drawing/2010/main" w="9525">
+                <a:solidFill>
+                  <a:schemeClr val="tx1"/>
+                </a:solidFill>
+                <a:miter lim="800000"/>
+                <a:headEnd/>
+                <a:tailEnd/>
+              </a14:hiddenLine>
+            </a:ext>
+            <a:ext uri="{AF507438-7753-43E0-B8FC-AC1667EBCBE1}">
+              <a14:hiddenEffects xmlns:a14="http://schemas.microsoft.com/office/drawing/2010/main">
+                <a:effectLst>
+                  <a:outerShdw dist="35921" dir="2700000" algn="ctr" rotWithShape="0">
+                    <a:schemeClr val="bg2"/>
+                  </a:outerShdw>
+                </a:effectLst>
+              </a14:hiddenEffects>
+            </a:ext>
+          </a:extLst>
+        </p:spPr>
+      </p:pic>
+      <p:sp>
+        <p:nvSpPr>
+          <p:cNvPr id="6" name="모서리가 둥근 직사각형 5"/>
+          <p:cNvSpPr/>
+          <p:nvPr/>
+        </p:nvSpPr>
+        <p:spPr>
+          <a:xfrm>
+            <a:off x="6444208" y="1412776"/>
+            <a:ext cx="2376264" cy="485081"/>
+          </a:xfrm>
+          <a:prstGeom prst="roundRect">
+            <a:avLst/>
+          </a:prstGeom>
+          <a:noFill/>
+          <a:ln>
+            <a:solidFill>
+              <a:schemeClr val="accent2"/>
+            </a:solidFill>
+          </a:ln>
+        </p:spPr>
+        <p:style>
+          <a:lnRef idx="2">
+            <a:schemeClr val="accent1">
+              <a:shade val="50000"/>
+            </a:schemeClr>
+          </a:lnRef>
+          <a:fillRef idx="1">
+            <a:schemeClr val="accent1"/>
+          </a:fillRef>
+          <a:effectRef idx="0">
+            <a:schemeClr val="accent1"/>
+          </a:effectRef>
+          <a:fontRef idx="minor">
+            <a:schemeClr val="lt1"/>
+          </a:fontRef>
+        </p:style>
+        <p:txBody>
+          <a:bodyPr rtlCol="0" anchor="ctr"/>
+          <a:lstStyle/>
+          <a:p>
+            <a:pPr algn="ctr"/>
+            <a:r>
+              <a:rPr lang="ko-KR" altLang="en-US" sz="1000" dirty="0" err="1" smtClean="0">
+                <a:solidFill>
+                  <a:srgbClr val="FF0000"/>
+                </a:solidFill>
+              </a:rPr>
+              <a:t>로그아웃</a:t>
+            </a:r>
+            <a:r>
+              <a:rPr lang="ko-KR" altLang="en-US" sz="1000" dirty="0" smtClean="0">
+                <a:solidFill>
+                  <a:srgbClr val="FF0000"/>
+                </a:solidFill>
+              </a:rPr>
+              <a:t> 페이지 이동</a:t>
+            </a:r>
+            <a:endParaRPr lang="ko-KR" altLang="en-US" sz="1000" dirty="0">
+              <a:solidFill>
+                <a:srgbClr val="FF0000"/>
+              </a:solidFill>
+            </a:endParaRPr>
+          </a:p>
+        </p:txBody>
+      </p:sp>
+    </p:spTree>
+    <p:extLst>
+      <p:ext uri="{BB962C8B-B14F-4D97-AF65-F5344CB8AC3E}">
+        <p14:creationId xmlns:p14="http://schemas.microsoft.com/office/powerpoint/2010/main" val="290045555"/>
+      </p:ext>
+    </p:extLst>
+  </p:cSld>
+  <p:clrMapOvr>
+    <a:masterClrMapping/>
+  </p:clrMapOvr>
+  <p:timing>
+    <p:tnLst>
+      <p:par>
+        <p:cTn id="1" dur="indefinite" restart="never" nodeType="tmRoot"/>
+      </p:par>
+    </p:tnLst>
+  </p:timing>
+</p:sld>
+</file>
+
+<file path=ppt/slides/slide38.xml><?xml version="1.0" encoding="utf-8"?>
+<p:sld xmlns:a="http://schemas.openxmlformats.org/drawingml/2006/main" xmlns:r="http://schemas.openxmlformats.org/officeDocument/2006/relationships" xmlns:p="http://schemas.openxmlformats.org/presentationml/2006/main">
+  <p:cSld>
+    <p:spTree>
+      <p:nvGrpSpPr>
+        <p:cNvPr id="1" name=""/>
+        <p:cNvGrpSpPr/>
+        <p:nvPr/>
+      </p:nvGrpSpPr>
+      <p:grpSpPr>
+        <a:xfrm>
+          <a:off x="0" y="0"/>
+          <a:ext cx="0" cy="0"/>
+          <a:chOff x="0" y="0"/>
+          <a:chExt cx="0" cy="0"/>
+        </a:xfrm>
+      </p:grpSpPr>
+      <p:pic>
+        <p:nvPicPr>
+          <p:cNvPr id="1028" name="Picture 4" descr="C:\박상아\zum header.PNG"/>
+          <p:cNvPicPr>
+            <a:picLocks noChangeAspect="1" noChangeArrowheads="1"/>
+          </p:cNvPicPr>
+          <p:nvPr/>
+        </p:nvPicPr>
+        <p:blipFill>
+          <a:blip r:embed="rId2">
+            <a:extLst>
+              <a:ext uri="{28A0092B-C50C-407E-A947-70E740481C1C}">
+                <a14:useLocalDpi xmlns:a14="http://schemas.microsoft.com/office/drawing/2010/main" val="0"/>
+              </a:ext>
+            </a:extLst>
+          </a:blip>
+          <a:srcRect/>
+          <a:stretch>
+            <a:fillRect/>
+          </a:stretch>
+        </p:blipFill>
+        <p:spPr bwMode="auto">
+          <a:xfrm>
+            <a:off x="-2008" y="0"/>
+            <a:ext cx="9144000" cy="904875"/>
+          </a:xfrm>
+          <a:prstGeom prst="rect">
+            <a:avLst/>
+          </a:prstGeom>
+          <a:noFill/>
+          <a:extLst>
+            <a:ext uri="{909E8E84-426E-40DD-AFC4-6F175D3DCCD1}">
+              <a14:hiddenFill xmlns:a14="http://schemas.microsoft.com/office/drawing/2010/main">
+                <a:solidFill>
+                  <a:srgbClr val="FFFFFF"/>
+                </a:solidFill>
+              </a14:hiddenFill>
+            </a:ext>
+          </a:extLst>
+        </p:spPr>
+      </p:pic>
+      <p:sp>
+        <p:nvSpPr>
+          <p:cNvPr id="5" name="TextBox 4"/>
+          <p:cNvSpPr txBox="1"/>
+          <p:nvPr/>
+        </p:nvSpPr>
+        <p:spPr>
+          <a:xfrm>
             <a:off x="3563888" y="272987"/>
             <a:ext cx="1877437" cy="369332"/>
           </a:xfrm>
@@ -14226,7 +14895,7 @@
 </p:sld>
 </file>
 
-<file path=ppt/slides/slide38.xml><?xml version="1.0" encoding="utf-8"?>
+<file path=ppt/slides/slide39.xml><?xml version="1.0" encoding="utf-8"?>
 <p:sld xmlns:a="http://schemas.openxmlformats.org/drawingml/2006/main" xmlns:r="http://schemas.openxmlformats.org/officeDocument/2006/relationships" xmlns:p="http://schemas.openxmlformats.org/presentationml/2006/main">
   <p:cSld>
     <p:spTree>
@@ -14437,7 +15106,7 @@
         </p:blipFill>
         <p:spPr bwMode="auto">
           <a:xfrm>
-            <a:off x="-2008" y="0"/>
+            <a:off x="10634" y="0"/>
             <a:ext cx="9144000" cy="904875"/>
           </a:xfrm>
           <a:prstGeom prst="rect">
@@ -14457,7 +15126,7 @@
       </p:pic>
       <p:pic>
         <p:nvPicPr>
-          <p:cNvPr id="2050" name="Picture 2"/>
+          <p:cNvPr id="1027" name="Picture 3"/>
           <p:cNvPicPr>
             <a:picLocks noChangeAspect="1" noChangeArrowheads="1"/>
           </p:cNvPicPr>
@@ -14478,8 +15147,8 @@
         </p:blipFill>
         <p:spPr bwMode="auto">
           <a:xfrm>
-            <a:off x="4707917" y="1196752"/>
-            <a:ext cx="2480519" cy="711870"/>
+            <a:off x="5172025" y="1008909"/>
+            <a:ext cx="2448272" cy="718241"/>
           </a:xfrm>
           <a:prstGeom prst="rect">
             <a:avLst/>
@@ -14516,7 +15185,7 @@
       </p:pic>
       <p:pic>
         <p:nvPicPr>
-          <p:cNvPr id="9" name="Picture 5"/>
+          <p:cNvPr id="1030" name="Picture 6"/>
           <p:cNvPicPr>
             <a:picLocks noChangeAspect="1" noChangeArrowheads="1"/>
           </p:cNvPicPr>
@@ -14537,8 +15206,8 @@
         </p:blipFill>
         <p:spPr bwMode="auto">
           <a:xfrm>
-            <a:off x="683568" y="1341288"/>
-            <a:ext cx="3267405" cy="4680000"/>
+            <a:off x="1095776" y="1263155"/>
+            <a:ext cx="3486387" cy="4680000"/>
           </a:xfrm>
           <a:prstGeom prst="rect">
             <a:avLst/>
@@ -14547,7 +15216,13 @@
           <a:ln>
             <a:noFill/>
           </a:ln>
-          <a:effectLst/>
+          <a:effectLst>
+            <a:innerShdw blurRad="558800" dist="50800" dir="8100000">
+              <a:prstClr val="black">
+                <a:alpha val="4000"/>
+              </a:prstClr>
+            </a:innerShdw>
+          </a:effectLst>
           <a:extLst>
             <a:ext uri="{909E8E84-426E-40DD-AFC4-6F175D3DCCD1}">
               <a14:hiddenFill xmlns:a14="http://schemas.microsoft.com/office/drawing/2010/main">
@@ -14577,8 +15252,8 @@
         </p:nvCxnSpPr>
         <p:spPr>
           <a:xfrm flipV="1">
-            <a:off x="3339765" y="1908622"/>
-            <a:ext cx="1664283" cy="1016322"/>
+            <a:off x="3976096" y="1727150"/>
+            <a:ext cx="1656184" cy="621732"/>
           </a:xfrm>
           <a:prstGeom prst="line">
             <a:avLst/>
@@ -14606,14 +15281,14 @@
       </p:cxnSp>
       <p:sp>
         <p:nvSpPr>
-          <p:cNvPr id="7" name="TextBox 6"/>
+          <p:cNvPr id="8" name="TextBox 7"/>
           <p:cNvSpPr txBox="1"/>
           <p:nvPr/>
         </p:nvSpPr>
         <p:spPr>
           <a:xfrm>
             <a:off x="2526761" y="267771"/>
-            <a:ext cx="4147289" cy="369332"/>
+            <a:ext cx="3916457" cy="369332"/>
           </a:xfrm>
           <a:prstGeom prst="rect">
             <a:avLst/>
@@ -14647,16 +15322,6 @@
               <a:t>– </a:t>
             </a:r>
             <a:r>
-              <a:rPr lang="ko-KR" altLang="en-US" dirty="0" err="1" smtClean="0">
-                <a:solidFill>
-                  <a:schemeClr val="bg1"/>
-                </a:solidFill>
-                <a:latin typeface="HY태백B" pitchFamily="18" charset="-127"/>
-                <a:ea typeface="HY태백B" pitchFamily="18" charset="-127"/>
-              </a:rPr>
-              <a:t>비밀번호</a:t>
-            </a:r>
-            <a:r>
               <a:rPr lang="ko-KR" altLang="en-US" dirty="0" smtClean="0">
                 <a:solidFill>
                   <a:schemeClr val="bg1"/>
@@ -14664,7 +15329,7 @@
                 <a:latin typeface="HY태백B" pitchFamily="18" charset="-127"/>
                 <a:ea typeface="HY태백B" pitchFamily="18" charset="-127"/>
               </a:rPr>
-              <a:t> 유효성 검사</a:t>
+              <a:t>아이디 유효성 검사</a:t>
             </a:r>
             <a:endParaRPr lang="ko-KR" altLang="en-US" dirty="0">
               <a:solidFill>
@@ -14678,7 +15343,7 @@
       </p:sp>
       <p:pic>
         <p:nvPicPr>
-          <p:cNvPr id="2" name="Picture 2"/>
+          <p:cNvPr id="6" name="Picture 3"/>
           <p:cNvPicPr>
             <a:picLocks noChangeAspect="1" noChangeArrowheads="1"/>
           </p:cNvPicPr>
@@ -14699,8 +15364,8 @@
         </p:blipFill>
         <p:spPr bwMode="auto">
           <a:xfrm>
-            <a:off x="4513153" y="3087352"/>
-            <a:ext cx="3932266" cy="1187872"/>
+            <a:off x="5172025" y="3212976"/>
+            <a:ext cx="3000375" cy="1171575"/>
           </a:xfrm>
           <a:prstGeom prst="rect">
             <a:avLst/>
@@ -14743,7 +15408,7 @@
     </p:spTree>
     <p:extLst>
       <p:ext uri="{BB962C8B-B14F-4D97-AF65-F5344CB8AC3E}">
-        <p14:creationId xmlns:p14="http://schemas.microsoft.com/office/powerpoint/2010/main" val="1933393074"/>
+        <p14:creationId xmlns:p14="http://schemas.microsoft.com/office/powerpoint/2010/main" val="3913022410"/>
       </p:ext>
     </p:extLst>
   </p:cSld>
@@ -14820,7 +15485,7 @@
       </p:pic>
       <p:pic>
         <p:nvPicPr>
-          <p:cNvPr id="3074" name="Picture 2"/>
+          <p:cNvPr id="2050" name="Picture 2"/>
           <p:cNvPicPr>
             <a:picLocks noChangeAspect="1" noChangeArrowheads="1"/>
           </p:cNvPicPr>
@@ -14841,15 +15506,20 @@
         </p:blipFill>
         <p:spPr bwMode="auto">
           <a:xfrm>
-            <a:off x="350916" y="1267885"/>
-            <a:ext cx="3571097" cy="4680000"/>
-          </a:xfrm>
-          <a:prstGeom prst="rect">
-            <a:avLst/>
-          </a:prstGeom>
-          <a:noFill/>
-          <a:ln>
-            <a:noFill/>
+            <a:off x="4707917" y="1196752"/>
+            <a:ext cx="2480519" cy="711870"/>
+          </a:xfrm>
+          <a:prstGeom prst="rect">
+            <a:avLst/>
+          </a:prstGeom>
+          <a:noFill/>
+          <a:ln w="9525">
+            <a:solidFill>
+              <a:schemeClr val="accent2"/>
+            </a:solidFill>
+            <a:miter lim="800000"/>
+            <a:headEnd/>
+            <a:tailEnd/>
           </a:ln>
           <a:effectLst/>
           <a:extLst>
@@ -14859,16 +15529,6 @@
                   <a:schemeClr val="accent1"/>
                 </a:solidFill>
               </a14:hiddenFill>
-            </a:ext>
-            <a:ext uri="{91240B29-F687-4F45-9708-019B960494DF}">
-              <a14:hiddenLine xmlns:a14="http://schemas.microsoft.com/office/drawing/2010/main" w="9525">
-                <a:solidFill>
-                  <a:schemeClr val="tx1"/>
-                </a:solidFill>
-                <a:miter lim="800000"/>
-                <a:headEnd/>
-                <a:tailEnd/>
-              </a14:hiddenLine>
             </a:ext>
             <a:ext uri="{AF507438-7753-43E0-B8FC-AC1667EBCBE1}">
               <a14:hiddenEffects xmlns:a14="http://schemas.microsoft.com/office/drawing/2010/main">
@@ -14882,21 +15542,75 @@
           </a:extLst>
         </p:spPr>
       </p:pic>
-      <p:sp>
-        <p:nvSpPr>
-          <p:cNvPr id="4" name="모서리가 둥근 직사각형 3"/>
-          <p:cNvSpPr/>
-          <p:nvPr/>
-        </p:nvSpPr>
+      <p:pic>
+        <p:nvPicPr>
+          <p:cNvPr id="9" name="Picture 5"/>
+          <p:cNvPicPr>
+            <a:picLocks noChangeAspect="1" noChangeArrowheads="1"/>
+          </p:cNvPicPr>
+          <p:nvPr/>
+        </p:nvPicPr>
+        <p:blipFill>
+          <a:blip r:embed="rId4">
+            <a:extLst>
+              <a:ext uri="{28A0092B-C50C-407E-A947-70E740481C1C}">
+                <a14:useLocalDpi xmlns:a14="http://schemas.microsoft.com/office/drawing/2010/main" val="0"/>
+              </a:ext>
+            </a:extLst>
+          </a:blip>
+          <a:srcRect/>
+          <a:stretch>
+            <a:fillRect/>
+          </a:stretch>
+        </p:blipFill>
+        <p:spPr bwMode="auto">
+          <a:xfrm>
+            <a:off x="683568" y="1341288"/>
+            <a:ext cx="3267405" cy="4680000"/>
+          </a:xfrm>
+          <a:prstGeom prst="rect">
+            <a:avLst/>
+          </a:prstGeom>
+          <a:noFill/>
+          <a:ln>
+            <a:noFill/>
+          </a:ln>
+          <a:effectLst/>
+          <a:extLst>
+            <a:ext uri="{909E8E84-426E-40DD-AFC4-6F175D3DCCD1}">
+              <a14:hiddenFill xmlns:a14="http://schemas.microsoft.com/office/drawing/2010/main">
+                <a:solidFill>
+                  <a:schemeClr val="accent1"/>
+                </a:solidFill>
+              </a14:hiddenFill>
+            </a:ext>
+            <a:ext uri="{91240B29-F687-4F45-9708-019B960494DF}">
+              <a14:hiddenLine xmlns:a14="http://schemas.microsoft.com/office/drawing/2010/main" w="9525">
+                <a:solidFill>
+                  <a:schemeClr val="tx1"/>
+                </a:solidFill>
+                <a:miter lim="800000"/>
+                <a:headEnd/>
+                <a:tailEnd/>
+              </a14:hiddenLine>
+            </a:ext>
+          </a:extLst>
+        </p:spPr>
+      </p:pic>
+      <p:cxnSp>
+        <p:nvCxnSpPr>
+          <p:cNvPr id="3" name="직선 연결선 2"/>
+          <p:cNvCxnSpPr/>
+          <p:nvPr/>
+        </p:nvCxnSpPr>
         <p:spPr>
-          <a:xfrm>
-            <a:off x="723693" y="2852061"/>
-            <a:ext cx="1872208" cy="504056"/>
-          </a:xfrm>
-          <a:prstGeom prst="roundRect">
-            <a:avLst/>
-          </a:prstGeom>
-          <a:noFill/>
+          <a:xfrm flipV="1">
+            <a:off x="3339765" y="1908622"/>
+            <a:ext cx="1664283" cy="1016322"/>
+          </a:xfrm>
+          <a:prstGeom prst="line">
+            <a:avLst/>
+          </a:prstGeom>
           <a:ln>
             <a:solidFill>
               <a:schemeClr val="accent2"/>
@@ -14904,40 +15618,30 @@
           </a:ln>
         </p:spPr>
         <p:style>
-          <a:lnRef idx="2">
-            <a:schemeClr val="accent1">
-              <a:shade val="50000"/>
-            </a:schemeClr>
+          <a:lnRef idx="1">
+            <a:schemeClr val="accent1"/>
           </a:lnRef>
-          <a:fillRef idx="1">
+          <a:fillRef idx="0">
             <a:schemeClr val="accent1"/>
           </a:fillRef>
           <a:effectRef idx="0">
             <a:schemeClr val="accent1"/>
           </a:effectRef>
           <a:fontRef idx="minor">
-            <a:schemeClr val="lt1"/>
+            <a:schemeClr val="tx1"/>
           </a:fontRef>
         </p:style>
-        <p:txBody>
-          <a:bodyPr rtlCol="0" anchor="ctr"/>
-          <a:lstStyle/>
-          <a:p>
-            <a:pPr algn="ctr"/>
-            <a:endParaRPr lang="ko-KR" altLang="en-US"/>
-          </a:p>
-        </p:txBody>
-      </p:sp>
+      </p:cxnSp>
       <p:sp>
         <p:nvSpPr>
-          <p:cNvPr id="6" name="TextBox 5"/>
+          <p:cNvPr id="7" name="TextBox 6"/>
           <p:cNvSpPr txBox="1"/>
           <p:nvPr/>
         </p:nvSpPr>
         <p:spPr>
           <a:xfrm>
-            <a:off x="2051721" y="267771"/>
-            <a:ext cx="4968551" cy="369332"/>
+            <a:off x="2526761" y="267771"/>
+            <a:ext cx="4147289" cy="369332"/>
           </a:xfrm>
           <a:prstGeom prst="rect">
             <a:avLst/>
@@ -14945,7 +15649,7 @@
           <a:noFill/>
         </p:spPr>
         <p:txBody>
-          <a:bodyPr wrap="square" rtlCol="0">
+          <a:bodyPr wrap="none" rtlCol="0">
             <a:spAutoFit/>
           </a:bodyPr>
           <a:lstStyle/>
@@ -14971,6 +15675,16 @@
               <a:t>– </a:t>
             </a:r>
             <a:r>
+              <a:rPr lang="ko-KR" altLang="en-US" dirty="0" err="1" smtClean="0">
+                <a:solidFill>
+                  <a:schemeClr val="bg1"/>
+                </a:solidFill>
+                <a:latin typeface="HY태백B" pitchFamily="18" charset="-127"/>
+                <a:ea typeface="HY태백B" pitchFamily="18" charset="-127"/>
+              </a:rPr>
+              <a:t>비밀번호</a:t>
+            </a:r>
+            <a:r>
               <a:rPr lang="ko-KR" altLang="en-US" dirty="0" smtClean="0">
                 <a:solidFill>
                   <a:schemeClr val="bg1"/>
@@ -14978,37 +15692,7 @@
                 <a:latin typeface="HY태백B" pitchFamily="18" charset="-127"/>
                 <a:ea typeface="HY태백B" pitchFamily="18" charset="-127"/>
               </a:rPr>
-              <a:t>아이디 </a:t>
-            </a:r>
-            <a:r>
-              <a:rPr lang="en-US" altLang="ko-KR" dirty="0" smtClean="0">
-                <a:solidFill>
-                  <a:schemeClr val="bg1"/>
-                </a:solidFill>
-                <a:latin typeface="HY태백B" pitchFamily="18" charset="-127"/>
-                <a:ea typeface="HY태백B" pitchFamily="18" charset="-127"/>
-              </a:rPr>
-              <a:t>&amp; </a:t>
-            </a:r>
-            <a:r>
-              <a:rPr lang="ko-KR" altLang="en-US" dirty="0" err="1" smtClean="0">
-                <a:solidFill>
-                  <a:schemeClr val="bg1"/>
-                </a:solidFill>
-                <a:latin typeface="HY태백B" pitchFamily="18" charset="-127"/>
-                <a:ea typeface="HY태백B" pitchFamily="18" charset="-127"/>
-              </a:rPr>
-              <a:t>비밀번호</a:t>
-            </a:r>
-            <a:r>
-              <a:rPr lang="ko-KR" altLang="en-US" dirty="0" smtClean="0">
-                <a:solidFill>
-                  <a:schemeClr val="bg1"/>
-                </a:solidFill>
-                <a:latin typeface="HY태백B" pitchFamily="18" charset="-127"/>
-                <a:ea typeface="HY태백B" pitchFamily="18" charset="-127"/>
-              </a:rPr>
-              <a:t> 일치 검사</a:t>
+              <a:t> 유효성 검사</a:t>
             </a:r>
             <a:endParaRPr lang="ko-KR" altLang="en-US" dirty="0">
               <a:solidFill>
@@ -15029,7 +15713,7 @@
           <p:nvPr/>
         </p:nvPicPr>
         <p:blipFill>
-          <a:blip r:embed="rId4">
+          <a:blip r:embed="rId5">
             <a:extLst>
               <a:ext uri="{28A0092B-C50C-407E-A947-70E740481C1C}">
                 <a14:useLocalDpi xmlns:a14="http://schemas.microsoft.com/office/drawing/2010/main" val="0"/>
@@ -15043,8 +15727,8 @@
         </p:blipFill>
         <p:spPr bwMode="auto">
           <a:xfrm>
-            <a:off x="4076518" y="2564904"/>
-            <a:ext cx="4791113" cy="2304256"/>
+            <a:off x="4513153" y="3087352"/>
+            <a:ext cx="3932266" cy="1187872"/>
           </a:xfrm>
           <a:prstGeom prst="rect">
             <a:avLst/>
@@ -15087,7 +15771,7 @@
     </p:spTree>
     <p:extLst>
       <p:ext uri="{BB962C8B-B14F-4D97-AF65-F5344CB8AC3E}">
-        <p14:creationId xmlns:p14="http://schemas.microsoft.com/office/powerpoint/2010/main" val="4146255674"/>
+        <p14:creationId xmlns:p14="http://schemas.microsoft.com/office/powerpoint/2010/main" val="1933393074"/>
       </p:ext>
     </p:extLst>
   </p:cSld>
@@ -15162,81 +15846,9 @@
           </a:extLst>
         </p:spPr>
       </p:pic>
-      <p:sp>
-        <p:nvSpPr>
-          <p:cNvPr id="6" name="TextBox 5"/>
-          <p:cNvSpPr txBox="1"/>
-          <p:nvPr/>
-        </p:nvSpPr>
-        <p:spPr>
-          <a:xfrm>
-            <a:off x="2843808" y="267771"/>
-            <a:ext cx="3384376" cy="369332"/>
-          </a:xfrm>
-          <a:prstGeom prst="rect">
-            <a:avLst/>
-          </a:prstGeom>
-          <a:noFill/>
-        </p:spPr>
-        <p:txBody>
-          <a:bodyPr wrap="square" rtlCol="0">
-            <a:spAutoFit/>
-          </a:bodyPr>
-          <a:lstStyle/>
-          <a:p>
-            <a:r>
-              <a:rPr lang="ko-KR" altLang="en-US" dirty="0" smtClean="0">
-                <a:solidFill>
-                  <a:schemeClr val="bg1"/>
-                </a:solidFill>
-                <a:latin typeface="HY태백B" pitchFamily="18" charset="-127"/>
-                <a:ea typeface="HY태백B" pitchFamily="18" charset="-127"/>
-              </a:rPr>
-              <a:t>로그인 페이지 </a:t>
-            </a:r>
-            <a:r>
-              <a:rPr lang="en-US" altLang="ko-KR" dirty="0" smtClean="0">
-                <a:solidFill>
-                  <a:schemeClr val="bg1"/>
-                </a:solidFill>
-                <a:latin typeface="HY태백B" pitchFamily="18" charset="-127"/>
-                <a:ea typeface="HY태백B" pitchFamily="18" charset="-127"/>
-              </a:rPr>
-              <a:t>– </a:t>
-            </a:r>
-            <a:r>
-              <a:rPr lang="ko-KR" altLang="en-US" dirty="0" err="1" smtClean="0">
-                <a:solidFill>
-                  <a:schemeClr val="bg1"/>
-                </a:solidFill>
-                <a:latin typeface="HY태백B" pitchFamily="18" charset="-127"/>
-                <a:ea typeface="HY태백B" pitchFamily="18" charset="-127"/>
-              </a:rPr>
-              <a:t>회원가입</a:t>
-            </a:r>
-            <a:r>
-              <a:rPr lang="ko-KR" altLang="en-US" dirty="0" smtClean="0">
-                <a:solidFill>
-                  <a:schemeClr val="bg1"/>
-                </a:solidFill>
-                <a:latin typeface="HY태백B" pitchFamily="18" charset="-127"/>
-                <a:ea typeface="HY태백B" pitchFamily="18" charset="-127"/>
-              </a:rPr>
-              <a:t> 버튼</a:t>
-            </a:r>
-            <a:endParaRPr lang="ko-KR" altLang="en-US" dirty="0">
-              <a:solidFill>
-                <a:schemeClr val="bg1"/>
-              </a:solidFill>
-              <a:latin typeface="HY태백B" pitchFamily="18" charset="-127"/>
-              <a:ea typeface="HY태백B" pitchFamily="18" charset="-127"/>
-            </a:endParaRPr>
-          </a:p>
-        </p:txBody>
-      </p:sp>
       <p:pic>
         <p:nvPicPr>
-          <p:cNvPr id="7" name="Picture 6"/>
+          <p:cNvPr id="3074" name="Picture 2"/>
           <p:cNvPicPr>
             <a:picLocks noChangeAspect="1" noChangeArrowheads="1"/>
           </p:cNvPicPr>
@@ -15257,8 +15869,8 @@
         </p:blipFill>
         <p:spPr bwMode="auto">
           <a:xfrm>
-            <a:off x="2741797" y="1239986"/>
-            <a:ext cx="3486387" cy="4680000"/>
+            <a:off x="350916" y="1267885"/>
+            <a:ext cx="3571097" cy="4680000"/>
           </a:xfrm>
           <a:prstGeom prst="rect">
             <a:avLst/>
@@ -15267,13 +15879,7 @@
           <a:ln>
             <a:noFill/>
           </a:ln>
-          <a:effectLst>
-            <a:innerShdw blurRad="558800" dist="50800" dir="8100000">
-              <a:prstClr val="black">
-                <a:alpha val="4000"/>
-              </a:prstClr>
-            </a:innerShdw>
-          </a:effectLst>
+          <a:effectLst/>
           <a:extLst>
             <a:ext uri="{909E8E84-426E-40DD-AFC4-6F175D3DCCD1}">
               <a14:hiddenFill xmlns:a14="http://schemas.microsoft.com/office/drawing/2010/main">
@@ -15291,6 +15897,15 @@
                 <a:headEnd/>
                 <a:tailEnd/>
               </a14:hiddenLine>
+            </a:ext>
+            <a:ext uri="{AF507438-7753-43E0-B8FC-AC1667EBCBE1}">
+              <a14:hiddenEffects xmlns:a14="http://schemas.microsoft.com/office/drawing/2010/main">
+                <a:effectLst>
+                  <a:outerShdw dist="35921" dir="2700000" algn="ctr" rotWithShape="0">
+                    <a:schemeClr val="bg2"/>
+                  </a:outerShdw>
+                </a:effectLst>
+              </a14:hiddenEffects>
             </a:ext>
           </a:extLst>
         </p:spPr>
@@ -15303,8 +15918,8 @@
         </p:nvSpPr>
         <p:spPr>
           <a:xfrm>
-            <a:off x="4932040" y="3501008"/>
-            <a:ext cx="1872208" cy="582978"/>
+            <a:off x="723693" y="2852061"/>
+            <a:ext cx="1872208" cy="504056"/>
           </a:xfrm>
           <a:prstGeom prst="roundRect">
             <a:avLst/>
@@ -15337,34 +15952,170 @@
           <a:lstStyle/>
           <a:p>
             <a:pPr algn="ctr"/>
-            <a:r>
-              <a:rPr lang="ko-KR" altLang="en-US" sz="1000" dirty="0" err="1" smtClean="0">
-                <a:solidFill>
-                  <a:srgbClr val="FF0000"/>
-                </a:solidFill>
-              </a:rPr>
-              <a:t>회원가입</a:t>
-            </a:r>
-            <a:r>
-              <a:rPr lang="ko-KR" altLang="en-US" sz="1000" dirty="0" smtClean="0">
-                <a:solidFill>
-                  <a:srgbClr val="FF0000"/>
-                </a:solidFill>
-              </a:rPr>
-              <a:t> 페이지 이동</a:t>
-            </a:r>
-            <a:endParaRPr lang="ko-KR" altLang="en-US" sz="1000" dirty="0">
+            <a:endParaRPr lang="ko-KR" altLang="en-US"/>
+          </a:p>
+        </p:txBody>
+      </p:sp>
+      <p:sp>
+        <p:nvSpPr>
+          <p:cNvPr id="6" name="TextBox 5"/>
+          <p:cNvSpPr txBox="1"/>
+          <p:nvPr/>
+        </p:nvSpPr>
+        <p:spPr>
+          <a:xfrm>
+            <a:off x="2051721" y="267771"/>
+            <a:ext cx="4968551" cy="369332"/>
+          </a:xfrm>
+          <a:prstGeom prst="rect">
+            <a:avLst/>
+          </a:prstGeom>
+          <a:noFill/>
+        </p:spPr>
+        <p:txBody>
+          <a:bodyPr wrap="square" rtlCol="0">
+            <a:spAutoFit/>
+          </a:bodyPr>
+          <a:lstStyle/>
+          <a:p>
+            <a:r>
+              <a:rPr lang="ko-KR" altLang="en-US" dirty="0" smtClean="0">
+                <a:solidFill>
+                  <a:schemeClr val="bg1"/>
+                </a:solidFill>
+                <a:latin typeface="HY태백B" pitchFamily="18" charset="-127"/>
+                <a:ea typeface="HY태백B" pitchFamily="18" charset="-127"/>
+              </a:rPr>
+              <a:t>로그인 페이지 </a:t>
+            </a:r>
+            <a:r>
+              <a:rPr lang="en-US" altLang="ko-KR" dirty="0" smtClean="0">
+                <a:solidFill>
+                  <a:schemeClr val="bg1"/>
+                </a:solidFill>
+                <a:latin typeface="HY태백B" pitchFamily="18" charset="-127"/>
+                <a:ea typeface="HY태백B" pitchFamily="18" charset="-127"/>
+              </a:rPr>
+              <a:t>– </a:t>
+            </a:r>
+            <a:r>
+              <a:rPr lang="ko-KR" altLang="en-US" dirty="0" smtClean="0">
+                <a:solidFill>
+                  <a:schemeClr val="bg1"/>
+                </a:solidFill>
+                <a:latin typeface="HY태백B" pitchFamily="18" charset="-127"/>
+                <a:ea typeface="HY태백B" pitchFamily="18" charset="-127"/>
+              </a:rPr>
+              <a:t>아이디 </a:t>
+            </a:r>
+            <a:r>
+              <a:rPr lang="en-US" altLang="ko-KR" dirty="0" smtClean="0">
+                <a:solidFill>
+                  <a:schemeClr val="bg1"/>
+                </a:solidFill>
+                <a:latin typeface="HY태백B" pitchFamily="18" charset="-127"/>
+                <a:ea typeface="HY태백B" pitchFamily="18" charset="-127"/>
+              </a:rPr>
+              <a:t>&amp; </a:t>
+            </a:r>
+            <a:r>
+              <a:rPr lang="ko-KR" altLang="en-US" dirty="0" err="1" smtClean="0">
+                <a:solidFill>
+                  <a:schemeClr val="bg1"/>
+                </a:solidFill>
+                <a:latin typeface="HY태백B" pitchFamily="18" charset="-127"/>
+                <a:ea typeface="HY태백B" pitchFamily="18" charset="-127"/>
+              </a:rPr>
+              <a:t>비밀번호</a:t>
+            </a:r>
+            <a:r>
+              <a:rPr lang="ko-KR" altLang="en-US" dirty="0" smtClean="0">
+                <a:solidFill>
+                  <a:schemeClr val="bg1"/>
+                </a:solidFill>
+                <a:latin typeface="HY태백B" pitchFamily="18" charset="-127"/>
+                <a:ea typeface="HY태백B" pitchFamily="18" charset="-127"/>
+              </a:rPr>
+              <a:t> 일치 검사</a:t>
+            </a:r>
+            <a:endParaRPr lang="ko-KR" altLang="en-US" dirty="0">
               <a:solidFill>
-                <a:srgbClr val="FF0000"/>
+                <a:schemeClr val="bg1"/>
               </a:solidFill>
+              <a:latin typeface="HY태백B" pitchFamily="18" charset="-127"/>
+              <a:ea typeface="HY태백B" pitchFamily="18" charset="-127"/>
             </a:endParaRPr>
           </a:p>
         </p:txBody>
       </p:sp>
+      <p:pic>
+        <p:nvPicPr>
+          <p:cNvPr id="2" name="Picture 2"/>
+          <p:cNvPicPr>
+            <a:picLocks noChangeAspect="1" noChangeArrowheads="1"/>
+          </p:cNvPicPr>
+          <p:nvPr/>
+        </p:nvPicPr>
+        <p:blipFill>
+          <a:blip r:embed="rId4">
+            <a:extLst>
+              <a:ext uri="{28A0092B-C50C-407E-A947-70E740481C1C}">
+                <a14:useLocalDpi xmlns:a14="http://schemas.microsoft.com/office/drawing/2010/main" val="0"/>
+              </a:ext>
+            </a:extLst>
+          </a:blip>
+          <a:srcRect/>
+          <a:stretch>
+            <a:fillRect/>
+          </a:stretch>
+        </p:blipFill>
+        <p:spPr bwMode="auto">
+          <a:xfrm>
+            <a:off x="4076518" y="2564904"/>
+            <a:ext cx="4791113" cy="2304256"/>
+          </a:xfrm>
+          <a:prstGeom prst="rect">
+            <a:avLst/>
+          </a:prstGeom>
+          <a:noFill/>
+          <a:ln>
+            <a:noFill/>
+          </a:ln>
+          <a:effectLst/>
+          <a:extLst>
+            <a:ext uri="{909E8E84-426E-40DD-AFC4-6F175D3DCCD1}">
+              <a14:hiddenFill xmlns:a14="http://schemas.microsoft.com/office/drawing/2010/main">
+                <a:solidFill>
+                  <a:schemeClr val="accent1"/>
+                </a:solidFill>
+              </a14:hiddenFill>
+            </a:ext>
+            <a:ext uri="{91240B29-F687-4F45-9708-019B960494DF}">
+              <a14:hiddenLine xmlns:a14="http://schemas.microsoft.com/office/drawing/2010/main" w="9525">
+                <a:solidFill>
+                  <a:schemeClr val="tx1"/>
+                </a:solidFill>
+                <a:miter lim="800000"/>
+                <a:headEnd/>
+                <a:tailEnd/>
+              </a14:hiddenLine>
+            </a:ext>
+            <a:ext uri="{AF507438-7753-43E0-B8FC-AC1667EBCBE1}">
+              <a14:hiddenEffects xmlns:a14="http://schemas.microsoft.com/office/drawing/2010/main">
+                <a:effectLst>
+                  <a:outerShdw dist="35921" dir="2700000" algn="ctr" rotWithShape="0">
+                    <a:schemeClr val="bg2"/>
+                  </a:outerShdw>
+                </a:effectLst>
+              </a14:hiddenEffects>
+            </a:ext>
+          </a:extLst>
+        </p:spPr>
+      </p:pic>
     </p:spTree>
     <p:extLst>
       <p:ext uri="{BB962C8B-B14F-4D97-AF65-F5344CB8AC3E}">
-        <p14:creationId xmlns:p14="http://schemas.microsoft.com/office/powerpoint/2010/main" val="189712070"/>
+        <p14:creationId xmlns:p14="http://schemas.microsoft.com/office/powerpoint/2010/main" val="4146255674"/>
       </p:ext>
     </p:extLst>
   </p:cSld>
@@ -15421,6 +16172,283 @@
         </p:blipFill>
         <p:spPr bwMode="auto">
           <a:xfrm>
+            <a:off x="-2008" y="0"/>
+            <a:ext cx="9144000" cy="904875"/>
+          </a:xfrm>
+          <a:prstGeom prst="rect">
+            <a:avLst/>
+          </a:prstGeom>
+          <a:noFill/>
+          <a:extLst>
+            <a:ext uri="{909E8E84-426E-40DD-AFC4-6F175D3DCCD1}">
+              <a14:hiddenFill xmlns:a14="http://schemas.microsoft.com/office/drawing/2010/main">
+                <a:solidFill>
+                  <a:srgbClr val="FFFFFF"/>
+                </a:solidFill>
+              </a14:hiddenFill>
+            </a:ext>
+          </a:extLst>
+        </p:spPr>
+      </p:pic>
+      <p:sp>
+        <p:nvSpPr>
+          <p:cNvPr id="6" name="TextBox 5"/>
+          <p:cNvSpPr txBox="1"/>
+          <p:nvPr/>
+        </p:nvSpPr>
+        <p:spPr>
+          <a:xfrm>
+            <a:off x="2843808" y="267771"/>
+            <a:ext cx="3384376" cy="369332"/>
+          </a:xfrm>
+          <a:prstGeom prst="rect">
+            <a:avLst/>
+          </a:prstGeom>
+          <a:noFill/>
+        </p:spPr>
+        <p:txBody>
+          <a:bodyPr wrap="square" rtlCol="0">
+            <a:spAutoFit/>
+          </a:bodyPr>
+          <a:lstStyle/>
+          <a:p>
+            <a:r>
+              <a:rPr lang="ko-KR" altLang="en-US" dirty="0" smtClean="0">
+                <a:solidFill>
+                  <a:schemeClr val="bg1"/>
+                </a:solidFill>
+                <a:latin typeface="HY태백B" pitchFamily="18" charset="-127"/>
+                <a:ea typeface="HY태백B" pitchFamily="18" charset="-127"/>
+              </a:rPr>
+              <a:t>로그인 페이지 </a:t>
+            </a:r>
+            <a:r>
+              <a:rPr lang="en-US" altLang="ko-KR" dirty="0" smtClean="0">
+                <a:solidFill>
+                  <a:schemeClr val="bg1"/>
+                </a:solidFill>
+                <a:latin typeface="HY태백B" pitchFamily="18" charset="-127"/>
+                <a:ea typeface="HY태백B" pitchFamily="18" charset="-127"/>
+              </a:rPr>
+              <a:t>– </a:t>
+            </a:r>
+            <a:r>
+              <a:rPr lang="ko-KR" altLang="en-US" dirty="0" err="1" smtClean="0">
+                <a:solidFill>
+                  <a:schemeClr val="bg1"/>
+                </a:solidFill>
+                <a:latin typeface="HY태백B" pitchFamily="18" charset="-127"/>
+                <a:ea typeface="HY태백B" pitchFamily="18" charset="-127"/>
+              </a:rPr>
+              <a:t>회원가입</a:t>
+            </a:r>
+            <a:r>
+              <a:rPr lang="ko-KR" altLang="en-US" dirty="0" smtClean="0">
+                <a:solidFill>
+                  <a:schemeClr val="bg1"/>
+                </a:solidFill>
+                <a:latin typeface="HY태백B" pitchFamily="18" charset="-127"/>
+                <a:ea typeface="HY태백B" pitchFamily="18" charset="-127"/>
+              </a:rPr>
+              <a:t> 버튼</a:t>
+            </a:r>
+            <a:endParaRPr lang="ko-KR" altLang="en-US" dirty="0">
+              <a:solidFill>
+                <a:schemeClr val="bg1"/>
+              </a:solidFill>
+              <a:latin typeface="HY태백B" pitchFamily="18" charset="-127"/>
+              <a:ea typeface="HY태백B" pitchFamily="18" charset="-127"/>
+            </a:endParaRPr>
+          </a:p>
+        </p:txBody>
+      </p:sp>
+      <p:pic>
+        <p:nvPicPr>
+          <p:cNvPr id="7" name="Picture 6"/>
+          <p:cNvPicPr>
+            <a:picLocks noChangeAspect="1" noChangeArrowheads="1"/>
+          </p:cNvPicPr>
+          <p:nvPr/>
+        </p:nvPicPr>
+        <p:blipFill>
+          <a:blip r:embed="rId3">
+            <a:extLst>
+              <a:ext uri="{28A0092B-C50C-407E-A947-70E740481C1C}">
+                <a14:useLocalDpi xmlns:a14="http://schemas.microsoft.com/office/drawing/2010/main" val="0"/>
+              </a:ext>
+            </a:extLst>
+          </a:blip>
+          <a:srcRect/>
+          <a:stretch>
+            <a:fillRect/>
+          </a:stretch>
+        </p:blipFill>
+        <p:spPr bwMode="auto">
+          <a:xfrm>
+            <a:off x="2741797" y="1239986"/>
+            <a:ext cx="3486387" cy="4680000"/>
+          </a:xfrm>
+          <a:prstGeom prst="rect">
+            <a:avLst/>
+          </a:prstGeom>
+          <a:noFill/>
+          <a:ln>
+            <a:noFill/>
+          </a:ln>
+          <a:effectLst>
+            <a:innerShdw blurRad="558800" dist="50800" dir="8100000">
+              <a:prstClr val="black">
+                <a:alpha val="4000"/>
+              </a:prstClr>
+            </a:innerShdw>
+          </a:effectLst>
+          <a:extLst>
+            <a:ext uri="{909E8E84-426E-40DD-AFC4-6F175D3DCCD1}">
+              <a14:hiddenFill xmlns:a14="http://schemas.microsoft.com/office/drawing/2010/main">
+                <a:solidFill>
+                  <a:schemeClr val="accent1"/>
+                </a:solidFill>
+              </a14:hiddenFill>
+            </a:ext>
+            <a:ext uri="{91240B29-F687-4F45-9708-019B960494DF}">
+              <a14:hiddenLine xmlns:a14="http://schemas.microsoft.com/office/drawing/2010/main" w="9525">
+                <a:solidFill>
+                  <a:schemeClr val="tx1"/>
+                </a:solidFill>
+                <a:miter lim="800000"/>
+                <a:headEnd/>
+                <a:tailEnd/>
+              </a14:hiddenLine>
+            </a:ext>
+          </a:extLst>
+        </p:spPr>
+      </p:pic>
+      <p:sp>
+        <p:nvSpPr>
+          <p:cNvPr id="4" name="모서리가 둥근 직사각형 3"/>
+          <p:cNvSpPr/>
+          <p:nvPr/>
+        </p:nvSpPr>
+        <p:spPr>
+          <a:xfrm>
+            <a:off x="4932040" y="3501008"/>
+            <a:ext cx="1872208" cy="582978"/>
+          </a:xfrm>
+          <a:prstGeom prst="roundRect">
+            <a:avLst/>
+          </a:prstGeom>
+          <a:noFill/>
+          <a:ln>
+            <a:solidFill>
+              <a:schemeClr val="accent2"/>
+            </a:solidFill>
+          </a:ln>
+        </p:spPr>
+        <p:style>
+          <a:lnRef idx="2">
+            <a:schemeClr val="accent1">
+              <a:shade val="50000"/>
+            </a:schemeClr>
+          </a:lnRef>
+          <a:fillRef idx="1">
+            <a:schemeClr val="accent1"/>
+          </a:fillRef>
+          <a:effectRef idx="0">
+            <a:schemeClr val="accent1"/>
+          </a:effectRef>
+          <a:fontRef idx="minor">
+            <a:schemeClr val="lt1"/>
+          </a:fontRef>
+        </p:style>
+        <p:txBody>
+          <a:bodyPr rtlCol="0" anchor="ctr"/>
+          <a:lstStyle/>
+          <a:p>
+            <a:pPr algn="ctr"/>
+            <a:r>
+              <a:rPr lang="ko-KR" altLang="en-US" sz="1000" dirty="0" err="1" smtClean="0">
+                <a:solidFill>
+                  <a:srgbClr val="FF0000"/>
+                </a:solidFill>
+              </a:rPr>
+              <a:t>회원가입</a:t>
+            </a:r>
+            <a:r>
+              <a:rPr lang="ko-KR" altLang="en-US" sz="1000" dirty="0" smtClean="0">
+                <a:solidFill>
+                  <a:srgbClr val="FF0000"/>
+                </a:solidFill>
+              </a:rPr>
+              <a:t> 페이지 이동</a:t>
+            </a:r>
+            <a:endParaRPr lang="ko-KR" altLang="en-US" sz="1000" dirty="0">
+              <a:solidFill>
+                <a:srgbClr val="FF0000"/>
+              </a:solidFill>
+            </a:endParaRPr>
+          </a:p>
+        </p:txBody>
+      </p:sp>
+    </p:spTree>
+    <p:extLst>
+      <p:ext uri="{BB962C8B-B14F-4D97-AF65-F5344CB8AC3E}">
+        <p14:creationId xmlns:p14="http://schemas.microsoft.com/office/powerpoint/2010/main" val="189712070"/>
+      </p:ext>
+    </p:extLst>
+  </p:cSld>
+  <p:clrMapOvr>
+    <a:masterClrMapping/>
+  </p:clrMapOvr>
+  <p:timing>
+    <p:tnLst>
+      <p:par>
+        <p:cTn id="1" dur="indefinite" restart="never" nodeType="tmRoot"/>
+      </p:par>
+    </p:tnLst>
+  </p:timing>
+</p:sld>
+</file>
+
+<file path=ppt/slides/slide8.xml><?xml version="1.0" encoding="utf-8"?>
+<p:sld xmlns:a="http://schemas.openxmlformats.org/drawingml/2006/main" xmlns:r="http://schemas.openxmlformats.org/officeDocument/2006/relationships" xmlns:p="http://schemas.openxmlformats.org/presentationml/2006/main">
+  <p:cSld>
+    <p:spTree>
+      <p:nvGrpSpPr>
+        <p:cNvPr id="1" name=""/>
+        <p:cNvGrpSpPr/>
+        <p:nvPr/>
+      </p:nvGrpSpPr>
+      <p:grpSpPr>
+        <a:xfrm>
+          <a:off x="0" y="0"/>
+          <a:ext cx="0" cy="0"/>
+          <a:chOff x="0" y="0"/>
+          <a:chExt cx="0" cy="0"/>
+        </a:xfrm>
+      </p:grpSpPr>
+      <p:pic>
+        <p:nvPicPr>
+          <p:cNvPr id="1028" name="Picture 4" descr="C:\박상아\zum header.PNG"/>
+          <p:cNvPicPr>
+            <a:picLocks noChangeAspect="1" noChangeArrowheads="1"/>
+          </p:cNvPicPr>
+          <p:nvPr/>
+        </p:nvPicPr>
+        <p:blipFill>
+          <a:blip r:embed="rId2">
+            <a:extLst>
+              <a:ext uri="{28A0092B-C50C-407E-A947-70E740481C1C}">
+                <a14:useLocalDpi xmlns:a14="http://schemas.microsoft.com/office/drawing/2010/main" val="0"/>
+              </a:ext>
+            </a:extLst>
+          </a:blip>
+          <a:srcRect/>
+          <a:stretch>
+            <a:fillRect/>
+          </a:stretch>
+        </p:blipFill>
+        <p:spPr bwMode="auto">
+          <a:xfrm>
             <a:off x="1" y="0"/>
             <a:ext cx="9144000" cy="904875"/>
           </a:xfrm>
@@ -15585,7 +16613,7 @@
 </p:sld>
 </file>
 
-<file path=ppt/slides/slide8.xml><?xml version="1.0" encoding="utf-8"?>
+<file path=ppt/slides/slide9.xml><?xml version="1.0" encoding="utf-8"?>
 <p:sld xmlns:a="http://schemas.openxmlformats.org/drawingml/2006/main" xmlns:r="http://schemas.openxmlformats.org/officeDocument/2006/relationships" xmlns:p="http://schemas.openxmlformats.org/presentationml/2006/main">
   <p:cSld>
     <p:spTree>
@@ -16065,596 +17093,6 @@
     <p:extLst>
       <p:ext uri="{BB962C8B-B14F-4D97-AF65-F5344CB8AC3E}">
         <p14:creationId xmlns:p14="http://schemas.microsoft.com/office/powerpoint/2010/main" val="3624331409"/>
-      </p:ext>
-    </p:extLst>
-  </p:cSld>
-  <p:clrMapOvr>
-    <a:masterClrMapping/>
-  </p:clrMapOvr>
-  <p:timing>
-    <p:tnLst>
-      <p:par>
-        <p:cTn id="1" dur="indefinite" restart="never" nodeType="tmRoot"/>
-      </p:par>
-    </p:tnLst>
-  </p:timing>
-</p:sld>
-</file>
-
-<file path=ppt/slides/slide9.xml><?xml version="1.0" encoding="utf-8"?>
-<p:sld xmlns:a="http://schemas.openxmlformats.org/drawingml/2006/main" xmlns:r="http://schemas.openxmlformats.org/officeDocument/2006/relationships" xmlns:p="http://schemas.openxmlformats.org/presentationml/2006/main">
-  <p:cSld>
-    <p:spTree>
-      <p:nvGrpSpPr>
-        <p:cNvPr id="1" name=""/>
-        <p:cNvGrpSpPr/>
-        <p:nvPr/>
-      </p:nvGrpSpPr>
-      <p:grpSpPr>
-        <a:xfrm>
-          <a:off x="0" y="0"/>
-          <a:ext cx="0" cy="0"/>
-          <a:chOff x="0" y="0"/>
-          <a:chExt cx="0" cy="0"/>
-        </a:xfrm>
-      </p:grpSpPr>
-      <p:sp>
-        <p:nvSpPr>
-          <p:cNvPr id="7" name="직사각형 6"/>
-          <p:cNvSpPr/>
-          <p:nvPr/>
-        </p:nvSpPr>
-        <p:spPr>
-          <a:xfrm>
-            <a:off x="4355976" y="904875"/>
-            <a:ext cx="4788025" cy="5953125"/>
-          </a:xfrm>
-          <a:prstGeom prst="rect">
-            <a:avLst/>
-          </a:prstGeom>
-          <a:solidFill>
-            <a:srgbClr val="FFFFFF"/>
-          </a:solidFill>
-          <a:ln>
-            <a:noFill/>
-          </a:ln>
-        </p:spPr>
-        <p:style>
-          <a:lnRef idx="2">
-            <a:schemeClr val="accent1">
-              <a:shade val="50000"/>
-            </a:schemeClr>
-          </a:lnRef>
-          <a:fillRef idx="1">
-            <a:schemeClr val="accent1"/>
-          </a:fillRef>
-          <a:effectRef idx="0">
-            <a:schemeClr val="accent1"/>
-          </a:effectRef>
-          <a:fontRef idx="minor">
-            <a:schemeClr val="lt1"/>
-          </a:fontRef>
-        </p:style>
-        <p:txBody>
-          <a:bodyPr rtlCol="0" anchor="ctr"/>
-          <a:lstStyle/>
-          <a:p>
-            <a:pPr algn="ctr"/>
-            <a:endParaRPr lang="ko-KR" altLang="en-US" dirty="0">
-              <a:solidFill>
-                <a:schemeClr val="tx1">
-                  <a:lumMod val="85000"/>
-                  <a:lumOff val="15000"/>
-                </a:schemeClr>
-              </a:solidFill>
-            </a:endParaRPr>
-          </a:p>
-        </p:txBody>
-      </p:sp>
-      <p:pic>
-        <p:nvPicPr>
-          <p:cNvPr id="4098" name="Picture 2"/>
-          <p:cNvPicPr>
-            <a:picLocks noChangeAspect="1" noChangeArrowheads="1"/>
-          </p:cNvPicPr>
-          <p:nvPr/>
-        </p:nvPicPr>
-        <p:blipFill>
-          <a:blip r:embed="rId2">
-            <a:extLst>
-              <a:ext uri="{28A0092B-C50C-407E-A947-70E740481C1C}">
-                <a14:useLocalDpi xmlns:a14="http://schemas.microsoft.com/office/drawing/2010/main" val="0"/>
-              </a:ext>
-            </a:extLst>
-          </a:blip>
-          <a:srcRect/>
-          <a:stretch>
-            <a:fillRect/>
-          </a:stretch>
-        </p:blipFill>
-        <p:spPr bwMode="auto">
-          <a:xfrm>
-            <a:off x="107504" y="1010557"/>
-            <a:ext cx="4143568" cy="5754191"/>
-          </a:xfrm>
-          <a:prstGeom prst="rect">
-            <a:avLst/>
-          </a:prstGeom>
-          <a:noFill/>
-          <a:ln>
-            <a:noFill/>
-          </a:ln>
-          <a:effectLst/>
-          <a:extLst>
-            <a:ext uri="{909E8E84-426E-40DD-AFC4-6F175D3DCCD1}">
-              <a14:hiddenFill xmlns:a14="http://schemas.microsoft.com/office/drawing/2010/main">
-                <a:solidFill>
-                  <a:schemeClr val="accent1"/>
-                </a:solidFill>
-              </a14:hiddenFill>
-            </a:ext>
-            <a:ext uri="{91240B29-F687-4F45-9708-019B960494DF}">
-              <a14:hiddenLine xmlns:a14="http://schemas.microsoft.com/office/drawing/2010/main" w="9525">
-                <a:solidFill>
-                  <a:schemeClr val="tx1"/>
-                </a:solidFill>
-                <a:miter lim="800000"/>
-                <a:headEnd/>
-                <a:tailEnd/>
-              </a14:hiddenLine>
-            </a:ext>
-            <a:ext uri="{AF507438-7753-43E0-B8FC-AC1667EBCBE1}">
-              <a14:hiddenEffects xmlns:a14="http://schemas.microsoft.com/office/drawing/2010/main">
-                <a:effectLst>
-                  <a:outerShdw dist="35921" dir="2700000" algn="ctr" rotWithShape="0">
-                    <a:schemeClr val="bg2"/>
-                  </a:outerShdw>
-                </a:effectLst>
-              </a14:hiddenEffects>
-            </a:ext>
-          </a:extLst>
-        </p:spPr>
-      </p:pic>
-      <p:pic>
-        <p:nvPicPr>
-          <p:cNvPr id="1028" name="Picture 4" descr="C:\박상아\zum header.PNG"/>
-          <p:cNvPicPr>
-            <a:picLocks noChangeAspect="1" noChangeArrowheads="1"/>
-          </p:cNvPicPr>
-          <p:nvPr/>
-        </p:nvPicPr>
-        <p:blipFill>
-          <a:blip r:embed="rId3">
-            <a:extLst>
-              <a:ext uri="{28A0092B-C50C-407E-A947-70E740481C1C}">
-                <a14:useLocalDpi xmlns:a14="http://schemas.microsoft.com/office/drawing/2010/main" val="0"/>
-              </a:ext>
-            </a:extLst>
-          </a:blip>
-          <a:srcRect/>
-          <a:stretch>
-            <a:fillRect/>
-          </a:stretch>
-        </p:blipFill>
-        <p:spPr bwMode="auto">
-          <a:xfrm>
-            <a:off x="1" y="0"/>
-            <a:ext cx="9144000" cy="904875"/>
-          </a:xfrm>
-          <a:prstGeom prst="rect">
-            <a:avLst/>
-          </a:prstGeom>
-          <a:noFill/>
-          <a:extLst>
-            <a:ext uri="{909E8E84-426E-40DD-AFC4-6F175D3DCCD1}">
-              <a14:hiddenFill xmlns:a14="http://schemas.microsoft.com/office/drawing/2010/main">
-                <a:solidFill>
-                  <a:srgbClr val="FFFFFF"/>
-                </a:solidFill>
-              </a14:hiddenFill>
-            </a:ext>
-          </a:extLst>
-        </p:spPr>
-      </p:pic>
-      <p:sp>
-        <p:nvSpPr>
-          <p:cNvPr id="5" name="TextBox 4"/>
-          <p:cNvSpPr txBox="1"/>
-          <p:nvPr/>
-        </p:nvSpPr>
-        <p:spPr>
-          <a:xfrm>
-            <a:off x="2548672" y="267771"/>
-            <a:ext cx="4147289" cy="369332"/>
-          </a:xfrm>
-          <a:prstGeom prst="rect">
-            <a:avLst/>
-          </a:prstGeom>
-          <a:noFill/>
-        </p:spPr>
-        <p:txBody>
-          <a:bodyPr wrap="none" rtlCol="0">
-            <a:spAutoFit/>
-          </a:bodyPr>
-          <a:lstStyle/>
-          <a:p>
-            <a:r>
-              <a:rPr lang="ko-KR" altLang="en-US" dirty="0" smtClean="0">
-                <a:solidFill>
-                  <a:schemeClr val="bg1"/>
-                </a:solidFill>
-                <a:latin typeface="HY태백B" pitchFamily="18" charset="-127"/>
-                <a:ea typeface="HY태백B" pitchFamily="18" charset="-127"/>
-              </a:rPr>
-              <a:t>회원가</a:t>
-            </a:r>
-            <a:r>
-              <a:rPr lang="ko-KR" altLang="en-US" dirty="0">
-                <a:solidFill>
-                  <a:schemeClr val="bg1"/>
-                </a:solidFill>
-                <a:latin typeface="HY태백B" pitchFamily="18" charset="-127"/>
-                <a:ea typeface="HY태백B" pitchFamily="18" charset="-127"/>
-              </a:rPr>
-              <a:t>입</a:t>
-            </a:r>
-            <a:r>
-              <a:rPr lang="ko-KR" altLang="en-US" dirty="0" smtClean="0">
-                <a:solidFill>
-                  <a:schemeClr val="bg1"/>
-                </a:solidFill>
-                <a:latin typeface="HY태백B" pitchFamily="18" charset="-127"/>
-                <a:ea typeface="HY태백B" pitchFamily="18" charset="-127"/>
-              </a:rPr>
-              <a:t> 페이지 </a:t>
-            </a:r>
-            <a:r>
-              <a:rPr lang="en-US" altLang="ko-KR" dirty="0" smtClean="0">
-                <a:solidFill>
-                  <a:schemeClr val="bg1"/>
-                </a:solidFill>
-                <a:latin typeface="HY태백B" pitchFamily="18" charset="-127"/>
-                <a:ea typeface="HY태백B" pitchFamily="18" charset="-127"/>
-              </a:rPr>
-              <a:t>– </a:t>
-            </a:r>
-            <a:r>
-              <a:rPr lang="ko-KR" altLang="en-US" dirty="0" smtClean="0">
-                <a:solidFill>
-                  <a:schemeClr val="bg1"/>
-                </a:solidFill>
-                <a:latin typeface="HY태백B" pitchFamily="18" charset="-127"/>
-                <a:ea typeface="HY태백B" pitchFamily="18" charset="-127"/>
-              </a:rPr>
-              <a:t>아이디 유효성 검사</a:t>
-            </a:r>
-            <a:endParaRPr lang="ko-KR" altLang="en-US" dirty="0">
-              <a:solidFill>
-                <a:schemeClr val="bg1"/>
-              </a:solidFill>
-              <a:latin typeface="HY태백B" pitchFamily="18" charset="-127"/>
-              <a:ea typeface="HY태백B" pitchFamily="18" charset="-127"/>
-            </a:endParaRPr>
-          </a:p>
-        </p:txBody>
-      </p:sp>
-      <p:cxnSp>
-        <p:nvCxnSpPr>
-          <p:cNvPr id="8" name="직선 연결선 7"/>
-          <p:cNvCxnSpPr/>
-          <p:nvPr/>
-        </p:nvCxnSpPr>
-        <p:spPr>
-          <a:xfrm flipV="1">
-            <a:off x="3635896" y="1484784"/>
-            <a:ext cx="252028" cy="366990"/>
-          </a:xfrm>
-          <a:prstGeom prst="line">
-            <a:avLst/>
-          </a:prstGeom>
-          <a:ln>
-            <a:solidFill>
-              <a:schemeClr val="accent2"/>
-            </a:solidFill>
-          </a:ln>
-        </p:spPr>
-        <p:style>
-          <a:lnRef idx="1">
-            <a:schemeClr val="accent1"/>
-          </a:lnRef>
-          <a:fillRef idx="0">
-            <a:schemeClr val="accent1"/>
-          </a:fillRef>
-          <a:effectRef idx="0">
-            <a:schemeClr val="accent1"/>
-          </a:effectRef>
-          <a:fontRef idx="minor">
-            <a:schemeClr val="tx1"/>
-          </a:fontRef>
-        </p:style>
-      </p:cxnSp>
-      <p:pic>
-        <p:nvPicPr>
-          <p:cNvPr id="4099" name="Picture 3"/>
-          <p:cNvPicPr>
-            <a:picLocks noChangeAspect="1" noChangeArrowheads="1"/>
-          </p:cNvPicPr>
-          <p:nvPr/>
-        </p:nvPicPr>
-        <p:blipFill>
-          <a:blip r:embed="rId4">
-            <a:extLst>
-              <a:ext uri="{28A0092B-C50C-407E-A947-70E740481C1C}">
-                <a14:useLocalDpi xmlns:a14="http://schemas.microsoft.com/office/drawing/2010/main" val="0"/>
-              </a:ext>
-            </a:extLst>
-          </a:blip>
-          <a:srcRect/>
-          <a:stretch>
-            <a:fillRect/>
-          </a:stretch>
-        </p:blipFill>
-        <p:spPr bwMode="auto">
-          <a:xfrm>
-            <a:off x="3878483" y="1079214"/>
-            <a:ext cx="3420379" cy="981634"/>
-          </a:xfrm>
-          <a:prstGeom prst="rect">
-            <a:avLst/>
-          </a:prstGeom>
-          <a:noFill/>
-          <a:ln w="9525">
-            <a:solidFill>
-              <a:schemeClr val="accent2"/>
-            </a:solidFill>
-            <a:miter lim="800000"/>
-            <a:headEnd/>
-            <a:tailEnd/>
-          </a:ln>
-          <a:effectLst>
-            <a:outerShdw blurRad="50800" dist="38100" dir="2700000" algn="tl" rotWithShape="0">
-              <a:prstClr val="black">
-                <a:alpha val="40000"/>
-              </a:prstClr>
-            </a:outerShdw>
-          </a:effectLst>
-          <a:extLst>
-            <a:ext uri="{909E8E84-426E-40DD-AFC4-6F175D3DCCD1}">
-              <a14:hiddenFill xmlns:a14="http://schemas.microsoft.com/office/drawing/2010/main">
-                <a:solidFill>
-                  <a:schemeClr val="accent1"/>
-                </a:solidFill>
-              </a14:hiddenFill>
-            </a:ext>
-          </a:extLst>
-        </p:spPr>
-      </p:pic>
-      <p:pic>
-        <p:nvPicPr>
-          <p:cNvPr id="2050" name="Picture 2"/>
-          <p:cNvPicPr>
-            <a:picLocks noChangeAspect="1" noChangeArrowheads="1"/>
-          </p:cNvPicPr>
-          <p:nvPr/>
-        </p:nvPicPr>
-        <p:blipFill>
-          <a:blip r:embed="rId5">
-            <a:extLst>
-              <a:ext uri="{28A0092B-C50C-407E-A947-70E740481C1C}">
-                <a14:useLocalDpi xmlns:a14="http://schemas.microsoft.com/office/drawing/2010/main" val="0"/>
-              </a:ext>
-            </a:extLst>
-          </a:blip>
-          <a:srcRect/>
-          <a:stretch>
-            <a:fillRect/>
-          </a:stretch>
-        </p:blipFill>
-        <p:spPr bwMode="auto">
-          <a:xfrm>
-            <a:off x="4572001" y="2204864"/>
-            <a:ext cx="4159186" cy="2722376"/>
-          </a:xfrm>
-          <a:prstGeom prst="rect">
-            <a:avLst/>
-          </a:prstGeom>
-          <a:noFill/>
-          <a:ln>
-            <a:noFill/>
-          </a:ln>
-          <a:effectLst/>
-          <a:extLst>
-            <a:ext uri="{909E8E84-426E-40DD-AFC4-6F175D3DCCD1}">
-              <a14:hiddenFill xmlns:a14="http://schemas.microsoft.com/office/drawing/2010/main">
-                <a:solidFill>
-                  <a:schemeClr val="accent1"/>
-                </a:solidFill>
-              </a14:hiddenFill>
-            </a:ext>
-            <a:ext uri="{91240B29-F687-4F45-9708-019B960494DF}">
-              <a14:hiddenLine xmlns:a14="http://schemas.microsoft.com/office/drawing/2010/main" w="9525">
-                <a:solidFill>
-                  <a:schemeClr val="tx1"/>
-                </a:solidFill>
-                <a:miter lim="800000"/>
-                <a:headEnd/>
-                <a:tailEnd/>
-              </a14:hiddenLine>
-            </a:ext>
-            <a:ext uri="{AF507438-7753-43E0-B8FC-AC1667EBCBE1}">
-              <a14:hiddenEffects xmlns:a14="http://schemas.microsoft.com/office/drawing/2010/main">
-                <a:effectLst>
-                  <a:outerShdw dist="35921" dir="2700000" algn="ctr" rotWithShape="0">
-                    <a:schemeClr val="bg2"/>
-                  </a:outerShdw>
-                </a:effectLst>
-              </a14:hiddenEffects>
-            </a:ext>
-          </a:extLst>
-        </p:spPr>
-      </p:pic>
-      <p:sp>
-        <p:nvSpPr>
-          <p:cNvPr id="2" name="TextBox 1"/>
-          <p:cNvSpPr txBox="1"/>
-          <p:nvPr/>
-        </p:nvSpPr>
-        <p:spPr>
-          <a:xfrm>
-            <a:off x="4427984" y="4643844"/>
-            <a:ext cx="356188" cy="369332"/>
-          </a:xfrm>
-          <a:prstGeom prst="rect">
-            <a:avLst/>
-          </a:prstGeom>
-          <a:noFill/>
-        </p:spPr>
-        <p:txBody>
-          <a:bodyPr wrap="none" rtlCol="0">
-            <a:spAutoFit/>
-          </a:bodyPr>
-          <a:lstStyle/>
-          <a:p>
-            <a:r>
-              <a:rPr lang="en-US" altLang="ko-KR" dirty="0" smtClean="0"/>
-              <a:t>…</a:t>
-            </a:r>
-            <a:endParaRPr lang="ko-KR" altLang="en-US" dirty="0"/>
-          </a:p>
-        </p:txBody>
-      </p:sp>
-      <p:pic>
-        <p:nvPicPr>
-          <p:cNvPr id="13" name="Picture 2"/>
-          <p:cNvPicPr>
-            <a:picLocks noChangeAspect="1" noChangeArrowheads="1"/>
-          </p:cNvPicPr>
-          <p:nvPr/>
-        </p:nvPicPr>
-        <p:blipFill>
-          <a:blip r:embed="rId5">
-            <a:extLst>
-              <a:ext uri="{28A0092B-C50C-407E-A947-70E740481C1C}">
-                <a14:useLocalDpi xmlns:a14="http://schemas.microsoft.com/office/drawing/2010/main" val="0"/>
-              </a:ext>
-            </a:extLst>
-          </a:blip>
-          <a:srcRect/>
-          <a:stretch>
-            <a:fillRect/>
-          </a:stretch>
-        </p:blipFill>
-        <p:spPr bwMode="auto">
-          <a:xfrm>
-            <a:off x="4496481" y="2218792"/>
-            <a:ext cx="4049174" cy="2650368"/>
-          </a:xfrm>
-          <a:prstGeom prst="rect">
-            <a:avLst/>
-          </a:prstGeom>
-          <a:noFill/>
-          <a:ln>
-            <a:noFill/>
-          </a:ln>
-          <a:effectLst/>
-          <a:extLst>
-            <a:ext uri="{909E8E84-426E-40DD-AFC4-6F175D3DCCD1}">
-              <a14:hiddenFill xmlns:a14="http://schemas.microsoft.com/office/drawing/2010/main">
-                <a:solidFill>
-                  <a:schemeClr val="accent1"/>
-                </a:solidFill>
-              </a14:hiddenFill>
-            </a:ext>
-            <a:ext uri="{91240B29-F687-4F45-9708-019B960494DF}">
-              <a14:hiddenLine xmlns:a14="http://schemas.microsoft.com/office/drawing/2010/main" w="9525">
-                <a:solidFill>
-                  <a:schemeClr val="tx1"/>
-                </a:solidFill>
-                <a:miter lim="800000"/>
-                <a:headEnd/>
-                <a:tailEnd/>
-              </a14:hiddenLine>
-            </a:ext>
-            <a:ext uri="{AF507438-7753-43E0-B8FC-AC1667EBCBE1}">
-              <a14:hiddenEffects xmlns:a14="http://schemas.microsoft.com/office/drawing/2010/main">
-                <a:effectLst>
-                  <a:outerShdw dist="35921" dir="2700000" algn="ctr" rotWithShape="0">
-                    <a:schemeClr val="bg2"/>
-                  </a:outerShdw>
-                </a:effectLst>
-              </a14:hiddenEffects>
-            </a:ext>
-          </a:extLst>
-        </p:spPr>
-      </p:pic>
-      <p:pic>
-        <p:nvPicPr>
-          <p:cNvPr id="2053" name="Picture 5"/>
-          <p:cNvPicPr>
-            <a:picLocks noChangeAspect="1" noChangeArrowheads="1"/>
-          </p:cNvPicPr>
-          <p:nvPr/>
-        </p:nvPicPr>
-        <p:blipFill>
-          <a:blip r:embed="rId6">
-            <a:extLst>
-              <a:ext uri="{28A0092B-C50C-407E-A947-70E740481C1C}">
-                <a14:useLocalDpi xmlns:a14="http://schemas.microsoft.com/office/drawing/2010/main" val="0"/>
-              </a:ext>
-            </a:extLst>
-          </a:blip>
-          <a:srcRect/>
-          <a:stretch>
-            <a:fillRect/>
-          </a:stretch>
-        </p:blipFill>
-        <p:spPr bwMode="auto">
-          <a:xfrm>
-            <a:off x="4487040" y="4988889"/>
-            <a:ext cx="4648022" cy="1660008"/>
-          </a:xfrm>
-          <a:prstGeom prst="rect">
-            <a:avLst/>
-          </a:prstGeom>
-          <a:noFill/>
-          <a:ln>
-            <a:noFill/>
-          </a:ln>
-          <a:effectLst/>
-          <a:extLst>
-            <a:ext uri="{909E8E84-426E-40DD-AFC4-6F175D3DCCD1}">
-              <a14:hiddenFill xmlns:a14="http://schemas.microsoft.com/office/drawing/2010/main">
-                <a:solidFill>
-                  <a:schemeClr val="accent1"/>
-                </a:solidFill>
-              </a14:hiddenFill>
-            </a:ext>
-            <a:ext uri="{91240B29-F687-4F45-9708-019B960494DF}">
-              <a14:hiddenLine xmlns:a14="http://schemas.microsoft.com/office/drawing/2010/main" w="9525">
-                <a:solidFill>
-                  <a:schemeClr val="tx1"/>
-                </a:solidFill>
-                <a:miter lim="800000"/>
-                <a:headEnd/>
-                <a:tailEnd/>
-              </a14:hiddenLine>
-            </a:ext>
-            <a:ext uri="{AF507438-7753-43E0-B8FC-AC1667EBCBE1}">
-              <a14:hiddenEffects xmlns:a14="http://schemas.microsoft.com/office/drawing/2010/main">
-                <a:effectLst>
-                  <a:outerShdw dist="35921" dir="2700000" algn="ctr" rotWithShape="0">
-                    <a:schemeClr val="bg2"/>
-                  </a:outerShdw>
-                </a:effectLst>
-              </a14:hiddenEffects>
-            </a:ext>
-          </a:extLst>
-        </p:spPr>
-      </p:pic>
-    </p:spTree>
-    <p:extLst>
-      <p:ext uri="{BB962C8B-B14F-4D97-AF65-F5344CB8AC3E}">
-        <p14:creationId xmlns:p14="http://schemas.microsoft.com/office/powerpoint/2010/main" val="1818897345"/>
       </p:ext>
     </p:extLst>
   </p:cSld>

--- a/TeamProjectSaCyHs/WebContent/doc/Project MUZ_상아_찬양_환상.pptx
+++ b/TeamProjectSaCyHs/WebContent/doc/Project MUZ_상아_찬양_환상.pptx
@@ -4935,7 +4935,7 @@
       </p:pic>
       <p:pic>
         <p:nvPicPr>
-          <p:cNvPr id="4100" name="Picture 4"/>
+          <p:cNvPr id="1026" name="Picture 2"/>
           <p:cNvPicPr>
             <a:picLocks noChangeAspect="1" noChangeArrowheads="1"/>
           </p:cNvPicPr>
@@ -4956,8 +4956,8 @@
         </p:blipFill>
         <p:spPr bwMode="auto">
           <a:xfrm>
-            <a:off x="4432148" y="2976766"/>
-            <a:ext cx="4657827" cy="346139"/>
+            <a:off x="4394062" y="2996952"/>
+            <a:ext cx="4733999" cy="370607"/>
           </a:xfrm>
           <a:prstGeom prst="rect">
             <a:avLst/>
@@ -8647,17 +8647,7 @@
                 <a:latin typeface="HY태백B" pitchFamily="18" charset="-127"/>
                 <a:ea typeface="HY태백B" pitchFamily="18" charset="-127"/>
               </a:rPr>
-              <a:t>로그인 </a:t>
-            </a:r>
-            <a:r>
-              <a:rPr lang="ko-KR" altLang="en-US" sz="2400" dirty="0" smtClean="0">
-                <a:solidFill>
-                  <a:schemeClr val="bg1"/>
-                </a:solidFill>
-                <a:latin typeface="HY태백B" pitchFamily="18" charset="-127"/>
-                <a:ea typeface="HY태백B" pitchFamily="18" charset="-127"/>
-              </a:rPr>
-              <a:t>페이지 </a:t>
+              <a:t>로그인 페이지 </a:t>
             </a:r>
             <a:r>
               <a:rPr lang="en-US" altLang="ko-KR" sz="2400" dirty="0" smtClean="0">
@@ -8735,17 +8725,7 @@
                 <a:latin typeface="HY태백B" pitchFamily="18" charset="-127"/>
                 <a:ea typeface="HY태백B" pitchFamily="18" charset="-127"/>
               </a:rPr>
-              <a:t> </a:t>
-            </a:r>
-            <a:r>
-              <a:rPr lang="ko-KR" altLang="en-US" sz="2400" dirty="0" smtClean="0">
-                <a:solidFill>
-                  <a:schemeClr val="bg1"/>
-                </a:solidFill>
-                <a:latin typeface="HY태백B" pitchFamily="18" charset="-127"/>
-                <a:ea typeface="HY태백B" pitchFamily="18" charset="-127"/>
-              </a:rPr>
-              <a:t>페이지 </a:t>
+              <a:t> 페이지 </a:t>
             </a:r>
             <a:r>
               <a:rPr lang="en-US" altLang="ko-KR" sz="2400" dirty="0" smtClean="0">
@@ -8813,17 +8793,7 @@
                 <a:latin typeface="HY태백B" pitchFamily="18" charset="-127"/>
                 <a:ea typeface="HY태백B" pitchFamily="18" charset="-127"/>
               </a:rPr>
-              <a:t>게시판 상세 </a:t>
-            </a:r>
-            <a:r>
-              <a:rPr lang="ko-KR" altLang="en-US" sz="2400" dirty="0" smtClean="0">
-                <a:solidFill>
-                  <a:schemeClr val="bg1"/>
-                </a:solidFill>
-                <a:latin typeface="HY태백B" pitchFamily="18" charset="-127"/>
-                <a:ea typeface="HY태백B" pitchFamily="18" charset="-127"/>
-              </a:rPr>
-              <a:t>페이지 </a:t>
+              <a:t>게시판 상세 페이지 </a:t>
             </a:r>
             <a:r>
               <a:rPr lang="en-US" altLang="ko-KR" sz="2400" dirty="0" smtClean="0">
@@ -8891,17 +8861,7 @@
                 <a:latin typeface="HY태백B" pitchFamily="18" charset="-127"/>
                 <a:ea typeface="HY태백B" pitchFamily="18" charset="-127"/>
               </a:rPr>
-              <a:t>게시물 작성 </a:t>
-            </a:r>
-            <a:r>
-              <a:rPr lang="ko-KR" altLang="en-US" sz="2400" dirty="0" smtClean="0">
-                <a:solidFill>
-                  <a:schemeClr val="bg1"/>
-                </a:solidFill>
-                <a:latin typeface="HY태백B" pitchFamily="18" charset="-127"/>
-                <a:ea typeface="HY태백B" pitchFamily="18" charset="-127"/>
-              </a:rPr>
-              <a:t>페이지 </a:t>
+              <a:t>게시물 작성 페이지 </a:t>
             </a:r>
             <a:r>
               <a:rPr lang="en-US" altLang="ko-KR" sz="2400" dirty="0" smtClean="0">
